--- a/The Ultimate Crypto Challenge - Dodgy Coders.pptx
+++ b/The Ultimate Crypto Challenge - Dodgy Coders.pptx
@@ -111,6 +111,11 @@
       </a:defRPr>
     </a:lvl9pPr>
   </p:defaultTextStyle>
+  <p:extLst>
+    <p:ext uri="{EFAFB233-063F-42B5-8137-9DF3F51BA10A}">
+      <p15:sldGuideLst xmlns:p15="http://schemas.microsoft.com/office/powerpoint/2012/main"/>
+    </p:ext>
+  </p:extLst>
 </p:presentation>
 </file>
 
@@ -2161,6 +2166,13 @@
         </dgm:presLayoutVars>
       </dgm:prSet>
       <dgm:spPr/>
+      <dgm:t>
+        <a:bodyPr/>
+        <a:lstStyle/>
+        <a:p>
+          <a:endParaRPr lang="en-US"/>
+        </a:p>
+      </dgm:t>
     </dgm:pt>
     <dgm:pt modelId="{F07C4891-ABFA-45A2-A93A-8E9D85C51A96}" type="pres">
       <dgm:prSet presAssocID="{98D8F6CF-514F-4160-8CCB-D45067272E74}" presName="compNode" presStyleCnt="0"/>
@@ -2177,10 +2189,24 @@
         </dgm:presLayoutVars>
       </dgm:prSet>
       <dgm:spPr/>
+      <dgm:t>
+        <a:bodyPr/>
+        <a:lstStyle/>
+        <a:p>
+          <a:endParaRPr lang="en-US"/>
+        </a:p>
+      </dgm:t>
     </dgm:pt>
     <dgm:pt modelId="{73709BFB-CA92-4479-92AC-C3E393801702}" type="pres">
       <dgm:prSet presAssocID="{73D92DF2-19F5-47E4-8D75-2CCC23284066}" presName="sibTrans" presStyleLbl="bgSibTrans2D1" presStyleIdx="0" presStyleCnt="8"/>
       <dgm:spPr/>
+      <dgm:t>
+        <a:bodyPr/>
+        <a:lstStyle/>
+        <a:p>
+          <a:endParaRPr lang="en-US"/>
+        </a:p>
+      </dgm:t>
     </dgm:pt>
     <dgm:pt modelId="{22183DE0-3F04-484D-B2EB-F6DA10864846}" type="pres">
       <dgm:prSet presAssocID="{52DB1B45-4887-4709-90BF-DA5549BEC830}" presName="compNode" presStyleCnt="0"/>
@@ -2197,10 +2223,24 @@
         </dgm:presLayoutVars>
       </dgm:prSet>
       <dgm:spPr/>
+      <dgm:t>
+        <a:bodyPr/>
+        <a:lstStyle/>
+        <a:p>
+          <a:endParaRPr lang="en-US"/>
+        </a:p>
+      </dgm:t>
     </dgm:pt>
     <dgm:pt modelId="{014AF4BF-7C6B-43A4-875E-812E69FD0551}" type="pres">
       <dgm:prSet presAssocID="{2954DEC6-91DF-407C-9306-72DE3B9E6CF6}" presName="sibTrans" presStyleLbl="bgSibTrans2D1" presStyleIdx="1" presStyleCnt="8"/>
       <dgm:spPr/>
+      <dgm:t>
+        <a:bodyPr/>
+        <a:lstStyle/>
+        <a:p>
+          <a:endParaRPr lang="en-US"/>
+        </a:p>
+      </dgm:t>
     </dgm:pt>
     <dgm:pt modelId="{2ECB18E6-21C9-4490-ADE0-2171C76E73C9}" type="pres">
       <dgm:prSet presAssocID="{D010E2A2-A6E3-429E-B730-B8AA27B4016C}" presName="compNode" presStyleCnt="0"/>
@@ -2217,10 +2257,24 @@
         </dgm:presLayoutVars>
       </dgm:prSet>
       <dgm:spPr/>
+      <dgm:t>
+        <a:bodyPr/>
+        <a:lstStyle/>
+        <a:p>
+          <a:endParaRPr lang="en-US"/>
+        </a:p>
+      </dgm:t>
     </dgm:pt>
     <dgm:pt modelId="{21641822-2B47-4FF1-8DD3-FB061903E690}" type="pres">
       <dgm:prSet presAssocID="{C5DEA124-D554-4F2E-8154-18407C165156}" presName="sibTrans" presStyleLbl="bgSibTrans2D1" presStyleIdx="2" presStyleCnt="8"/>
       <dgm:spPr/>
+      <dgm:t>
+        <a:bodyPr/>
+        <a:lstStyle/>
+        <a:p>
+          <a:endParaRPr lang="en-US"/>
+        </a:p>
+      </dgm:t>
     </dgm:pt>
     <dgm:pt modelId="{DE6422E3-5ECE-43E3-9C0F-34CAABD01036}" type="pres">
       <dgm:prSet presAssocID="{EC960A84-CE7D-47B3-B33C-DA5A2D98ECAB}" presName="compNode" presStyleCnt="0"/>
@@ -2237,10 +2291,24 @@
         </dgm:presLayoutVars>
       </dgm:prSet>
       <dgm:spPr/>
+      <dgm:t>
+        <a:bodyPr/>
+        <a:lstStyle/>
+        <a:p>
+          <a:endParaRPr lang="en-US"/>
+        </a:p>
+      </dgm:t>
     </dgm:pt>
     <dgm:pt modelId="{D9F44A24-9B2A-40E5-B022-F969EFA288F0}" type="pres">
       <dgm:prSet presAssocID="{35D14CB7-9800-41BC-ABD7-E9C048F9B2E1}" presName="sibTrans" presStyleLbl="bgSibTrans2D1" presStyleIdx="3" presStyleCnt="8"/>
       <dgm:spPr/>
+      <dgm:t>
+        <a:bodyPr/>
+        <a:lstStyle/>
+        <a:p>
+          <a:endParaRPr lang="en-US"/>
+        </a:p>
+      </dgm:t>
     </dgm:pt>
     <dgm:pt modelId="{61F7E284-5FF6-4E3C-96EF-22233FFC95B3}" type="pres">
       <dgm:prSet presAssocID="{D42D189A-7868-4F42-9378-B2816B6B858B}" presName="compNode" presStyleCnt="0"/>
@@ -2257,10 +2325,24 @@
         </dgm:presLayoutVars>
       </dgm:prSet>
       <dgm:spPr/>
+      <dgm:t>
+        <a:bodyPr/>
+        <a:lstStyle/>
+        <a:p>
+          <a:endParaRPr lang="en-US"/>
+        </a:p>
+      </dgm:t>
     </dgm:pt>
     <dgm:pt modelId="{00307757-88BB-4394-AF94-922E635EC911}" type="pres">
       <dgm:prSet presAssocID="{8B265294-6BED-44CC-9CE6-15626F2F5984}" presName="sibTrans" presStyleLbl="bgSibTrans2D1" presStyleIdx="4" presStyleCnt="8"/>
       <dgm:spPr/>
+      <dgm:t>
+        <a:bodyPr/>
+        <a:lstStyle/>
+        <a:p>
+          <a:endParaRPr lang="en-US"/>
+        </a:p>
+      </dgm:t>
     </dgm:pt>
     <dgm:pt modelId="{A3EC3196-7879-41DD-AD1F-CA7528DC0D37}" type="pres">
       <dgm:prSet presAssocID="{336BCC48-B0A2-4A5E-84BB-9A7719326218}" presName="compNode" presStyleCnt="0"/>
@@ -2277,10 +2359,24 @@
         </dgm:presLayoutVars>
       </dgm:prSet>
       <dgm:spPr/>
+      <dgm:t>
+        <a:bodyPr/>
+        <a:lstStyle/>
+        <a:p>
+          <a:endParaRPr lang="en-US"/>
+        </a:p>
+      </dgm:t>
     </dgm:pt>
     <dgm:pt modelId="{8DE238DE-FDF4-4F1B-B6DA-DB67847296C8}" type="pres">
       <dgm:prSet presAssocID="{BDBA7C08-0D5D-4862-877B-27D9DF2E6100}" presName="sibTrans" presStyleLbl="bgSibTrans2D1" presStyleIdx="5" presStyleCnt="8"/>
       <dgm:spPr/>
+      <dgm:t>
+        <a:bodyPr/>
+        <a:lstStyle/>
+        <a:p>
+          <a:endParaRPr lang="en-US"/>
+        </a:p>
+      </dgm:t>
     </dgm:pt>
     <dgm:pt modelId="{740F4722-71D2-40A8-8B61-923DFFA5974D}" type="pres">
       <dgm:prSet presAssocID="{BF9D944C-17B9-44B3-BD98-90AA0B9F2181}" presName="compNode" presStyleCnt="0"/>
@@ -2297,10 +2393,24 @@
         </dgm:presLayoutVars>
       </dgm:prSet>
       <dgm:spPr/>
+      <dgm:t>
+        <a:bodyPr/>
+        <a:lstStyle/>
+        <a:p>
+          <a:endParaRPr lang="en-US"/>
+        </a:p>
+      </dgm:t>
     </dgm:pt>
     <dgm:pt modelId="{2DAFED1E-7664-4136-B876-BD85857AF0D7}" type="pres">
       <dgm:prSet presAssocID="{8B379775-1728-48A2-8790-693C28796D7D}" presName="sibTrans" presStyleLbl="bgSibTrans2D1" presStyleIdx="6" presStyleCnt="8"/>
       <dgm:spPr/>
+      <dgm:t>
+        <a:bodyPr/>
+        <a:lstStyle/>
+        <a:p>
+          <a:endParaRPr lang="en-US"/>
+        </a:p>
+      </dgm:t>
     </dgm:pt>
     <dgm:pt modelId="{60B80B3A-F3B5-415D-BBB1-BDD9488FA397}" type="pres">
       <dgm:prSet presAssocID="{E5D3B434-5F0F-4B46-8A9B-7F01A3EEEFE7}" presName="compNode" presStyleCnt="0"/>
@@ -2317,10 +2427,24 @@
         </dgm:presLayoutVars>
       </dgm:prSet>
       <dgm:spPr/>
+      <dgm:t>
+        <a:bodyPr/>
+        <a:lstStyle/>
+        <a:p>
+          <a:endParaRPr lang="en-US"/>
+        </a:p>
+      </dgm:t>
     </dgm:pt>
     <dgm:pt modelId="{4ECB9541-1903-4FD9-AEE8-A4C3CD8E5E16}" type="pres">
       <dgm:prSet presAssocID="{A3098E0E-A996-4DFE-AD90-ED7D91FC0705}" presName="sibTrans" presStyleLbl="bgSibTrans2D1" presStyleIdx="7" presStyleCnt="8"/>
       <dgm:spPr/>
+      <dgm:t>
+        <a:bodyPr/>
+        <a:lstStyle/>
+        <a:p>
+          <a:endParaRPr lang="en-US"/>
+        </a:p>
+      </dgm:t>
     </dgm:pt>
     <dgm:pt modelId="{81D7D77C-8046-4070-A7D5-D8BC26F02F38}" type="pres">
       <dgm:prSet presAssocID="{A587EC36-440A-45AA-8C27-63A08426F300}" presName="compNode" presStyleCnt="0"/>
@@ -2337,36 +2461,43 @@
         </dgm:presLayoutVars>
       </dgm:prSet>
       <dgm:spPr/>
+      <dgm:t>
+        <a:bodyPr/>
+        <a:lstStyle/>
+        <a:p>
+          <a:endParaRPr lang="en-US"/>
+        </a:p>
+      </dgm:t>
     </dgm:pt>
   </dgm:ptLst>
   <dgm:cxnLst>
+    <dgm:cxn modelId="{0FBB2F1D-3956-48D5-84EE-73CB547B6460}" srcId="{3CE32C8E-9685-4A40-9F83-1C26865B18C1}" destId="{E5D3B434-5F0F-4B46-8A9B-7F01A3EEEFE7}" srcOrd="7" destOrd="0" parTransId="{79D9DE47-F6E8-473E-9C68-F3F3D277848F}" sibTransId="{A3098E0E-A996-4DFE-AD90-ED7D91FC0705}"/>
+    <dgm:cxn modelId="{0B1DFDB8-835C-47B4-8B5B-45919B549844}" type="presOf" srcId="{BDBA7C08-0D5D-4862-877B-27D9DF2E6100}" destId="{8DE238DE-FDF4-4F1B-B6DA-DB67847296C8}" srcOrd="0" destOrd="0" presId="urn:microsoft.com/office/officeart/2005/8/layout/bProcess4"/>
+    <dgm:cxn modelId="{4C541EA5-E908-4663-986B-B092D7C63654}" srcId="{3CE32C8E-9685-4A40-9F83-1C26865B18C1}" destId="{D42D189A-7868-4F42-9378-B2816B6B858B}" srcOrd="4" destOrd="0" parTransId="{68FA8A15-D942-4449-8F0F-21DCE26D217C}" sibTransId="{8B265294-6BED-44CC-9CE6-15626F2F5984}"/>
+    <dgm:cxn modelId="{15D318FA-C5C9-48D5-8308-AD659EAE9726}" type="presOf" srcId="{D010E2A2-A6E3-429E-B730-B8AA27B4016C}" destId="{C2AD53BE-2EDB-4548-A8AF-51C970D94BF7}" srcOrd="0" destOrd="0" presId="urn:microsoft.com/office/officeart/2005/8/layout/bProcess4"/>
     <dgm:cxn modelId="{695D370D-A195-41E0-82E9-BC9030755D6A}" type="presOf" srcId="{35D14CB7-9800-41BC-ABD7-E9C048F9B2E1}" destId="{D9F44A24-9B2A-40E5-B022-F969EFA288F0}" srcOrd="0" destOrd="0" presId="urn:microsoft.com/office/officeart/2005/8/layout/bProcess4"/>
     <dgm:cxn modelId="{B9842316-3BBE-448F-A676-6AAFBA59E967}" type="presOf" srcId="{2954DEC6-91DF-407C-9306-72DE3B9E6CF6}" destId="{014AF4BF-7C6B-43A4-875E-812E69FD0551}" srcOrd="0" destOrd="0" presId="urn:microsoft.com/office/officeart/2005/8/layout/bProcess4"/>
+    <dgm:cxn modelId="{D9DE259A-DDB6-4A80-9EFA-227AD81D8CBC}" type="presOf" srcId="{73D92DF2-19F5-47E4-8D75-2CCC23284066}" destId="{73709BFB-CA92-4479-92AC-C3E393801702}" srcOrd="0" destOrd="0" presId="urn:microsoft.com/office/officeart/2005/8/layout/bProcess4"/>
+    <dgm:cxn modelId="{59195B1A-381E-4068-B4AC-D21CED21FD5C}" type="presOf" srcId="{52DB1B45-4887-4709-90BF-DA5549BEC830}" destId="{08A44764-ACAB-4BD6-A320-C25FA81BDF31}" srcOrd="0" destOrd="0" presId="urn:microsoft.com/office/officeart/2005/8/layout/bProcess4"/>
+    <dgm:cxn modelId="{DC664AF1-5A55-4949-BB42-53B6F22B1C0B}" srcId="{3CE32C8E-9685-4A40-9F83-1C26865B18C1}" destId="{A587EC36-440A-45AA-8C27-63A08426F300}" srcOrd="8" destOrd="0" parTransId="{BC66E882-2EB6-46AA-A5E1-D8935A8B0FD4}" sibTransId="{67AE8C0B-7C32-44EC-A329-875E666B31F7}"/>
+    <dgm:cxn modelId="{69894D4B-12D4-42AD-8FDC-0C006A90C705}" srcId="{3CE32C8E-9685-4A40-9F83-1C26865B18C1}" destId="{336BCC48-B0A2-4A5E-84BB-9A7719326218}" srcOrd="5" destOrd="0" parTransId="{EAEF9373-09A0-4BF4-9FE7-B56F1F56C130}" sibTransId="{BDBA7C08-0D5D-4862-877B-27D9DF2E6100}"/>
+    <dgm:cxn modelId="{1FE1877A-BE86-4206-B388-8D710543EF80}" type="presOf" srcId="{A587EC36-440A-45AA-8C27-63A08426F300}" destId="{89CD50FC-3030-448A-9432-5204505208E6}" srcOrd="0" destOrd="0" presId="urn:microsoft.com/office/officeart/2005/8/layout/bProcess4"/>
+    <dgm:cxn modelId="{F6E28E39-3AEC-44CA-88D6-679A4086599D}" type="presOf" srcId="{E5D3B434-5F0F-4B46-8A9B-7F01A3EEEFE7}" destId="{4220EE4C-0B2E-49FC-A983-2FA26DEE7F2B}" srcOrd="0" destOrd="0" presId="urn:microsoft.com/office/officeart/2005/8/layout/bProcess4"/>
+    <dgm:cxn modelId="{2277FBFD-806A-41B5-9ABA-ACB116CD8E53}" type="presOf" srcId="{8B379775-1728-48A2-8790-693C28796D7D}" destId="{2DAFED1E-7664-4136-B876-BD85857AF0D7}" srcOrd="0" destOrd="0" presId="urn:microsoft.com/office/officeart/2005/8/layout/bProcess4"/>
+    <dgm:cxn modelId="{415C1CF5-AD68-42E9-8E49-5218DA81362C}" srcId="{3CE32C8E-9685-4A40-9F83-1C26865B18C1}" destId="{D010E2A2-A6E3-429E-B730-B8AA27B4016C}" srcOrd="2" destOrd="0" parTransId="{540D913C-EBE9-457A-8950-BC48F9C9A117}" sibTransId="{C5DEA124-D554-4F2E-8154-18407C165156}"/>
+    <dgm:cxn modelId="{4DADD631-3D15-484C-B03B-1DAF2B1FA685}" type="presOf" srcId="{3CE32C8E-9685-4A40-9F83-1C26865B18C1}" destId="{BF3D9D83-22B7-4082-8602-DF01BF990E52}" srcOrd="0" destOrd="0" presId="urn:microsoft.com/office/officeart/2005/8/layout/bProcess4"/>
+    <dgm:cxn modelId="{9FDFFAC7-89C3-40E3-B9B2-EC2DE4C93E90}" srcId="{3CE32C8E-9685-4A40-9F83-1C26865B18C1}" destId="{52DB1B45-4887-4709-90BF-DA5549BEC830}" srcOrd="1" destOrd="0" parTransId="{7EAE0AEA-1882-4B2D-8FC5-91201854FBAB}" sibTransId="{2954DEC6-91DF-407C-9306-72DE3B9E6CF6}"/>
+    <dgm:cxn modelId="{1EE2CA99-3348-4A72-B821-4F8AC75FC29E}" srcId="{3CE32C8E-9685-4A40-9F83-1C26865B18C1}" destId="{EC960A84-CE7D-47B3-B33C-DA5A2D98ECAB}" srcOrd="3" destOrd="0" parTransId="{600A8F4F-FA2D-4656-8D6B-D19E1A3DF96A}" sibTransId="{35D14CB7-9800-41BC-ABD7-E9C048F9B2E1}"/>
+    <dgm:cxn modelId="{747F05AA-C553-4342-8E4B-9189A7E269FA}" type="presOf" srcId="{8B265294-6BED-44CC-9CE6-15626F2F5984}" destId="{00307757-88BB-4394-AF94-922E635EC911}" srcOrd="0" destOrd="0" presId="urn:microsoft.com/office/officeart/2005/8/layout/bProcess4"/>
+    <dgm:cxn modelId="{35F92377-37B1-455B-A09A-D2B3CBFF0039}" type="presOf" srcId="{A3098E0E-A996-4DFE-AD90-ED7D91FC0705}" destId="{4ECB9541-1903-4FD9-AEE8-A4C3CD8E5E16}" srcOrd="0" destOrd="0" presId="urn:microsoft.com/office/officeart/2005/8/layout/bProcess4"/>
     <dgm:cxn modelId="{34A9CE17-2F44-4C88-8498-D09ADDF4D017}" srcId="{3CE32C8E-9685-4A40-9F83-1C26865B18C1}" destId="{98D8F6CF-514F-4160-8CCB-D45067272E74}" srcOrd="0" destOrd="0" parTransId="{7C6F623C-6181-4EEE-8CF7-EC70F4AF0D0F}" sibTransId="{73D92DF2-19F5-47E4-8D75-2CCC23284066}"/>
-    <dgm:cxn modelId="{59195B1A-381E-4068-B4AC-D21CED21FD5C}" type="presOf" srcId="{52DB1B45-4887-4709-90BF-DA5549BEC830}" destId="{08A44764-ACAB-4BD6-A320-C25FA81BDF31}" srcOrd="0" destOrd="0" presId="urn:microsoft.com/office/officeart/2005/8/layout/bProcess4"/>
-    <dgm:cxn modelId="{0FBB2F1D-3956-48D5-84EE-73CB547B6460}" srcId="{3CE32C8E-9685-4A40-9F83-1C26865B18C1}" destId="{E5D3B434-5F0F-4B46-8A9B-7F01A3EEEFE7}" srcOrd="7" destOrd="0" parTransId="{79D9DE47-F6E8-473E-9C68-F3F3D277848F}" sibTransId="{A3098E0E-A996-4DFE-AD90-ED7D91FC0705}"/>
-    <dgm:cxn modelId="{4DADD631-3D15-484C-B03B-1DAF2B1FA685}" type="presOf" srcId="{3CE32C8E-9685-4A40-9F83-1C26865B18C1}" destId="{BF3D9D83-22B7-4082-8602-DF01BF990E52}" srcOrd="0" destOrd="0" presId="urn:microsoft.com/office/officeart/2005/8/layout/bProcess4"/>
-    <dgm:cxn modelId="{F6E28E39-3AEC-44CA-88D6-679A4086599D}" type="presOf" srcId="{E5D3B434-5F0F-4B46-8A9B-7F01A3EEEFE7}" destId="{4220EE4C-0B2E-49FC-A983-2FA26DEE7F2B}" srcOrd="0" destOrd="0" presId="urn:microsoft.com/office/officeart/2005/8/layout/bProcess4"/>
+    <dgm:cxn modelId="{F49E6CA3-481C-4238-A289-3123BD1B7E6B}" type="presOf" srcId="{98D8F6CF-514F-4160-8CCB-D45067272E74}" destId="{15D123C3-EC83-468D-B742-A800E68080E2}" srcOrd="0" destOrd="0" presId="urn:microsoft.com/office/officeart/2005/8/layout/bProcess4"/>
+    <dgm:cxn modelId="{0EC0AA57-4169-4033-B308-87EFDF2B01A9}" type="presOf" srcId="{336BCC48-B0A2-4A5E-84BB-9A7719326218}" destId="{7A9D35E5-BD53-4D56-B9D6-DAFB5519B879}" srcOrd="0" destOrd="0" presId="urn:microsoft.com/office/officeart/2005/8/layout/bProcess4"/>
+    <dgm:cxn modelId="{88D6E3E1-37AB-4F87-8925-231601D8EC6E}" type="presOf" srcId="{C5DEA124-D554-4F2E-8154-18407C165156}" destId="{21641822-2B47-4FF1-8DD3-FB061903E690}" srcOrd="0" destOrd="0" presId="urn:microsoft.com/office/officeart/2005/8/layout/bProcess4"/>
     <dgm:cxn modelId="{F9819C68-F7E7-43CB-A389-5D6DA1BB7B98}" type="presOf" srcId="{D42D189A-7868-4F42-9378-B2816B6B858B}" destId="{85B3B816-B1CF-42FF-B02C-FF4DB10E7EB6}" srcOrd="0" destOrd="0" presId="urn:microsoft.com/office/officeart/2005/8/layout/bProcess4"/>
-    <dgm:cxn modelId="{69894D4B-12D4-42AD-8FDC-0C006A90C705}" srcId="{3CE32C8E-9685-4A40-9F83-1C26865B18C1}" destId="{336BCC48-B0A2-4A5E-84BB-9A7719326218}" srcOrd="5" destOrd="0" parTransId="{EAEF9373-09A0-4BF4-9FE7-B56F1F56C130}" sibTransId="{BDBA7C08-0D5D-4862-877B-27D9DF2E6100}"/>
+    <dgm:cxn modelId="{7BCDE9BD-0BD0-49B9-B2D2-E9A076AA957A}" srcId="{3CE32C8E-9685-4A40-9F83-1C26865B18C1}" destId="{BF9D944C-17B9-44B3-BD98-90AA0B9F2181}" srcOrd="6" destOrd="0" parTransId="{5E5ED6AF-896E-4CCA-A137-9153C2345948}" sibTransId="{8B379775-1728-48A2-8790-693C28796D7D}"/>
     <dgm:cxn modelId="{52A7926C-7699-4DE5-BC52-0FBEF55671FF}" type="presOf" srcId="{EC960A84-CE7D-47B3-B33C-DA5A2D98ECAB}" destId="{9375FA2A-C476-40AC-AF00-3BD692D5D168}" srcOrd="0" destOrd="0" presId="urn:microsoft.com/office/officeart/2005/8/layout/bProcess4"/>
     <dgm:cxn modelId="{7980734D-8C48-4502-AC11-B6D87F2F1475}" type="presOf" srcId="{BF9D944C-17B9-44B3-BD98-90AA0B9F2181}" destId="{999022C5-A777-41E9-9B77-E540FC35CB76}" srcOrd="0" destOrd="0" presId="urn:microsoft.com/office/officeart/2005/8/layout/bProcess4"/>
-    <dgm:cxn modelId="{35F92377-37B1-455B-A09A-D2B3CBFF0039}" type="presOf" srcId="{A3098E0E-A996-4DFE-AD90-ED7D91FC0705}" destId="{4ECB9541-1903-4FD9-AEE8-A4C3CD8E5E16}" srcOrd="0" destOrd="0" presId="urn:microsoft.com/office/officeart/2005/8/layout/bProcess4"/>
-    <dgm:cxn modelId="{0EC0AA57-4169-4033-B308-87EFDF2B01A9}" type="presOf" srcId="{336BCC48-B0A2-4A5E-84BB-9A7719326218}" destId="{7A9D35E5-BD53-4D56-B9D6-DAFB5519B879}" srcOrd="0" destOrd="0" presId="urn:microsoft.com/office/officeart/2005/8/layout/bProcess4"/>
-    <dgm:cxn modelId="{1FE1877A-BE86-4206-B388-8D710543EF80}" type="presOf" srcId="{A587EC36-440A-45AA-8C27-63A08426F300}" destId="{89CD50FC-3030-448A-9432-5204505208E6}" srcOrd="0" destOrd="0" presId="urn:microsoft.com/office/officeart/2005/8/layout/bProcess4"/>
-    <dgm:cxn modelId="{1EE2CA99-3348-4A72-B821-4F8AC75FC29E}" srcId="{3CE32C8E-9685-4A40-9F83-1C26865B18C1}" destId="{EC960A84-CE7D-47B3-B33C-DA5A2D98ECAB}" srcOrd="3" destOrd="0" parTransId="{600A8F4F-FA2D-4656-8D6B-D19E1A3DF96A}" sibTransId="{35D14CB7-9800-41BC-ABD7-E9C048F9B2E1}"/>
-    <dgm:cxn modelId="{D9DE259A-DDB6-4A80-9EFA-227AD81D8CBC}" type="presOf" srcId="{73D92DF2-19F5-47E4-8D75-2CCC23284066}" destId="{73709BFB-CA92-4479-92AC-C3E393801702}" srcOrd="0" destOrd="0" presId="urn:microsoft.com/office/officeart/2005/8/layout/bProcess4"/>
-    <dgm:cxn modelId="{F49E6CA3-481C-4238-A289-3123BD1B7E6B}" type="presOf" srcId="{98D8F6CF-514F-4160-8CCB-D45067272E74}" destId="{15D123C3-EC83-468D-B742-A800E68080E2}" srcOrd="0" destOrd="0" presId="urn:microsoft.com/office/officeart/2005/8/layout/bProcess4"/>
-    <dgm:cxn modelId="{4C541EA5-E908-4663-986B-B092D7C63654}" srcId="{3CE32C8E-9685-4A40-9F83-1C26865B18C1}" destId="{D42D189A-7868-4F42-9378-B2816B6B858B}" srcOrd="4" destOrd="0" parTransId="{68FA8A15-D942-4449-8F0F-21DCE26D217C}" sibTransId="{8B265294-6BED-44CC-9CE6-15626F2F5984}"/>
-    <dgm:cxn modelId="{747F05AA-C553-4342-8E4B-9189A7E269FA}" type="presOf" srcId="{8B265294-6BED-44CC-9CE6-15626F2F5984}" destId="{00307757-88BB-4394-AF94-922E635EC911}" srcOrd="0" destOrd="0" presId="urn:microsoft.com/office/officeart/2005/8/layout/bProcess4"/>
-    <dgm:cxn modelId="{0B1DFDB8-835C-47B4-8B5B-45919B549844}" type="presOf" srcId="{BDBA7C08-0D5D-4862-877B-27D9DF2E6100}" destId="{8DE238DE-FDF4-4F1B-B6DA-DB67847296C8}" srcOrd="0" destOrd="0" presId="urn:microsoft.com/office/officeart/2005/8/layout/bProcess4"/>
-    <dgm:cxn modelId="{7BCDE9BD-0BD0-49B9-B2D2-E9A076AA957A}" srcId="{3CE32C8E-9685-4A40-9F83-1C26865B18C1}" destId="{BF9D944C-17B9-44B3-BD98-90AA0B9F2181}" srcOrd="6" destOrd="0" parTransId="{5E5ED6AF-896E-4CCA-A137-9153C2345948}" sibTransId="{8B379775-1728-48A2-8790-693C28796D7D}"/>
-    <dgm:cxn modelId="{9FDFFAC7-89C3-40E3-B9B2-EC2DE4C93E90}" srcId="{3CE32C8E-9685-4A40-9F83-1C26865B18C1}" destId="{52DB1B45-4887-4709-90BF-DA5549BEC830}" srcOrd="1" destOrd="0" parTransId="{7EAE0AEA-1882-4B2D-8FC5-91201854FBAB}" sibTransId="{2954DEC6-91DF-407C-9306-72DE3B9E6CF6}"/>
-    <dgm:cxn modelId="{88D6E3E1-37AB-4F87-8925-231601D8EC6E}" type="presOf" srcId="{C5DEA124-D554-4F2E-8154-18407C165156}" destId="{21641822-2B47-4FF1-8DD3-FB061903E690}" srcOrd="0" destOrd="0" presId="urn:microsoft.com/office/officeart/2005/8/layout/bProcess4"/>
-    <dgm:cxn modelId="{DC664AF1-5A55-4949-BB42-53B6F22B1C0B}" srcId="{3CE32C8E-9685-4A40-9F83-1C26865B18C1}" destId="{A587EC36-440A-45AA-8C27-63A08426F300}" srcOrd="8" destOrd="0" parTransId="{BC66E882-2EB6-46AA-A5E1-D8935A8B0FD4}" sibTransId="{67AE8C0B-7C32-44EC-A329-875E666B31F7}"/>
-    <dgm:cxn modelId="{415C1CF5-AD68-42E9-8E49-5218DA81362C}" srcId="{3CE32C8E-9685-4A40-9F83-1C26865B18C1}" destId="{D010E2A2-A6E3-429E-B730-B8AA27B4016C}" srcOrd="2" destOrd="0" parTransId="{540D913C-EBE9-457A-8950-BC48F9C9A117}" sibTransId="{C5DEA124-D554-4F2E-8154-18407C165156}"/>
-    <dgm:cxn modelId="{15D318FA-C5C9-48D5-8308-AD659EAE9726}" type="presOf" srcId="{D010E2A2-A6E3-429E-B730-B8AA27B4016C}" destId="{C2AD53BE-2EDB-4548-A8AF-51C970D94BF7}" srcOrd="0" destOrd="0" presId="urn:microsoft.com/office/officeart/2005/8/layout/bProcess4"/>
-    <dgm:cxn modelId="{2277FBFD-806A-41B5-9ABA-ACB116CD8E53}" type="presOf" srcId="{8B379775-1728-48A2-8790-693C28796D7D}" destId="{2DAFED1E-7664-4136-B876-BD85857AF0D7}" srcOrd="0" destOrd="0" presId="urn:microsoft.com/office/officeart/2005/8/layout/bProcess4"/>
     <dgm:cxn modelId="{82A4BCBC-EDEE-45EB-881A-53B555810C6B}" type="presParOf" srcId="{BF3D9D83-22B7-4082-8602-DF01BF990E52}" destId="{F07C4891-ABFA-45A2-A93A-8E9D85C51A96}" srcOrd="0" destOrd="0" presId="urn:microsoft.com/office/officeart/2005/8/layout/bProcess4"/>
     <dgm:cxn modelId="{08D11043-87D1-4EF2-99DF-190B5C87BADD}" type="presParOf" srcId="{F07C4891-ABFA-45A2-A93A-8E9D85C51A96}" destId="{506FAFAF-7682-4B11-B552-2806C899AF03}" srcOrd="0" destOrd="0" presId="urn:microsoft.com/office/officeart/2005/8/layout/bProcess4"/>
     <dgm:cxn modelId="{FC85C765-4CDB-4037-9D71-9D5552D4DF46}" type="presParOf" srcId="{F07C4891-ABFA-45A2-A93A-8E9D85C51A96}" destId="{15D123C3-EC83-468D-B742-A800E68080E2}" srcOrd="1" destOrd="0" presId="urn:microsoft.com/office/officeart/2005/8/layout/bProcess4"/>
@@ -3284,6 +3415,13 @@
         </dgm:presLayoutVars>
       </dgm:prSet>
       <dgm:spPr/>
+      <dgm:t>
+        <a:bodyPr/>
+        <a:lstStyle/>
+        <a:p>
+          <a:endParaRPr lang="en-US"/>
+        </a:p>
+      </dgm:t>
     </dgm:pt>
     <dgm:pt modelId="{153F2D1F-D566-4616-B0A7-5332E9955D29}" type="pres">
       <dgm:prSet presAssocID="{267EF4EC-D0CB-4929-A87F-AFA8BEFE135B}" presName="composite" presStyleCnt="0"/>
@@ -3306,10 +3444,24 @@
           <a:avLst/>
         </a:prstGeom>
       </dgm:spPr>
+      <dgm:t>
+        <a:bodyPr/>
+        <a:lstStyle/>
+        <a:p>
+          <a:endParaRPr lang="en-US"/>
+        </a:p>
+      </dgm:t>
     </dgm:pt>
     <dgm:pt modelId="{04A49246-66E9-4B3D-85BA-50C453C57030}" type="pres">
       <dgm:prSet presAssocID="{267EF4EC-D0CB-4929-A87F-AFA8BEFE135B}" presName="parSh" presStyleLbl="node1" presStyleIdx="0" presStyleCnt="3" custScaleY="108405"/>
       <dgm:spPr/>
+      <dgm:t>
+        <a:bodyPr/>
+        <a:lstStyle/>
+        <a:p>
+          <a:endParaRPr lang="en-US"/>
+        </a:p>
+      </dgm:t>
     </dgm:pt>
     <dgm:pt modelId="{0300FE74-4AB5-44CC-AEBD-63968DD74478}" type="pres">
       <dgm:prSet presAssocID="{267EF4EC-D0CB-4929-A87F-AFA8BEFE135B}" presName="desTx" presStyleLbl="fgAcc1" presStyleIdx="0" presStyleCnt="3">
@@ -3318,6 +3470,13 @@
         </dgm:presLayoutVars>
       </dgm:prSet>
       <dgm:spPr/>
+      <dgm:t>
+        <a:bodyPr/>
+        <a:lstStyle/>
+        <a:p>
+          <a:endParaRPr lang="en-US"/>
+        </a:p>
+      </dgm:t>
     </dgm:pt>
     <dgm:pt modelId="{F4821466-1C27-4545-A178-DCBD5FB01727}" type="pres">
       <dgm:prSet presAssocID="{AA231111-88F3-4DEF-B84F-C0B97BDDA3D6}" presName="sibTrans" presStyleLbl="sibTrans2D1" presStyleIdx="0" presStyleCnt="2"/>
@@ -3333,10 +3492,24 @@
           </a:avLst>
         </a:prstGeom>
       </dgm:spPr>
+      <dgm:t>
+        <a:bodyPr/>
+        <a:lstStyle/>
+        <a:p>
+          <a:endParaRPr lang="en-US"/>
+        </a:p>
+      </dgm:t>
     </dgm:pt>
     <dgm:pt modelId="{1474F13E-6566-4378-BA93-514B2525D3FA}" type="pres">
       <dgm:prSet presAssocID="{AA231111-88F3-4DEF-B84F-C0B97BDDA3D6}" presName="connTx" presStyleLbl="sibTrans2D1" presStyleIdx="0" presStyleCnt="2"/>
       <dgm:spPr/>
+      <dgm:t>
+        <a:bodyPr/>
+        <a:lstStyle/>
+        <a:p>
+          <a:endParaRPr lang="en-US"/>
+        </a:p>
+      </dgm:t>
     </dgm:pt>
     <dgm:pt modelId="{1FC2FC64-739B-4C6A-B081-FD8ABE2BAC88}" type="pres">
       <dgm:prSet presAssocID="{4E7D3F97-F0F1-4B40-83D7-94472C26259D}" presName="composite" presStyleCnt="0"/>
@@ -3351,6 +3524,13 @@
         </dgm:presLayoutVars>
       </dgm:prSet>
       <dgm:spPr/>
+      <dgm:t>
+        <a:bodyPr/>
+        <a:lstStyle/>
+        <a:p>
+          <a:endParaRPr lang="en-US"/>
+        </a:p>
+      </dgm:t>
     </dgm:pt>
     <dgm:pt modelId="{AF174876-AB93-4494-A84F-EA4E9847E97D}" type="pres">
       <dgm:prSet presAssocID="{4E7D3F97-F0F1-4B40-83D7-94472C26259D}" presName="parSh" presStyleLbl="node1" presStyleIdx="1" presStyleCnt="3"/>
@@ -3365,6 +3545,13 @@
           </a:avLst>
         </a:prstGeom>
       </dgm:spPr>
+      <dgm:t>
+        <a:bodyPr/>
+        <a:lstStyle/>
+        <a:p>
+          <a:endParaRPr lang="en-US"/>
+        </a:p>
+      </dgm:t>
     </dgm:pt>
     <dgm:pt modelId="{482DC60F-1285-480E-BF56-A741AE247787}" type="pres">
       <dgm:prSet presAssocID="{4E7D3F97-F0F1-4B40-83D7-94472C26259D}" presName="desTx" presStyleLbl="fgAcc1" presStyleIdx="1" presStyleCnt="3">
@@ -3373,6 +3560,13 @@
         </dgm:presLayoutVars>
       </dgm:prSet>
       <dgm:spPr/>
+      <dgm:t>
+        <a:bodyPr/>
+        <a:lstStyle/>
+        <a:p>
+          <a:endParaRPr lang="en-US"/>
+        </a:p>
+      </dgm:t>
     </dgm:pt>
     <dgm:pt modelId="{EA07F0F7-19E6-4B1A-8455-10C96CD8142D}" type="pres">
       <dgm:prSet presAssocID="{85B45284-5CA8-45E0-A69B-BE55F68DCFE0}" presName="sibTrans" presStyleLbl="sibTrans2D1" presStyleIdx="1" presStyleCnt="2"/>
@@ -3388,10 +3582,24 @@
           </a:avLst>
         </a:prstGeom>
       </dgm:spPr>
+      <dgm:t>
+        <a:bodyPr/>
+        <a:lstStyle/>
+        <a:p>
+          <a:endParaRPr lang="en-US"/>
+        </a:p>
+      </dgm:t>
     </dgm:pt>
     <dgm:pt modelId="{65DFF046-F2C4-443D-84E1-1F7E6917D6D3}" type="pres">
       <dgm:prSet presAssocID="{85B45284-5CA8-45E0-A69B-BE55F68DCFE0}" presName="connTx" presStyleLbl="sibTrans2D1" presStyleIdx="1" presStyleCnt="2"/>
       <dgm:spPr/>
+      <dgm:t>
+        <a:bodyPr/>
+        <a:lstStyle/>
+        <a:p>
+          <a:endParaRPr lang="en-US"/>
+        </a:p>
+      </dgm:t>
     </dgm:pt>
     <dgm:pt modelId="{1195455B-4573-441A-8320-C76DC3036189}" type="pres">
       <dgm:prSet presAssocID="{2A97B653-C36D-4624-95D0-25EE0A0B99B7}" presName="composite" presStyleCnt="0"/>
@@ -3406,6 +3614,13 @@
         </dgm:presLayoutVars>
       </dgm:prSet>
       <dgm:spPr/>
+      <dgm:t>
+        <a:bodyPr/>
+        <a:lstStyle/>
+        <a:p>
+          <a:endParaRPr lang="en-US"/>
+        </a:p>
+      </dgm:t>
     </dgm:pt>
     <dgm:pt modelId="{CEB8B37F-BB04-47E2-892D-3A32E7903AF1}" type="pres">
       <dgm:prSet presAssocID="{2A97B653-C36D-4624-95D0-25EE0A0B99B7}" presName="parSh" presStyleLbl="node1" presStyleIdx="2" presStyleCnt="3"/>
@@ -3420,6 +3635,13 @@
           </a:avLst>
         </a:prstGeom>
       </dgm:spPr>
+      <dgm:t>
+        <a:bodyPr/>
+        <a:lstStyle/>
+        <a:p>
+          <a:endParaRPr lang="en-US"/>
+        </a:p>
+      </dgm:t>
     </dgm:pt>
     <dgm:pt modelId="{E0DC1596-F03F-45CD-AA93-E2512A12E189}" type="pres">
       <dgm:prSet presAssocID="{2A97B653-C36D-4624-95D0-25EE0A0B99B7}" presName="desTx" presStyleLbl="fgAcc1" presStyleIdx="2" presStyleCnt="3">
@@ -3428,43 +3650,50 @@
         </dgm:presLayoutVars>
       </dgm:prSet>
       <dgm:spPr/>
+      <dgm:t>
+        <a:bodyPr/>
+        <a:lstStyle/>
+        <a:p>
+          <a:endParaRPr lang="en-US"/>
+        </a:p>
+      </dgm:t>
     </dgm:pt>
   </dgm:ptLst>
   <dgm:cxnLst>
+    <dgm:cxn modelId="{6E377544-E424-47F1-B5C2-BE21FCE65A76}" srcId="{4E7D3F97-F0F1-4B40-83D7-94472C26259D}" destId="{7A1DD43A-B1C7-403F-87B4-33A115D2DCC8}" srcOrd="2" destOrd="0" parTransId="{20003263-3713-4E06-8E88-04C8BB613CDB}" sibTransId="{476B5173-5892-49A2-BB91-E19E7B57A3BF}"/>
+    <dgm:cxn modelId="{7BD924FC-4DA1-4D8C-ADF1-FC0FCCD5A364}" srcId="{267EF4EC-D0CB-4929-A87F-AFA8BEFE135B}" destId="{526C6342-2E22-4430-8E87-90EB62E12CCA}" srcOrd="1" destOrd="0" parTransId="{BE138274-790B-4EF4-8574-3B00D8CEC2C4}" sibTransId="{F41181D6-033C-41FF-8C82-C4A69B552047}"/>
+    <dgm:cxn modelId="{A0413186-7563-4E05-B451-5572CA282638}" type="presOf" srcId="{85B45284-5CA8-45E0-A69B-BE55F68DCFE0}" destId="{EA07F0F7-19E6-4B1A-8455-10C96CD8142D}" srcOrd="0" destOrd="0" presId="urn:microsoft.com/office/officeart/2005/8/layout/process3"/>
+    <dgm:cxn modelId="{EBED2BD5-5957-4A16-89E9-1967C6A6042F}" type="presOf" srcId="{267EF4EC-D0CB-4929-A87F-AFA8BEFE135B}" destId="{975D51E4-E0A8-4CF5-9B27-AF03C9945BD2}" srcOrd="0" destOrd="0" presId="urn:microsoft.com/office/officeart/2005/8/layout/process3"/>
+    <dgm:cxn modelId="{8F458F7F-19B7-4B92-8111-19438C69061D}" type="presOf" srcId="{AE6D12AE-3CF3-43EF-B8E8-0D0315FE8A0B}" destId="{0300FE74-4AB5-44CC-AEBD-63968DD74478}" srcOrd="0" destOrd="2" presId="urn:microsoft.com/office/officeart/2005/8/layout/process3"/>
+    <dgm:cxn modelId="{39F81AA8-AFB4-4D13-94A9-A2ED3C81531E}" type="presOf" srcId="{526C6342-2E22-4430-8E87-90EB62E12CCA}" destId="{0300FE74-4AB5-44CC-AEBD-63968DD74478}" srcOrd="0" destOrd="1" presId="urn:microsoft.com/office/officeart/2005/8/layout/process3"/>
+    <dgm:cxn modelId="{573F41D9-48C5-4965-9748-B7C1BB9F0496}" type="presOf" srcId="{71D1C6C0-A56D-4150-B368-0D12EE6C1548}" destId="{E0DC1596-F03F-45CD-AA93-E2512A12E189}" srcOrd="0" destOrd="1" presId="urn:microsoft.com/office/officeart/2005/8/layout/process3"/>
+    <dgm:cxn modelId="{1B03193E-446F-417B-85D2-6E5849D2E595}" srcId="{A611306B-0083-4E88-84B3-78C903A27041}" destId="{4E7D3F97-F0F1-4B40-83D7-94472C26259D}" srcOrd="1" destOrd="0" parTransId="{E5D2D644-113B-4834-806B-84AAF16E4B6D}" sibTransId="{85B45284-5CA8-45E0-A69B-BE55F68DCFE0}"/>
+    <dgm:cxn modelId="{9A1647F7-5FFD-4C1E-A654-8B4031CCA763}" srcId="{4E7D3F97-F0F1-4B40-83D7-94472C26259D}" destId="{3FB8D37D-705A-45E2-8D91-348EB35210BB}" srcOrd="0" destOrd="0" parTransId="{9B491FB4-E8A2-4C0F-87DF-B73C96E8FDBD}" sibTransId="{8EF44C6A-D9F2-4885-B438-E18F74E8F849}"/>
     <dgm:cxn modelId="{B61C6C02-3E7B-44A4-BEE8-6D4021432F16}" srcId="{A611306B-0083-4E88-84B3-78C903A27041}" destId="{2A97B653-C36D-4624-95D0-25EE0A0B99B7}" srcOrd="2" destOrd="0" parTransId="{5D85DA16-3EF9-4D0E-AD39-0BE242D0F93C}" sibTransId="{8DB9D323-E4D1-4659-9137-D6BB79F2D346}"/>
+    <dgm:cxn modelId="{2DE5EBFF-81C5-4B8F-8DC3-C04A7C9A7461}" type="presOf" srcId="{3FB8D37D-705A-45E2-8D91-348EB35210BB}" destId="{482DC60F-1285-480E-BF56-A741AE247787}" srcOrd="0" destOrd="0" presId="urn:microsoft.com/office/officeart/2005/8/layout/process3"/>
+    <dgm:cxn modelId="{07716CB4-D8A7-4F96-96AB-A1DFADC94FD3}" type="presOf" srcId="{4E7D3F97-F0F1-4B40-83D7-94472C26259D}" destId="{EB3121BD-6438-436E-B441-F77F6A65A0C9}" srcOrd="0" destOrd="0" presId="urn:microsoft.com/office/officeart/2005/8/layout/process3"/>
     <dgm:cxn modelId="{E198AC0A-D179-44F3-8930-2B5A4543A689}" type="presOf" srcId="{267EF4EC-D0CB-4929-A87F-AFA8BEFE135B}" destId="{04A49246-66E9-4B3D-85BA-50C453C57030}" srcOrd="1" destOrd="0" presId="urn:microsoft.com/office/officeart/2005/8/layout/process3"/>
-    <dgm:cxn modelId="{1E16AF0D-F2E0-4557-B345-CE29312F12A0}" srcId="{267EF4EC-D0CB-4929-A87F-AFA8BEFE135B}" destId="{D70B1726-6D2F-4495-8878-0A23DF770D37}" srcOrd="0" destOrd="0" parTransId="{25888AAF-4AD3-4A90-A0D2-409139B0C828}" sibTransId="{F96BE75C-9061-422D-9720-25B189BBAC51}"/>
-    <dgm:cxn modelId="{517ADF13-5ADE-4904-8EAC-427362690FC2}" srcId="{267EF4EC-D0CB-4929-A87F-AFA8BEFE135B}" destId="{AE6D12AE-3CF3-43EF-B8E8-0D0315FE8A0B}" srcOrd="2" destOrd="0" parTransId="{8113AECB-C5C8-4A53-A2DB-86E1F2B29ECF}" sibTransId="{9F83D960-9AF2-467E-B90E-5443B864B48D}"/>
+    <dgm:cxn modelId="{596E0BFA-F392-408A-BB56-745F26F4EB27}" type="presOf" srcId="{A611306B-0083-4E88-84B3-78C903A27041}" destId="{52DC58CE-6F4F-4E85-8678-AA35EA5C00E7}" srcOrd="0" destOrd="0" presId="urn:microsoft.com/office/officeart/2005/8/layout/process3"/>
     <dgm:cxn modelId="{67209114-7940-4D1C-819C-74DFF469368C}" type="presOf" srcId="{2A97B653-C36D-4624-95D0-25EE0A0B99B7}" destId="{CEB8B37F-BB04-47E2-892D-3A32E7903AF1}" srcOrd="1" destOrd="0" presId="urn:microsoft.com/office/officeart/2005/8/layout/process3"/>
     <dgm:cxn modelId="{2D73C414-A52E-4EFE-AE48-45B7F79038A5}" srcId="{2A97B653-C36D-4624-95D0-25EE0A0B99B7}" destId="{229F995F-5D8C-4761-A2DD-DC027F45494B}" srcOrd="0" destOrd="0" parTransId="{74271DAF-1E87-4349-A3BE-DA699EA74146}" sibTransId="{39D7BC15-E183-4CA8-9BE2-94477340549C}"/>
+    <dgm:cxn modelId="{1E16AF0D-F2E0-4557-B345-CE29312F12A0}" srcId="{267EF4EC-D0CB-4929-A87F-AFA8BEFE135B}" destId="{D70B1726-6D2F-4495-8878-0A23DF770D37}" srcOrd="0" destOrd="0" parTransId="{25888AAF-4AD3-4A90-A0D2-409139B0C828}" sibTransId="{F96BE75C-9061-422D-9720-25B189BBAC51}"/>
     <dgm:cxn modelId="{76AC9C21-E044-4A82-A67E-9E9DFC4CEAC6}" srcId="{4E7D3F97-F0F1-4B40-83D7-94472C26259D}" destId="{7DD956C1-E691-4CE8-9B83-8A30EE245F30}" srcOrd="1" destOrd="0" parTransId="{3C5498FD-5489-411B-8D79-2E81F8FE4C6A}" sibTransId="{386CB12A-0110-4BC6-B29A-3753253CA86E}"/>
+    <dgm:cxn modelId="{E48CE2B7-48B7-4B06-BB97-8E2DB47EDBBA}" type="presOf" srcId="{229F995F-5D8C-4761-A2DD-DC027F45494B}" destId="{E0DC1596-F03F-45CD-AA93-E2512A12E189}" srcOrd="0" destOrd="0" presId="urn:microsoft.com/office/officeart/2005/8/layout/process3"/>
+    <dgm:cxn modelId="{517ADF13-5ADE-4904-8EAC-427362690FC2}" srcId="{267EF4EC-D0CB-4929-A87F-AFA8BEFE135B}" destId="{AE6D12AE-3CF3-43EF-B8E8-0D0315FE8A0B}" srcOrd="2" destOrd="0" parTransId="{8113AECB-C5C8-4A53-A2DB-86E1F2B29ECF}" sibTransId="{9F83D960-9AF2-467E-B90E-5443B864B48D}"/>
+    <dgm:cxn modelId="{93F7047B-535D-4C1F-A7A5-62F5976CAE2F}" type="presOf" srcId="{2A97B653-C36D-4624-95D0-25EE0A0B99B7}" destId="{229EDAEB-4745-4EEB-93CF-9282BD557C0B}" srcOrd="0" destOrd="0" presId="urn:microsoft.com/office/officeart/2005/8/layout/process3"/>
+    <dgm:cxn modelId="{0EEF927A-454E-4BD6-82A0-FB06AE58AAF4}" type="presOf" srcId="{597CC25A-DE8A-41D1-B9CB-EFE039600052}" destId="{0300FE74-4AB5-44CC-AEBD-63968DD74478}" srcOrd="0" destOrd="4" presId="urn:microsoft.com/office/officeart/2005/8/layout/process3"/>
+    <dgm:cxn modelId="{200A8AFF-F0B7-4027-B26E-27B1163397EE}" type="presOf" srcId="{D70B1726-6D2F-4495-8878-0A23DF770D37}" destId="{0300FE74-4AB5-44CC-AEBD-63968DD74478}" srcOrd="0" destOrd="0" presId="urn:microsoft.com/office/officeart/2005/8/layout/process3"/>
+    <dgm:cxn modelId="{65346087-802C-4F67-AD43-C519A179A678}" type="presOf" srcId="{7A1DD43A-B1C7-403F-87B4-33A115D2DCC8}" destId="{482DC60F-1285-480E-BF56-A741AE247787}" srcOrd="0" destOrd="2" presId="urn:microsoft.com/office/officeart/2005/8/layout/process3"/>
+    <dgm:cxn modelId="{772A62F2-8CEF-4C23-BEA3-0668628F324E}" srcId="{A611306B-0083-4E88-84B3-78C903A27041}" destId="{267EF4EC-D0CB-4929-A87F-AFA8BEFE135B}" srcOrd="0" destOrd="0" parTransId="{65FC6D24-1E42-436D-9BEA-01606A1D1468}" sibTransId="{AA231111-88F3-4DEF-B84F-C0B97BDDA3D6}"/>
+    <dgm:cxn modelId="{BB2BEDBF-7B61-4FE3-B95C-FDE1AEFDE32B}" type="presOf" srcId="{5E190014-5B18-46DC-817E-C3EF281B6B7E}" destId="{0300FE74-4AB5-44CC-AEBD-63968DD74478}" srcOrd="0" destOrd="3" presId="urn:microsoft.com/office/officeart/2005/8/layout/process3"/>
+    <dgm:cxn modelId="{A69BBA49-EF9A-4063-B72D-DC15293083C1}" type="presOf" srcId="{85B45284-5CA8-45E0-A69B-BE55F68DCFE0}" destId="{65DFF046-F2C4-443D-84E1-1F7E6917D6D3}" srcOrd="1" destOrd="0" presId="urn:microsoft.com/office/officeart/2005/8/layout/process3"/>
     <dgm:cxn modelId="{A3E94122-D267-479E-A66F-CA42DE8D10FF}" srcId="{267EF4EC-D0CB-4929-A87F-AFA8BEFE135B}" destId="{597CC25A-DE8A-41D1-B9CB-EFE039600052}" srcOrd="4" destOrd="0" parTransId="{3E8458D6-F17C-4055-9A95-4EED209765D2}" sibTransId="{A4E019F1-CDF2-40D7-959B-C2A4B78E4F7F}"/>
-    <dgm:cxn modelId="{1B03193E-446F-417B-85D2-6E5849D2E595}" srcId="{A611306B-0083-4E88-84B3-78C903A27041}" destId="{4E7D3F97-F0F1-4B40-83D7-94472C26259D}" srcOrd="1" destOrd="0" parTransId="{E5D2D644-113B-4834-806B-84AAF16E4B6D}" sibTransId="{85B45284-5CA8-45E0-A69B-BE55F68DCFE0}"/>
-    <dgm:cxn modelId="{6E377544-E424-47F1-B5C2-BE21FCE65A76}" srcId="{4E7D3F97-F0F1-4B40-83D7-94472C26259D}" destId="{7A1DD43A-B1C7-403F-87B4-33A115D2DCC8}" srcOrd="2" destOrd="0" parTransId="{20003263-3713-4E06-8E88-04C8BB613CDB}" sibTransId="{476B5173-5892-49A2-BB91-E19E7B57A3BF}"/>
+    <dgm:cxn modelId="{0E0DE78E-8083-4814-829E-3B0C9969D629}" type="presOf" srcId="{4E7D3F97-F0F1-4B40-83D7-94472C26259D}" destId="{AF174876-AB93-4494-A84F-EA4E9847E97D}" srcOrd="1" destOrd="0" presId="urn:microsoft.com/office/officeart/2005/8/layout/process3"/>
+    <dgm:cxn modelId="{CF8297CD-305F-4F3B-BE4E-A13B7E737A2B}" type="presOf" srcId="{AA231111-88F3-4DEF-B84F-C0B97BDDA3D6}" destId="{F4821466-1C27-4545-A178-DCBD5FB01727}" srcOrd="0" destOrd="0" presId="urn:microsoft.com/office/officeart/2005/8/layout/process3"/>
+    <dgm:cxn modelId="{66CDFB8A-E1AE-44D7-B0DD-365B6CA138F3}" srcId="{267EF4EC-D0CB-4929-A87F-AFA8BEFE135B}" destId="{5E190014-5B18-46DC-817E-C3EF281B6B7E}" srcOrd="3" destOrd="0" parTransId="{36E06730-AC71-4725-84C9-976F846DF644}" sibTransId="{953D71CE-8F10-49CB-ABAD-0442F3696A70}"/>
+    <dgm:cxn modelId="{233BD8D9-0C91-4ED7-A48A-CE0634E200BE}" srcId="{2A97B653-C36D-4624-95D0-25EE0A0B99B7}" destId="{71D1C6C0-A56D-4150-B368-0D12EE6C1548}" srcOrd="1" destOrd="0" parTransId="{106DA4FF-5392-4D36-831B-D9B197E9256C}" sibTransId="{BE4234E3-44DE-4764-B8ED-F25DE22DDF89}"/>
     <dgm:cxn modelId="{E0E15049-0B14-46DC-AA17-3C8C4EAAEA2F}" type="presOf" srcId="{AA231111-88F3-4DEF-B84F-C0B97BDDA3D6}" destId="{1474F13E-6566-4378-BA93-514B2525D3FA}" srcOrd="1" destOrd="0" presId="urn:microsoft.com/office/officeart/2005/8/layout/process3"/>
-    <dgm:cxn modelId="{A69BBA49-EF9A-4063-B72D-DC15293083C1}" type="presOf" srcId="{85B45284-5CA8-45E0-A69B-BE55F68DCFE0}" destId="{65DFF046-F2C4-443D-84E1-1F7E6917D6D3}" srcOrd="1" destOrd="0" presId="urn:microsoft.com/office/officeart/2005/8/layout/process3"/>
-    <dgm:cxn modelId="{0EEF927A-454E-4BD6-82A0-FB06AE58AAF4}" type="presOf" srcId="{597CC25A-DE8A-41D1-B9CB-EFE039600052}" destId="{0300FE74-4AB5-44CC-AEBD-63968DD74478}" srcOrd="0" destOrd="4" presId="urn:microsoft.com/office/officeart/2005/8/layout/process3"/>
-    <dgm:cxn modelId="{93F7047B-535D-4C1F-A7A5-62F5976CAE2F}" type="presOf" srcId="{2A97B653-C36D-4624-95D0-25EE0A0B99B7}" destId="{229EDAEB-4745-4EEB-93CF-9282BD557C0B}" srcOrd="0" destOrd="0" presId="urn:microsoft.com/office/officeart/2005/8/layout/process3"/>
-    <dgm:cxn modelId="{8F458F7F-19B7-4B92-8111-19438C69061D}" type="presOf" srcId="{AE6D12AE-3CF3-43EF-B8E8-0D0315FE8A0B}" destId="{0300FE74-4AB5-44CC-AEBD-63968DD74478}" srcOrd="0" destOrd="2" presId="urn:microsoft.com/office/officeart/2005/8/layout/process3"/>
-    <dgm:cxn modelId="{A0413186-7563-4E05-B451-5572CA282638}" type="presOf" srcId="{85B45284-5CA8-45E0-A69B-BE55F68DCFE0}" destId="{EA07F0F7-19E6-4B1A-8455-10C96CD8142D}" srcOrd="0" destOrd="0" presId="urn:microsoft.com/office/officeart/2005/8/layout/process3"/>
-    <dgm:cxn modelId="{65346087-802C-4F67-AD43-C519A179A678}" type="presOf" srcId="{7A1DD43A-B1C7-403F-87B4-33A115D2DCC8}" destId="{482DC60F-1285-480E-BF56-A741AE247787}" srcOrd="0" destOrd="2" presId="urn:microsoft.com/office/officeart/2005/8/layout/process3"/>
-    <dgm:cxn modelId="{66CDFB8A-E1AE-44D7-B0DD-365B6CA138F3}" srcId="{267EF4EC-D0CB-4929-A87F-AFA8BEFE135B}" destId="{5E190014-5B18-46DC-817E-C3EF281B6B7E}" srcOrd="3" destOrd="0" parTransId="{36E06730-AC71-4725-84C9-976F846DF644}" sibTransId="{953D71CE-8F10-49CB-ABAD-0442F3696A70}"/>
-    <dgm:cxn modelId="{0E0DE78E-8083-4814-829E-3B0C9969D629}" type="presOf" srcId="{4E7D3F97-F0F1-4B40-83D7-94472C26259D}" destId="{AF174876-AB93-4494-A84F-EA4E9847E97D}" srcOrd="1" destOrd="0" presId="urn:microsoft.com/office/officeart/2005/8/layout/process3"/>
-    <dgm:cxn modelId="{39F81AA8-AFB4-4D13-94A9-A2ED3C81531E}" type="presOf" srcId="{526C6342-2E22-4430-8E87-90EB62E12CCA}" destId="{0300FE74-4AB5-44CC-AEBD-63968DD74478}" srcOrd="0" destOrd="1" presId="urn:microsoft.com/office/officeart/2005/8/layout/process3"/>
-    <dgm:cxn modelId="{07716CB4-D8A7-4F96-96AB-A1DFADC94FD3}" type="presOf" srcId="{4E7D3F97-F0F1-4B40-83D7-94472C26259D}" destId="{EB3121BD-6438-436E-B441-F77F6A65A0C9}" srcOrd="0" destOrd="0" presId="urn:microsoft.com/office/officeart/2005/8/layout/process3"/>
-    <dgm:cxn modelId="{E48CE2B7-48B7-4B06-BB97-8E2DB47EDBBA}" type="presOf" srcId="{229F995F-5D8C-4761-A2DD-DC027F45494B}" destId="{E0DC1596-F03F-45CD-AA93-E2512A12E189}" srcOrd="0" destOrd="0" presId="urn:microsoft.com/office/officeart/2005/8/layout/process3"/>
-    <dgm:cxn modelId="{BB2BEDBF-7B61-4FE3-B95C-FDE1AEFDE32B}" type="presOf" srcId="{5E190014-5B18-46DC-817E-C3EF281B6B7E}" destId="{0300FE74-4AB5-44CC-AEBD-63968DD74478}" srcOrd="0" destOrd="3" presId="urn:microsoft.com/office/officeart/2005/8/layout/process3"/>
-    <dgm:cxn modelId="{CF8297CD-305F-4F3B-BE4E-A13B7E737A2B}" type="presOf" srcId="{AA231111-88F3-4DEF-B84F-C0B97BDDA3D6}" destId="{F4821466-1C27-4545-A178-DCBD5FB01727}" srcOrd="0" destOrd="0" presId="urn:microsoft.com/office/officeart/2005/8/layout/process3"/>
-    <dgm:cxn modelId="{EBED2BD5-5957-4A16-89E9-1967C6A6042F}" type="presOf" srcId="{267EF4EC-D0CB-4929-A87F-AFA8BEFE135B}" destId="{975D51E4-E0A8-4CF5-9B27-AF03C9945BD2}" srcOrd="0" destOrd="0" presId="urn:microsoft.com/office/officeart/2005/8/layout/process3"/>
-    <dgm:cxn modelId="{573F41D9-48C5-4965-9748-B7C1BB9F0496}" type="presOf" srcId="{71D1C6C0-A56D-4150-B368-0D12EE6C1548}" destId="{E0DC1596-F03F-45CD-AA93-E2512A12E189}" srcOrd="0" destOrd="1" presId="urn:microsoft.com/office/officeart/2005/8/layout/process3"/>
-    <dgm:cxn modelId="{233BD8D9-0C91-4ED7-A48A-CE0634E200BE}" srcId="{2A97B653-C36D-4624-95D0-25EE0A0B99B7}" destId="{71D1C6C0-A56D-4150-B368-0D12EE6C1548}" srcOrd="1" destOrd="0" parTransId="{106DA4FF-5392-4D36-831B-D9B197E9256C}" sibTransId="{BE4234E3-44DE-4764-B8ED-F25DE22DDF89}"/>
     <dgm:cxn modelId="{8C883BDF-C51A-4213-A4B7-6460614585EB}" type="presOf" srcId="{7DD956C1-E691-4CE8-9B83-8A30EE245F30}" destId="{482DC60F-1285-480E-BF56-A741AE247787}" srcOrd="0" destOrd="1" presId="urn:microsoft.com/office/officeart/2005/8/layout/process3"/>
-    <dgm:cxn modelId="{772A62F2-8CEF-4C23-BEA3-0668628F324E}" srcId="{A611306B-0083-4E88-84B3-78C903A27041}" destId="{267EF4EC-D0CB-4929-A87F-AFA8BEFE135B}" srcOrd="0" destOrd="0" parTransId="{65FC6D24-1E42-436D-9BEA-01606A1D1468}" sibTransId="{AA231111-88F3-4DEF-B84F-C0B97BDDA3D6}"/>
-    <dgm:cxn modelId="{9A1647F7-5FFD-4C1E-A654-8B4031CCA763}" srcId="{4E7D3F97-F0F1-4B40-83D7-94472C26259D}" destId="{3FB8D37D-705A-45E2-8D91-348EB35210BB}" srcOrd="0" destOrd="0" parTransId="{9B491FB4-E8A2-4C0F-87DF-B73C96E8FDBD}" sibTransId="{8EF44C6A-D9F2-4885-B438-E18F74E8F849}"/>
-    <dgm:cxn modelId="{596E0BFA-F392-408A-BB56-745F26F4EB27}" type="presOf" srcId="{A611306B-0083-4E88-84B3-78C903A27041}" destId="{52DC58CE-6F4F-4E85-8678-AA35EA5C00E7}" srcOrd="0" destOrd="0" presId="urn:microsoft.com/office/officeart/2005/8/layout/process3"/>
-    <dgm:cxn modelId="{7BD924FC-4DA1-4D8C-ADF1-FC0FCCD5A364}" srcId="{267EF4EC-D0CB-4929-A87F-AFA8BEFE135B}" destId="{526C6342-2E22-4430-8E87-90EB62E12CCA}" srcOrd="1" destOrd="0" parTransId="{BE138274-790B-4EF4-8574-3B00D8CEC2C4}" sibTransId="{F41181D6-033C-41FF-8C82-C4A69B552047}"/>
-    <dgm:cxn modelId="{200A8AFF-F0B7-4027-B26E-27B1163397EE}" type="presOf" srcId="{D70B1726-6D2F-4495-8878-0A23DF770D37}" destId="{0300FE74-4AB5-44CC-AEBD-63968DD74478}" srcOrd="0" destOrd="0" presId="urn:microsoft.com/office/officeart/2005/8/layout/process3"/>
-    <dgm:cxn modelId="{2DE5EBFF-81C5-4B8F-8DC3-C04A7C9A7461}" type="presOf" srcId="{3FB8D37D-705A-45E2-8D91-348EB35210BB}" destId="{482DC60F-1285-480E-BF56-A741AE247787}" srcOrd="0" destOrd="0" presId="urn:microsoft.com/office/officeart/2005/8/layout/process3"/>
     <dgm:cxn modelId="{88125679-5D15-4905-BE93-2DDEFEBA886F}" type="presParOf" srcId="{52DC58CE-6F4F-4E85-8678-AA35EA5C00E7}" destId="{153F2D1F-D566-4616-B0A7-5332E9955D29}" srcOrd="0" destOrd="0" presId="urn:microsoft.com/office/officeart/2005/8/layout/process3"/>
     <dgm:cxn modelId="{C9D0B02E-38FE-4989-8C03-3DDC68274D33}" type="presParOf" srcId="{153F2D1F-D566-4616-B0A7-5332E9955D29}" destId="{975D51E4-E0A8-4CF5-9B27-AF03C9945BD2}" srcOrd="0" destOrd="0" presId="urn:microsoft.com/office/officeart/2005/8/layout/process3"/>
     <dgm:cxn modelId="{8FACB3C5-2F81-45C8-ACB3-4554EBCD6E4C}" type="presParOf" srcId="{153F2D1F-D566-4616-B0A7-5332E9955D29}" destId="{04A49246-66E9-4B3D-85BA-50C453C57030}" srcOrd="1" destOrd="0" presId="urn:microsoft.com/office/officeart/2005/8/layout/process3"/>
@@ -3653,7 +3882,7 @@
         </a:bodyPr>
         <a:lstStyle/>
         <a:p>
-          <a:pPr marL="0" lvl="0" indent="0" algn="ctr" defTabSz="1422400">
+          <a:pPr lvl="0" algn="ctr" defTabSz="1422400">
             <a:lnSpc>
               <a:spcPct val="90000"/>
             </a:lnSpc>
@@ -3663,7 +3892,6 @@
             <a:spcAft>
               <a:spcPct val="35000"/>
             </a:spcAft>
-            <a:buNone/>
           </a:pPr>
           <a:r>
             <a:rPr lang="en-US" sz="3200" b="1" kern="1200" dirty="0"/>
@@ -3829,7 +4057,7 @@
         </a:bodyPr>
         <a:lstStyle/>
         <a:p>
-          <a:pPr marL="0" lvl="0" indent="0" algn="ctr" defTabSz="1422400">
+          <a:pPr lvl="0" algn="ctr" defTabSz="1422400">
             <a:lnSpc>
               <a:spcPct val="90000"/>
             </a:lnSpc>
@@ -3839,7 +4067,6 @@
             <a:spcAft>
               <a:spcPct val="35000"/>
             </a:spcAft>
-            <a:buNone/>
           </a:pPr>
           <a:r>
             <a:rPr lang="en-US" sz="3200" b="1" kern="1200" dirty="0"/>
@@ -4005,7 +4232,7 @@
         </a:bodyPr>
         <a:lstStyle/>
         <a:p>
-          <a:pPr marL="0" lvl="0" indent="0" algn="ctr" defTabSz="1422400">
+          <a:pPr lvl="0" algn="ctr" defTabSz="1422400">
             <a:lnSpc>
               <a:spcPct val="90000"/>
             </a:lnSpc>
@@ -4015,7 +4242,6 @@
             <a:spcAft>
               <a:spcPct val="35000"/>
             </a:spcAft>
-            <a:buNone/>
           </a:pPr>
           <a:r>
             <a:rPr lang="en-US" sz="3200" b="1" kern="1200" dirty="0"/>
@@ -4181,7 +4407,7 @@
         </a:bodyPr>
         <a:lstStyle/>
         <a:p>
-          <a:pPr marL="0" lvl="0" indent="0" algn="ctr" defTabSz="1422400">
+          <a:pPr lvl="0" algn="ctr" defTabSz="1422400">
             <a:lnSpc>
               <a:spcPct val="90000"/>
             </a:lnSpc>
@@ -4191,7 +4417,6 @@
             <a:spcAft>
               <a:spcPct val="35000"/>
             </a:spcAft>
-            <a:buNone/>
           </a:pPr>
           <a:r>
             <a:rPr lang="en-US" sz="3200" b="1" kern="1200" dirty="0"/>
@@ -4357,7 +4582,7 @@
         </a:bodyPr>
         <a:lstStyle/>
         <a:p>
-          <a:pPr marL="0" lvl="0" indent="0" algn="ctr" defTabSz="1422400">
+          <a:pPr lvl="0" algn="ctr" defTabSz="1422400">
             <a:lnSpc>
               <a:spcPct val="90000"/>
             </a:lnSpc>
@@ -4367,7 +4592,6 @@
             <a:spcAft>
               <a:spcPct val="35000"/>
             </a:spcAft>
-            <a:buNone/>
           </a:pPr>
           <a:r>
             <a:rPr lang="en-US" sz="3200" b="1" kern="1200" dirty="0"/>
@@ -4533,7 +4757,7 @@
         </a:bodyPr>
         <a:lstStyle/>
         <a:p>
-          <a:pPr marL="0" lvl="0" indent="0" algn="ctr" defTabSz="1422400">
+          <a:pPr lvl="0" algn="ctr" defTabSz="1422400">
             <a:lnSpc>
               <a:spcPct val="90000"/>
             </a:lnSpc>
@@ -4543,7 +4767,6 @@
             <a:spcAft>
               <a:spcPct val="35000"/>
             </a:spcAft>
-            <a:buNone/>
           </a:pPr>
           <a:r>
             <a:rPr lang="en-US" sz="3200" b="1" kern="1200" dirty="0"/>
@@ -4709,7 +4932,7 @@
         </a:bodyPr>
         <a:lstStyle/>
         <a:p>
-          <a:pPr marL="0" lvl="0" indent="0" algn="ctr" defTabSz="1422400">
+          <a:pPr lvl="0" algn="ctr" defTabSz="1422400">
             <a:lnSpc>
               <a:spcPct val="90000"/>
             </a:lnSpc>
@@ -4719,7 +4942,6 @@
             <a:spcAft>
               <a:spcPct val="35000"/>
             </a:spcAft>
-            <a:buNone/>
           </a:pPr>
           <a:r>
             <a:rPr lang="en-US" sz="3200" b="1" kern="1200" dirty="0"/>
@@ -4885,7 +5107,7 @@
         </a:bodyPr>
         <a:lstStyle/>
         <a:p>
-          <a:pPr marL="0" lvl="0" indent="0" algn="ctr" defTabSz="1422400">
+          <a:pPr lvl="0" algn="ctr" defTabSz="1422400">
             <a:lnSpc>
               <a:spcPct val="90000"/>
             </a:lnSpc>
@@ -4895,7 +5117,6 @@
             <a:spcAft>
               <a:spcPct val="35000"/>
             </a:spcAft>
-            <a:buNone/>
           </a:pPr>
           <a:r>
             <a:rPr lang="en-US" sz="3200" b="1" kern="1200" dirty="0"/>
@@ -4988,7 +5209,7 @@
         </a:bodyPr>
         <a:lstStyle/>
         <a:p>
-          <a:pPr marL="0" lvl="0" indent="0" algn="ctr" defTabSz="1422400">
+          <a:pPr lvl="0" algn="ctr" defTabSz="1422400">
             <a:lnSpc>
               <a:spcPct val="90000"/>
             </a:lnSpc>
@@ -4998,7 +5219,6 @@
             <a:spcAft>
               <a:spcPct val="35000"/>
             </a:spcAft>
-            <a:buNone/>
           </a:pPr>
           <a:r>
             <a:rPr lang="en-US" sz="3200" b="1" kern="1200" dirty="0"/>
@@ -5102,7 +5322,7 @@
         </a:bodyPr>
         <a:lstStyle/>
         <a:p>
-          <a:pPr marL="0" lvl="0" indent="0" algn="l" defTabSz="1244600">
+          <a:pPr lvl="0" algn="l" defTabSz="1244600">
             <a:lnSpc>
               <a:spcPct val="90000"/>
             </a:lnSpc>
@@ -5112,7 +5332,6 @@
             <a:spcAft>
               <a:spcPct val="35000"/>
             </a:spcAft>
-            <a:buNone/>
           </a:pPr>
           <a:r>
             <a:rPr lang="en-US" sz="2800" b="1" kern="1200" dirty="0"/>
@@ -5197,7 +5416,7 @@
               <a:spcPct val="15000"/>
             </a:spcAft>
             <a:buFont typeface="Wingdings" panose="05000000000000000000" pitchFamily="2" charset="2"/>
-            <a:buChar char="§"/>
+            <a:buChar char="•"/>
           </a:pPr>
           <a:r>
             <a:rPr lang="en-US" sz="1800" b="1" kern="1200" dirty="0"/>
@@ -5220,7 +5439,7 @@
               <a:spcPct val="15000"/>
             </a:spcAft>
             <a:buFont typeface="Wingdings" panose="05000000000000000000" pitchFamily="2" charset="2"/>
-            <a:buChar char="§"/>
+            <a:buChar char="•"/>
           </a:pPr>
           <a:r>
             <a:rPr lang="en-US" sz="1800" kern="1200" dirty="0"/>
@@ -5243,7 +5462,7 @@
               <a:spcPct val="15000"/>
             </a:spcAft>
             <a:buFont typeface="Wingdings" panose="05000000000000000000" pitchFamily="2" charset="2"/>
-            <a:buChar char="§"/>
+            <a:buChar char="•"/>
           </a:pPr>
           <a:r>
             <a:rPr lang="en-US" sz="1800" kern="1200" dirty="0"/>
@@ -5270,7 +5489,7 @@
               <a:spcPct val="15000"/>
             </a:spcAft>
             <a:buFont typeface="Wingdings" panose="05000000000000000000" pitchFamily="2" charset="2"/>
-            <a:buChar char="§"/>
+            <a:buChar char="•"/>
           </a:pPr>
           <a:r>
             <a:rPr lang="en-US" sz="1800" b="1" kern="1200" dirty="0"/>
@@ -5293,7 +5512,7 @@
               <a:spcPct val="15000"/>
             </a:spcAft>
             <a:buFont typeface="Wingdings" panose="05000000000000000000" pitchFamily="2" charset="2"/>
-            <a:buChar char="§"/>
+            <a:buChar char="•"/>
           </a:pPr>
           <a:r>
             <a:rPr lang="en-US" sz="1800" kern="1200" dirty="0"/>
@@ -5604,7 +5823,7 @@
               <a:spcPct val="15000"/>
             </a:spcAft>
             <a:buFont typeface="Wingdings" panose="05000000000000000000" pitchFamily="2" charset="2"/>
-            <a:buChar char="§"/>
+            <a:buChar char="•"/>
           </a:pPr>
           <a:r>
             <a:rPr lang="en-US" sz="1800" kern="1200" dirty="0"/>
@@ -5627,7 +5846,7 @@
               <a:spcPct val="15000"/>
             </a:spcAft>
             <a:buFont typeface="Wingdings" panose="05000000000000000000" pitchFamily="2" charset="2"/>
-            <a:buChar char="§"/>
+            <a:buChar char="•"/>
           </a:pPr>
           <a:r>
             <a:rPr lang="en-US" sz="1800" kern="1200" dirty="0"/>
@@ -5650,7 +5869,7 @@
               <a:spcPct val="15000"/>
             </a:spcAft>
             <a:buFont typeface="Wingdings" panose="05000000000000000000" pitchFamily="2" charset="2"/>
-            <a:buChar char="§"/>
+            <a:buChar char="•"/>
           </a:pPr>
           <a:endParaRPr lang="en-US" sz="1800" kern="1200" dirty="0"/>
         </a:p>
@@ -5903,7 +6122,7 @@
         <a:ln w="9525" cap="rnd" cmpd="sng" algn="ctr">
           <a:solidFill>
             <a:schemeClr val="accent3">
-              <a:hueOff val="6567904"/>
+              <a:hueOff val="6567903"/>
               <a:satOff val="-50632"/>
               <a:lumOff val="1373"/>
               <a:alphaOff val="0"/>
@@ -5948,7 +6167,7 @@
               <a:spcPct val="15000"/>
             </a:spcAft>
             <a:buFont typeface="Wingdings" panose="05000000000000000000" pitchFamily="2" charset="2"/>
-            <a:buChar char="§"/>
+            <a:buChar char="•"/>
           </a:pPr>
           <a:r>
             <a:rPr lang="en-US" sz="2000" kern="1200" dirty="0"/>
@@ -5976,7 +6195,7 @@
               <a:spcPct val="15000"/>
             </a:spcAft>
             <a:buFont typeface="Wingdings" panose="05000000000000000000" pitchFamily="2" charset="2"/>
-            <a:buChar char="§"/>
+            <a:buChar char="•"/>
           </a:pPr>
           <a:r>
             <a:rPr lang="en-US" sz="2000" kern="1200" dirty="0"/>
@@ -8676,7 +8895,7 @@
           <a:p>
             <a:fld id="{02A0DBCF-98EB-4D67-878A-B3D9526149CF}" type="datetimeFigureOut">
               <a:rPr lang="en-US" smtClean="0"/>
-              <a:t>6/9/2018</a:t>
+              <a:t>6/9/18</a:t>
             </a:fld>
             <a:endParaRPr lang="en-US"/>
           </a:p>
@@ -9137,7 +9356,7 @@
           <a:p>
             <a:fld id="{1721BE6E-83D6-4586-B165-0AF4CC79167E}" type="datetime1">
               <a:rPr lang="en-US" smtClean="0"/>
-              <a:t>6/9/2018</a:t>
+              <a:t>6/9/18</a:t>
             </a:fld>
             <a:endParaRPr lang="en-US"/>
           </a:p>
@@ -9423,7 +9642,7 @@
           <a:p>
             <a:fld id="{1829C438-848F-4580-B660-C76D074141FF}" type="datetime1">
               <a:rPr lang="en-US" smtClean="0"/>
-              <a:t>6/9/2018</a:t>
+              <a:t>6/9/18</a:t>
             </a:fld>
             <a:endParaRPr lang="en-US"/>
           </a:p>
@@ -9628,7 +9847,7 @@
           <a:p>
             <a:fld id="{C7DF6E21-ED7E-449A-BA97-52211954588D}" type="datetime1">
               <a:rPr lang="en-US" smtClean="0"/>
-              <a:t>6/9/2018</a:t>
+              <a:t>6/9/18</a:t>
             </a:fld>
             <a:endParaRPr lang="en-US"/>
           </a:p>
@@ -9912,7 +10131,7 @@
           <a:p>
             <a:fld id="{B3B65B3C-37DD-44A6-9273-B905BEB12D36}" type="datetime1">
               <a:rPr lang="en-US" smtClean="0"/>
-              <a:t>6/9/2018</a:t>
+              <a:t>6/9/18</a:t>
             </a:fld>
             <a:endParaRPr lang="en-US"/>
           </a:p>
@@ -10264,7 +10483,7 @@
           <a:p>
             <a:fld id="{924CCB88-EF66-4ED6-AC65-40BE42E04385}" type="datetime1">
               <a:rPr lang="en-US" smtClean="0"/>
-              <a:t>6/9/2018</a:t>
+              <a:t>6/9/18</a:t>
             </a:fld>
             <a:endParaRPr lang="en-US"/>
           </a:p>
@@ -10898,7 +11117,7 @@
           <a:p>
             <a:fld id="{574A3DF9-F952-4D80-A843-A0AF60C94FC9}" type="datetime1">
               <a:rPr lang="en-US" smtClean="0"/>
-              <a:t>6/9/2018</a:t>
+              <a:t>6/9/18</a:t>
             </a:fld>
             <a:endParaRPr lang="en-US"/>
           </a:p>
@@ -11769,7 +11988,7 @@
           <a:p>
             <a:fld id="{B1B85D61-C27D-49F0-9D2C-2B499D3F1FD2}" type="datetime1">
               <a:rPr lang="en-US" smtClean="0"/>
-              <a:t>6/9/2018</a:t>
+              <a:t>6/9/18</a:t>
             </a:fld>
             <a:endParaRPr lang="en-US"/>
           </a:p>
@@ -11950,7 +12169,7 @@
           <a:p>
             <a:fld id="{1A90F275-8845-4540-B335-2E0649524C0A}" type="datetime1">
               <a:rPr lang="en-US" smtClean="0"/>
-              <a:t>6/9/2018</a:t>
+              <a:t>6/9/18</a:t>
             </a:fld>
             <a:endParaRPr lang="en-US"/>
           </a:p>
@@ -12141,7 +12360,7 @@
           <a:p>
             <a:fld id="{95BDBC39-3904-4A93-AA75-82CD3D303B4D}" type="datetime1">
               <a:rPr lang="en-US" smtClean="0"/>
-              <a:t>6/9/2018</a:t>
+              <a:t>6/9/18</a:t>
             </a:fld>
             <a:endParaRPr lang="en-US"/>
           </a:p>
@@ -12504,7 +12723,7 @@
           <a:p>
             <a:fld id="{DD5E5977-9068-462E-AB39-5D51EF8F10EF}" type="datetime1">
               <a:rPr lang="en-US" smtClean="0"/>
-              <a:t>6/9/2018</a:t>
+              <a:t>6/9/18</a:t>
             </a:fld>
             <a:endParaRPr lang="en-US"/>
           </a:p>
@@ -12807,7 +13026,7 @@
           <a:p>
             <a:fld id="{9102FF10-001E-4E7B-9A10-93983E58B5BC}" type="datetime1">
               <a:rPr lang="en-US" smtClean="0"/>
-              <a:t>6/9/2018</a:t>
+              <a:t>6/9/18</a:t>
             </a:fld>
             <a:endParaRPr lang="en-US"/>
           </a:p>
@@ -13262,7 +13481,7 @@
           <a:p>
             <a:fld id="{C96D719B-A043-4353-9E46-B4FD70628C40}" type="datetime1">
               <a:rPr lang="en-US" smtClean="0"/>
-              <a:t>6/9/2018</a:t>
+              <a:t>6/9/18</a:t>
             </a:fld>
             <a:endParaRPr lang="en-US"/>
           </a:p>
@@ -13391,7 +13610,7 @@
           <a:p>
             <a:fld id="{5A09892F-BD80-4961-9346-508D9064A3D7}" type="datetime1">
               <a:rPr lang="en-US" smtClean="0"/>
-              <a:t>6/9/2018</a:t>
+              <a:t>6/9/18</a:t>
             </a:fld>
             <a:endParaRPr lang="en-US"/>
           </a:p>
@@ -13497,7 +13716,7 @@
           <a:p>
             <a:fld id="{278F1FA9-BD86-4D9A-9F7B-E2700EC379EE}" type="datetime1">
               <a:rPr lang="en-US" smtClean="0"/>
-              <a:t>6/9/2018</a:t>
+              <a:t>6/9/18</a:t>
             </a:fld>
             <a:endParaRPr lang="en-US"/>
           </a:p>
@@ -13787,7 +14006,7 @@
           <a:p>
             <a:fld id="{26DD630E-0338-4F6C-8223-63DB5D5694FA}" type="datetime1">
               <a:rPr lang="en-US" smtClean="0"/>
-              <a:t>6/9/2018</a:t>
+              <a:t>6/9/18</a:t>
             </a:fld>
             <a:endParaRPr lang="en-US"/>
           </a:p>
@@ -14073,7 +14292,7 @@
           <a:p>
             <a:fld id="{15B432F6-57A0-49F4-A11F-E910F0CFADE1}" type="datetime1">
               <a:rPr lang="en-US" smtClean="0"/>
-              <a:t>6/9/2018</a:t>
+              <a:t>6/9/18</a:t>
             </a:fld>
             <a:endParaRPr lang="en-US"/>
           </a:p>
@@ -15027,7 +15246,7 @@
           <p:cNvPr id="4" name="Picture 3">
             <a:extLst>
               <a:ext uri="{FF2B5EF4-FFF2-40B4-BE49-F238E27FC236}">
-                <a16:creationId xmlns:a16="http://schemas.microsoft.com/office/drawing/2014/main" id="{2B874C87-CC98-4C70-9E1B-60DDEC30CA53}"/>
+                <a16:creationId xmlns:a16="http://schemas.microsoft.com/office/drawing/2014/main" xmlns="" id="{2B874C87-CC98-4C70-9E1B-60DDEC30CA53}"/>
               </a:ext>
             </a:extLst>
           </p:cNvPr>
@@ -15068,7 +15287,7 @@
           <p:cNvPr id="2" name="Title 1">
             <a:extLst>
               <a:ext uri="{FF2B5EF4-FFF2-40B4-BE49-F238E27FC236}">
-                <a16:creationId xmlns:a16="http://schemas.microsoft.com/office/drawing/2014/main" id="{CAD2BE32-972A-43A6-8D4C-D668806AEF56}"/>
+                <a16:creationId xmlns:a16="http://schemas.microsoft.com/office/drawing/2014/main" xmlns="" id="{CAD2BE32-972A-43A6-8D4C-D668806AEF56}"/>
               </a:ext>
             </a:extLst>
           </p:cNvPr>
@@ -15103,7 +15322,7 @@
           <p:cNvPr id="3" name="Subtitle 2">
             <a:extLst>
               <a:ext uri="{FF2B5EF4-FFF2-40B4-BE49-F238E27FC236}">
-                <a16:creationId xmlns:a16="http://schemas.microsoft.com/office/drawing/2014/main" id="{37B9E8B9-6C6C-42C2-946C-09A116FCE7B8}"/>
+                <a16:creationId xmlns:a16="http://schemas.microsoft.com/office/drawing/2014/main" xmlns="" id="{37B9E8B9-6C6C-42C2-946C-09A116FCE7B8}"/>
               </a:ext>
             </a:extLst>
           </p:cNvPr>
@@ -15181,12 +15400,12 @@
               <a:t> </a:t>
             </a:r>
             <a:r>
-              <a:rPr lang="en-US" sz="1800" b="1" dirty="0" err="1">
+              <a:rPr lang="en-US" sz="1800" b="1" smtClean="0">
                 <a:solidFill>
                   <a:schemeClr val="tx1"/>
                 </a:solidFill>
               </a:rPr>
-              <a:t>panatoji</a:t>
+              <a:t>pantoji</a:t>
             </a:r>
             <a:endParaRPr lang="en-US" sz="1800" b="1" dirty="0">
               <a:solidFill>
@@ -15285,7 +15504,7 @@
           <p:cNvPr id="6" name="Title 5">
             <a:extLst>
               <a:ext uri="{FF2B5EF4-FFF2-40B4-BE49-F238E27FC236}">
-                <a16:creationId xmlns:a16="http://schemas.microsoft.com/office/drawing/2014/main" id="{3806FD10-ADE0-498D-99E3-FDAB1A864343}"/>
+                <a16:creationId xmlns:a16="http://schemas.microsoft.com/office/drawing/2014/main" xmlns="" id="{3806FD10-ADE0-498D-99E3-FDAB1A864343}"/>
               </a:ext>
             </a:extLst>
           </p:cNvPr>
@@ -15318,7 +15537,7 @@
           <p:cNvPr id="8" name="Content Placeholder 7">
             <a:extLst>
               <a:ext uri="{FF2B5EF4-FFF2-40B4-BE49-F238E27FC236}">
-                <a16:creationId xmlns:a16="http://schemas.microsoft.com/office/drawing/2014/main" id="{5605293D-6521-4560-93F0-589DFC51DBA9}"/>
+                <a16:creationId xmlns:a16="http://schemas.microsoft.com/office/drawing/2014/main" xmlns="" id="{5605293D-6521-4560-93F0-589DFC51DBA9}"/>
               </a:ext>
             </a:extLst>
           </p:cNvPr>
@@ -15354,7 +15573,7 @@
           <p:cNvPr id="13" name="Picture 12">
             <a:extLst>
               <a:ext uri="{FF2B5EF4-FFF2-40B4-BE49-F238E27FC236}">
-                <a16:creationId xmlns:a16="http://schemas.microsoft.com/office/drawing/2014/main" id="{DE435EF9-122A-4F06-BC48-39FC05C92EB5}"/>
+                <a16:creationId xmlns:a16="http://schemas.microsoft.com/office/drawing/2014/main" xmlns="" id="{DE435EF9-122A-4F06-BC48-39FC05C92EB5}"/>
               </a:ext>
             </a:extLst>
           </p:cNvPr>
@@ -15396,7 +15615,7 @@
           <p:cNvPr id="15" name="Rectangle 14">
             <a:extLst>
               <a:ext uri="{FF2B5EF4-FFF2-40B4-BE49-F238E27FC236}">
-                <a16:creationId xmlns:a16="http://schemas.microsoft.com/office/drawing/2014/main" id="{AB78C61A-4C3C-45CB-89EC-1E7AF5282EB8}"/>
+                <a16:creationId xmlns:a16="http://schemas.microsoft.com/office/drawing/2014/main" xmlns="" id="{AB78C61A-4C3C-45CB-89EC-1E7AF5282EB8}"/>
               </a:ext>
             </a:extLst>
           </p:cNvPr>
@@ -15448,7 +15667,7 @@
           <p:cNvPr id="23" name="Footer Placeholder 4">
             <a:extLst>
               <a:ext uri="{FF2B5EF4-FFF2-40B4-BE49-F238E27FC236}">
-                <a16:creationId xmlns:a16="http://schemas.microsoft.com/office/drawing/2014/main" id="{B96CA466-4549-49FC-A39E-4AE35C1A61C1}"/>
+                <a16:creationId xmlns:a16="http://schemas.microsoft.com/office/drawing/2014/main" xmlns="" id="{B96CA466-4549-49FC-A39E-4AE35C1A61C1}"/>
               </a:ext>
             </a:extLst>
           </p:cNvPr>
@@ -15579,7 +15798,7 @@
           <p:cNvPr id="24" name="Slide Number Placeholder 5">
             <a:extLst>
               <a:ext uri="{FF2B5EF4-FFF2-40B4-BE49-F238E27FC236}">
-                <a16:creationId xmlns:a16="http://schemas.microsoft.com/office/drawing/2014/main" id="{3C69297E-A70C-4FC6-ADB2-3C91E3FCC4E7}"/>
+                <a16:creationId xmlns:a16="http://schemas.microsoft.com/office/drawing/2014/main" xmlns="" id="{3C69297E-A70C-4FC6-ADB2-3C91E3FCC4E7}"/>
               </a:ext>
             </a:extLst>
           </p:cNvPr>
@@ -15767,7 +15986,7 @@
           <p:cNvPr id="6" name="Title 5">
             <a:extLst>
               <a:ext uri="{FF2B5EF4-FFF2-40B4-BE49-F238E27FC236}">
-                <a16:creationId xmlns:a16="http://schemas.microsoft.com/office/drawing/2014/main" id="{3806FD10-ADE0-498D-99E3-FDAB1A864343}"/>
+                <a16:creationId xmlns:a16="http://schemas.microsoft.com/office/drawing/2014/main" xmlns="" id="{3806FD10-ADE0-498D-99E3-FDAB1A864343}"/>
               </a:ext>
             </a:extLst>
           </p:cNvPr>
@@ -15800,7 +16019,7 @@
           <p:cNvPr id="23" name="Footer Placeholder 4">
             <a:extLst>
               <a:ext uri="{FF2B5EF4-FFF2-40B4-BE49-F238E27FC236}">
-                <a16:creationId xmlns:a16="http://schemas.microsoft.com/office/drawing/2014/main" id="{B96CA466-4549-49FC-A39E-4AE35C1A61C1}"/>
+                <a16:creationId xmlns:a16="http://schemas.microsoft.com/office/drawing/2014/main" xmlns="" id="{B96CA466-4549-49FC-A39E-4AE35C1A61C1}"/>
               </a:ext>
             </a:extLst>
           </p:cNvPr>
@@ -15931,7 +16150,7 @@
           <p:cNvPr id="24" name="Slide Number Placeholder 5">
             <a:extLst>
               <a:ext uri="{FF2B5EF4-FFF2-40B4-BE49-F238E27FC236}">
-                <a16:creationId xmlns:a16="http://schemas.microsoft.com/office/drawing/2014/main" id="{3C69297E-A70C-4FC6-ADB2-3C91E3FCC4E7}"/>
+                <a16:creationId xmlns:a16="http://schemas.microsoft.com/office/drawing/2014/main" xmlns="" id="{3C69297E-A70C-4FC6-ADB2-3C91E3FCC4E7}"/>
               </a:ext>
             </a:extLst>
           </p:cNvPr>
@@ -16064,7 +16283,7 @@
           <p:cNvPr id="4" name="Diagram 3">
             <a:extLst>
               <a:ext uri="{FF2B5EF4-FFF2-40B4-BE49-F238E27FC236}">
-                <a16:creationId xmlns:a16="http://schemas.microsoft.com/office/drawing/2014/main" id="{1A74A805-43ED-4274-9900-400F399A56B1}"/>
+                <a16:creationId xmlns:a16="http://schemas.microsoft.com/office/drawing/2014/main" xmlns="" id="{1A74A805-43ED-4274-9900-400F399A56B1}"/>
               </a:ext>
             </a:extLst>
           </p:cNvPr>
@@ -16147,7 +16366,7 @@
           <p:cNvPr id="6" name="Title 5">
             <a:extLst>
               <a:ext uri="{FF2B5EF4-FFF2-40B4-BE49-F238E27FC236}">
-                <a16:creationId xmlns:a16="http://schemas.microsoft.com/office/drawing/2014/main" id="{3806FD10-ADE0-498D-99E3-FDAB1A864343}"/>
+                <a16:creationId xmlns:a16="http://schemas.microsoft.com/office/drawing/2014/main" xmlns="" id="{3806FD10-ADE0-498D-99E3-FDAB1A864343}"/>
               </a:ext>
             </a:extLst>
           </p:cNvPr>
@@ -16180,7 +16399,7 @@
           <p:cNvPr id="23" name="Footer Placeholder 4">
             <a:extLst>
               <a:ext uri="{FF2B5EF4-FFF2-40B4-BE49-F238E27FC236}">
-                <a16:creationId xmlns:a16="http://schemas.microsoft.com/office/drawing/2014/main" id="{B96CA466-4549-49FC-A39E-4AE35C1A61C1}"/>
+                <a16:creationId xmlns:a16="http://schemas.microsoft.com/office/drawing/2014/main" xmlns="" id="{B96CA466-4549-49FC-A39E-4AE35C1A61C1}"/>
               </a:ext>
             </a:extLst>
           </p:cNvPr>
@@ -16311,7 +16530,7 @@
           <p:cNvPr id="24" name="Slide Number Placeholder 5">
             <a:extLst>
               <a:ext uri="{FF2B5EF4-FFF2-40B4-BE49-F238E27FC236}">
-                <a16:creationId xmlns:a16="http://schemas.microsoft.com/office/drawing/2014/main" id="{3C69297E-A70C-4FC6-ADB2-3C91E3FCC4E7}"/>
+                <a16:creationId xmlns:a16="http://schemas.microsoft.com/office/drawing/2014/main" xmlns="" id="{3C69297E-A70C-4FC6-ADB2-3C91E3FCC4E7}"/>
               </a:ext>
             </a:extLst>
           </p:cNvPr>
@@ -16444,7 +16663,7 @@
           <p:cNvPr id="8" name="Diagram 7">
             <a:extLst>
               <a:ext uri="{FF2B5EF4-FFF2-40B4-BE49-F238E27FC236}">
-                <a16:creationId xmlns:a16="http://schemas.microsoft.com/office/drawing/2014/main" id="{C403614D-8D8D-4B88-93A7-8E4DC99A8D38}"/>
+                <a16:creationId xmlns:a16="http://schemas.microsoft.com/office/drawing/2014/main" xmlns="" id="{C403614D-8D8D-4B88-93A7-8E4DC99A8D38}"/>
               </a:ext>
             </a:extLst>
           </p:cNvPr>
@@ -16527,7 +16746,7 @@
           <p:cNvPr id="6" name="Title 5">
             <a:extLst>
               <a:ext uri="{FF2B5EF4-FFF2-40B4-BE49-F238E27FC236}">
-                <a16:creationId xmlns:a16="http://schemas.microsoft.com/office/drawing/2014/main" id="{3806FD10-ADE0-498D-99E3-FDAB1A864343}"/>
+                <a16:creationId xmlns:a16="http://schemas.microsoft.com/office/drawing/2014/main" xmlns="" id="{3806FD10-ADE0-498D-99E3-FDAB1A864343}"/>
               </a:ext>
             </a:extLst>
           </p:cNvPr>
@@ -16560,7 +16779,7 @@
           <p:cNvPr id="8" name="Content Placeholder 7">
             <a:extLst>
               <a:ext uri="{FF2B5EF4-FFF2-40B4-BE49-F238E27FC236}">
-                <a16:creationId xmlns:a16="http://schemas.microsoft.com/office/drawing/2014/main" id="{5605293D-6521-4560-93F0-589DFC51DBA9}"/>
+                <a16:creationId xmlns:a16="http://schemas.microsoft.com/office/drawing/2014/main" xmlns="" id="{5605293D-6521-4560-93F0-589DFC51DBA9}"/>
               </a:ext>
             </a:extLst>
           </p:cNvPr>
@@ -16613,7 +16832,7 @@
           <p:cNvPr id="23" name="Footer Placeholder 4">
             <a:extLst>
               <a:ext uri="{FF2B5EF4-FFF2-40B4-BE49-F238E27FC236}">
-                <a16:creationId xmlns:a16="http://schemas.microsoft.com/office/drawing/2014/main" id="{B96CA466-4549-49FC-A39E-4AE35C1A61C1}"/>
+                <a16:creationId xmlns:a16="http://schemas.microsoft.com/office/drawing/2014/main" xmlns="" id="{B96CA466-4549-49FC-A39E-4AE35C1A61C1}"/>
               </a:ext>
             </a:extLst>
           </p:cNvPr>
@@ -16744,7 +16963,7 @@
           <p:cNvPr id="24" name="Slide Number Placeholder 5">
             <a:extLst>
               <a:ext uri="{FF2B5EF4-FFF2-40B4-BE49-F238E27FC236}">
-                <a16:creationId xmlns:a16="http://schemas.microsoft.com/office/drawing/2014/main" id="{3C69297E-A70C-4FC6-ADB2-3C91E3FCC4E7}"/>
+                <a16:creationId xmlns:a16="http://schemas.microsoft.com/office/drawing/2014/main" xmlns="" id="{3C69297E-A70C-4FC6-ADB2-3C91E3FCC4E7}"/>
               </a:ext>
             </a:extLst>
           </p:cNvPr>
@@ -16877,7 +17096,7 @@
           <p:cNvPr id="2" name="TextBox 1">
             <a:extLst>
               <a:ext uri="{FF2B5EF4-FFF2-40B4-BE49-F238E27FC236}">
-                <a16:creationId xmlns:a16="http://schemas.microsoft.com/office/drawing/2014/main" id="{7B086FFB-53C8-47DE-89DD-6F66793EB38B}"/>
+                <a16:creationId xmlns:a16="http://schemas.microsoft.com/office/drawing/2014/main" xmlns="" id="{7B086FFB-53C8-47DE-89DD-6F66793EB38B}"/>
               </a:ext>
             </a:extLst>
           </p:cNvPr>
@@ -16913,7 +17132,7 @@
           <p:cNvPr id="7" name="Title 5">
             <a:extLst>
               <a:ext uri="{FF2B5EF4-FFF2-40B4-BE49-F238E27FC236}">
-                <a16:creationId xmlns:a16="http://schemas.microsoft.com/office/drawing/2014/main" id="{A3C3A80D-14C7-4497-A33A-4A05A31CA8E7}"/>
+                <a16:creationId xmlns:a16="http://schemas.microsoft.com/office/drawing/2014/main" xmlns="" id="{A3C3A80D-14C7-4497-A33A-4A05A31CA8E7}"/>
               </a:ext>
             </a:extLst>
           </p:cNvPr>
@@ -17020,7 +17239,7 @@
           <p:cNvPr id="9" name="Content Placeholder 7">
             <a:extLst>
               <a:ext uri="{FF2B5EF4-FFF2-40B4-BE49-F238E27FC236}">
-                <a16:creationId xmlns:a16="http://schemas.microsoft.com/office/drawing/2014/main" id="{2E7D1D80-DA4B-4207-BA3E-C8603F05D420}"/>
+                <a16:creationId xmlns:a16="http://schemas.microsoft.com/office/drawing/2014/main" xmlns="" id="{2E7D1D80-DA4B-4207-BA3E-C8603F05D420}"/>
               </a:ext>
             </a:extLst>
           </p:cNvPr>

--- a/The Ultimate Crypto Challenge - Dodgy Coders.pptx
+++ b/The Ultimate Crypto Challenge - Dodgy Coders.pptx
@@ -5,14 +5,13 @@
     <p:sldMasterId id="2147483660" r:id="rId1"/>
   </p:sldMasterIdLst>
   <p:notesMasterIdLst>
-    <p:notesMasterId r:id="rId7"/>
+    <p:notesMasterId r:id="rId6"/>
   </p:notesMasterIdLst>
   <p:sldIdLst>
     <p:sldId id="256" r:id="rId2"/>
     <p:sldId id="257" r:id="rId3"/>
     <p:sldId id="260" r:id="rId4"/>
     <p:sldId id="261" r:id="rId5"/>
-    <p:sldId id="259" r:id="rId6"/>
   </p:sldIdLst>
   <p:sldSz cx="12192000" cy="6858000"/>
   <p:notesSz cx="6858000" cy="9144000"/>
@@ -111,11 +110,6 @@
       </a:defRPr>
     </a:lvl9pPr>
   </p:defaultTextStyle>
-  <p:extLst>
-    <p:ext uri="{EFAFB233-063F-42B5-8137-9DF3F51BA10A}">
-      <p15:sldGuideLst xmlns:p15="http://schemas.microsoft.com/office/powerpoint/2012/main"/>
-    </p:ext>
-  </p:extLst>
 </p:presentation>
 </file>
 
@@ -2166,13 +2160,6 @@
         </dgm:presLayoutVars>
       </dgm:prSet>
       <dgm:spPr/>
-      <dgm:t>
-        <a:bodyPr/>
-        <a:lstStyle/>
-        <a:p>
-          <a:endParaRPr lang="en-US"/>
-        </a:p>
-      </dgm:t>
     </dgm:pt>
     <dgm:pt modelId="{F07C4891-ABFA-45A2-A93A-8E9D85C51A96}" type="pres">
       <dgm:prSet presAssocID="{98D8F6CF-514F-4160-8CCB-D45067272E74}" presName="compNode" presStyleCnt="0"/>
@@ -2189,24 +2176,10 @@
         </dgm:presLayoutVars>
       </dgm:prSet>
       <dgm:spPr/>
-      <dgm:t>
-        <a:bodyPr/>
-        <a:lstStyle/>
-        <a:p>
-          <a:endParaRPr lang="en-US"/>
-        </a:p>
-      </dgm:t>
     </dgm:pt>
     <dgm:pt modelId="{73709BFB-CA92-4479-92AC-C3E393801702}" type="pres">
       <dgm:prSet presAssocID="{73D92DF2-19F5-47E4-8D75-2CCC23284066}" presName="sibTrans" presStyleLbl="bgSibTrans2D1" presStyleIdx="0" presStyleCnt="8"/>
       <dgm:spPr/>
-      <dgm:t>
-        <a:bodyPr/>
-        <a:lstStyle/>
-        <a:p>
-          <a:endParaRPr lang="en-US"/>
-        </a:p>
-      </dgm:t>
     </dgm:pt>
     <dgm:pt modelId="{22183DE0-3F04-484D-B2EB-F6DA10864846}" type="pres">
       <dgm:prSet presAssocID="{52DB1B45-4887-4709-90BF-DA5549BEC830}" presName="compNode" presStyleCnt="0"/>
@@ -2223,24 +2196,10 @@
         </dgm:presLayoutVars>
       </dgm:prSet>
       <dgm:spPr/>
-      <dgm:t>
-        <a:bodyPr/>
-        <a:lstStyle/>
-        <a:p>
-          <a:endParaRPr lang="en-US"/>
-        </a:p>
-      </dgm:t>
     </dgm:pt>
     <dgm:pt modelId="{014AF4BF-7C6B-43A4-875E-812E69FD0551}" type="pres">
       <dgm:prSet presAssocID="{2954DEC6-91DF-407C-9306-72DE3B9E6CF6}" presName="sibTrans" presStyleLbl="bgSibTrans2D1" presStyleIdx="1" presStyleCnt="8"/>
       <dgm:spPr/>
-      <dgm:t>
-        <a:bodyPr/>
-        <a:lstStyle/>
-        <a:p>
-          <a:endParaRPr lang="en-US"/>
-        </a:p>
-      </dgm:t>
     </dgm:pt>
     <dgm:pt modelId="{2ECB18E6-21C9-4490-ADE0-2171C76E73C9}" type="pres">
       <dgm:prSet presAssocID="{D010E2A2-A6E3-429E-B730-B8AA27B4016C}" presName="compNode" presStyleCnt="0"/>
@@ -2257,24 +2216,10 @@
         </dgm:presLayoutVars>
       </dgm:prSet>
       <dgm:spPr/>
-      <dgm:t>
-        <a:bodyPr/>
-        <a:lstStyle/>
-        <a:p>
-          <a:endParaRPr lang="en-US"/>
-        </a:p>
-      </dgm:t>
     </dgm:pt>
     <dgm:pt modelId="{21641822-2B47-4FF1-8DD3-FB061903E690}" type="pres">
       <dgm:prSet presAssocID="{C5DEA124-D554-4F2E-8154-18407C165156}" presName="sibTrans" presStyleLbl="bgSibTrans2D1" presStyleIdx="2" presStyleCnt="8"/>
       <dgm:spPr/>
-      <dgm:t>
-        <a:bodyPr/>
-        <a:lstStyle/>
-        <a:p>
-          <a:endParaRPr lang="en-US"/>
-        </a:p>
-      </dgm:t>
     </dgm:pt>
     <dgm:pt modelId="{DE6422E3-5ECE-43E3-9C0F-34CAABD01036}" type="pres">
       <dgm:prSet presAssocID="{EC960A84-CE7D-47B3-B33C-DA5A2D98ECAB}" presName="compNode" presStyleCnt="0"/>
@@ -2291,24 +2236,10 @@
         </dgm:presLayoutVars>
       </dgm:prSet>
       <dgm:spPr/>
-      <dgm:t>
-        <a:bodyPr/>
-        <a:lstStyle/>
-        <a:p>
-          <a:endParaRPr lang="en-US"/>
-        </a:p>
-      </dgm:t>
     </dgm:pt>
     <dgm:pt modelId="{D9F44A24-9B2A-40E5-B022-F969EFA288F0}" type="pres">
       <dgm:prSet presAssocID="{35D14CB7-9800-41BC-ABD7-E9C048F9B2E1}" presName="sibTrans" presStyleLbl="bgSibTrans2D1" presStyleIdx="3" presStyleCnt="8"/>
       <dgm:spPr/>
-      <dgm:t>
-        <a:bodyPr/>
-        <a:lstStyle/>
-        <a:p>
-          <a:endParaRPr lang="en-US"/>
-        </a:p>
-      </dgm:t>
     </dgm:pt>
     <dgm:pt modelId="{61F7E284-5FF6-4E3C-96EF-22233FFC95B3}" type="pres">
       <dgm:prSet presAssocID="{D42D189A-7868-4F42-9378-B2816B6B858B}" presName="compNode" presStyleCnt="0"/>
@@ -2325,24 +2256,10 @@
         </dgm:presLayoutVars>
       </dgm:prSet>
       <dgm:spPr/>
-      <dgm:t>
-        <a:bodyPr/>
-        <a:lstStyle/>
-        <a:p>
-          <a:endParaRPr lang="en-US"/>
-        </a:p>
-      </dgm:t>
     </dgm:pt>
     <dgm:pt modelId="{00307757-88BB-4394-AF94-922E635EC911}" type="pres">
       <dgm:prSet presAssocID="{8B265294-6BED-44CC-9CE6-15626F2F5984}" presName="sibTrans" presStyleLbl="bgSibTrans2D1" presStyleIdx="4" presStyleCnt="8"/>
       <dgm:spPr/>
-      <dgm:t>
-        <a:bodyPr/>
-        <a:lstStyle/>
-        <a:p>
-          <a:endParaRPr lang="en-US"/>
-        </a:p>
-      </dgm:t>
     </dgm:pt>
     <dgm:pt modelId="{A3EC3196-7879-41DD-AD1F-CA7528DC0D37}" type="pres">
       <dgm:prSet presAssocID="{336BCC48-B0A2-4A5E-84BB-9A7719326218}" presName="compNode" presStyleCnt="0"/>
@@ -2359,24 +2276,10 @@
         </dgm:presLayoutVars>
       </dgm:prSet>
       <dgm:spPr/>
-      <dgm:t>
-        <a:bodyPr/>
-        <a:lstStyle/>
-        <a:p>
-          <a:endParaRPr lang="en-US"/>
-        </a:p>
-      </dgm:t>
     </dgm:pt>
     <dgm:pt modelId="{8DE238DE-FDF4-4F1B-B6DA-DB67847296C8}" type="pres">
       <dgm:prSet presAssocID="{BDBA7C08-0D5D-4862-877B-27D9DF2E6100}" presName="sibTrans" presStyleLbl="bgSibTrans2D1" presStyleIdx="5" presStyleCnt="8"/>
       <dgm:spPr/>
-      <dgm:t>
-        <a:bodyPr/>
-        <a:lstStyle/>
-        <a:p>
-          <a:endParaRPr lang="en-US"/>
-        </a:p>
-      </dgm:t>
     </dgm:pt>
     <dgm:pt modelId="{740F4722-71D2-40A8-8B61-923DFFA5974D}" type="pres">
       <dgm:prSet presAssocID="{BF9D944C-17B9-44B3-BD98-90AA0B9F2181}" presName="compNode" presStyleCnt="0"/>
@@ -2393,24 +2296,10 @@
         </dgm:presLayoutVars>
       </dgm:prSet>
       <dgm:spPr/>
-      <dgm:t>
-        <a:bodyPr/>
-        <a:lstStyle/>
-        <a:p>
-          <a:endParaRPr lang="en-US"/>
-        </a:p>
-      </dgm:t>
     </dgm:pt>
     <dgm:pt modelId="{2DAFED1E-7664-4136-B876-BD85857AF0D7}" type="pres">
       <dgm:prSet presAssocID="{8B379775-1728-48A2-8790-693C28796D7D}" presName="sibTrans" presStyleLbl="bgSibTrans2D1" presStyleIdx="6" presStyleCnt="8"/>
       <dgm:spPr/>
-      <dgm:t>
-        <a:bodyPr/>
-        <a:lstStyle/>
-        <a:p>
-          <a:endParaRPr lang="en-US"/>
-        </a:p>
-      </dgm:t>
     </dgm:pt>
     <dgm:pt modelId="{60B80B3A-F3B5-415D-BBB1-BDD9488FA397}" type="pres">
       <dgm:prSet presAssocID="{E5D3B434-5F0F-4B46-8A9B-7F01A3EEEFE7}" presName="compNode" presStyleCnt="0"/>
@@ -2427,24 +2316,10 @@
         </dgm:presLayoutVars>
       </dgm:prSet>
       <dgm:spPr/>
-      <dgm:t>
-        <a:bodyPr/>
-        <a:lstStyle/>
-        <a:p>
-          <a:endParaRPr lang="en-US"/>
-        </a:p>
-      </dgm:t>
     </dgm:pt>
     <dgm:pt modelId="{4ECB9541-1903-4FD9-AEE8-A4C3CD8E5E16}" type="pres">
       <dgm:prSet presAssocID="{A3098E0E-A996-4DFE-AD90-ED7D91FC0705}" presName="sibTrans" presStyleLbl="bgSibTrans2D1" presStyleIdx="7" presStyleCnt="8"/>
       <dgm:spPr/>
-      <dgm:t>
-        <a:bodyPr/>
-        <a:lstStyle/>
-        <a:p>
-          <a:endParaRPr lang="en-US"/>
-        </a:p>
-      </dgm:t>
     </dgm:pt>
     <dgm:pt modelId="{81D7D77C-8046-4070-A7D5-D8BC26F02F38}" type="pres">
       <dgm:prSet presAssocID="{A587EC36-440A-45AA-8C27-63A08426F300}" presName="compNode" presStyleCnt="0"/>
@@ -2461,43 +2336,36 @@
         </dgm:presLayoutVars>
       </dgm:prSet>
       <dgm:spPr/>
-      <dgm:t>
-        <a:bodyPr/>
-        <a:lstStyle/>
-        <a:p>
-          <a:endParaRPr lang="en-US"/>
-        </a:p>
-      </dgm:t>
     </dgm:pt>
   </dgm:ptLst>
   <dgm:cxnLst>
-    <dgm:cxn modelId="{0FBB2F1D-3956-48D5-84EE-73CB547B6460}" srcId="{3CE32C8E-9685-4A40-9F83-1C26865B18C1}" destId="{E5D3B434-5F0F-4B46-8A9B-7F01A3EEEFE7}" srcOrd="7" destOrd="0" parTransId="{79D9DE47-F6E8-473E-9C68-F3F3D277848F}" sibTransId="{A3098E0E-A996-4DFE-AD90-ED7D91FC0705}"/>
-    <dgm:cxn modelId="{0B1DFDB8-835C-47B4-8B5B-45919B549844}" type="presOf" srcId="{BDBA7C08-0D5D-4862-877B-27D9DF2E6100}" destId="{8DE238DE-FDF4-4F1B-B6DA-DB67847296C8}" srcOrd="0" destOrd="0" presId="urn:microsoft.com/office/officeart/2005/8/layout/bProcess4"/>
-    <dgm:cxn modelId="{4C541EA5-E908-4663-986B-B092D7C63654}" srcId="{3CE32C8E-9685-4A40-9F83-1C26865B18C1}" destId="{D42D189A-7868-4F42-9378-B2816B6B858B}" srcOrd="4" destOrd="0" parTransId="{68FA8A15-D942-4449-8F0F-21DCE26D217C}" sibTransId="{8B265294-6BED-44CC-9CE6-15626F2F5984}"/>
-    <dgm:cxn modelId="{15D318FA-C5C9-48D5-8308-AD659EAE9726}" type="presOf" srcId="{D010E2A2-A6E3-429E-B730-B8AA27B4016C}" destId="{C2AD53BE-2EDB-4548-A8AF-51C970D94BF7}" srcOrd="0" destOrd="0" presId="urn:microsoft.com/office/officeart/2005/8/layout/bProcess4"/>
     <dgm:cxn modelId="{695D370D-A195-41E0-82E9-BC9030755D6A}" type="presOf" srcId="{35D14CB7-9800-41BC-ABD7-E9C048F9B2E1}" destId="{D9F44A24-9B2A-40E5-B022-F969EFA288F0}" srcOrd="0" destOrd="0" presId="urn:microsoft.com/office/officeart/2005/8/layout/bProcess4"/>
     <dgm:cxn modelId="{B9842316-3BBE-448F-A676-6AAFBA59E967}" type="presOf" srcId="{2954DEC6-91DF-407C-9306-72DE3B9E6CF6}" destId="{014AF4BF-7C6B-43A4-875E-812E69FD0551}" srcOrd="0" destOrd="0" presId="urn:microsoft.com/office/officeart/2005/8/layout/bProcess4"/>
-    <dgm:cxn modelId="{D9DE259A-DDB6-4A80-9EFA-227AD81D8CBC}" type="presOf" srcId="{73D92DF2-19F5-47E4-8D75-2CCC23284066}" destId="{73709BFB-CA92-4479-92AC-C3E393801702}" srcOrd="0" destOrd="0" presId="urn:microsoft.com/office/officeart/2005/8/layout/bProcess4"/>
+    <dgm:cxn modelId="{34A9CE17-2F44-4C88-8498-D09ADDF4D017}" srcId="{3CE32C8E-9685-4A40-9F83-1C26865B18C1}" destId="{98D8F6CF-514F-4160-8CCB-D45067272E74}" srcOrd="0" destOrd="0" parTransId="{7C6F623C-6181-4EEE-8CF7-EC70F4AF0D0F}" sibTransId="{73D92DF2-19F5-47E4-8D75-2CCC23284066}"/>
     <dgm:cxn modelId="{59195B1A-381E-4068-B4AC-D21CED21FD5C}" type="presOf" srcId="{52DB1B45-4887-4709-90BF-DA5549BEC830}" destId="{08A44764-ACAB-4BD6-A320-C25FA81BDF31}" srcOrd="0" destOrd="0" presId="urn:microsoft.com/office/officeart/2005/8/layout/bProcess4"/>
-    <dgm:cxn modelId="{DC664AF1-5A55-4949-BB42-53B6F22B1C0B}" srcId="{3CE32C8E-9685-4A40-9F83-1C26865B18C1}" destId="{A587EC36-440A-45AA-8C27-63A08426F300}" srcOrd="8" destOrd="0" parTransId="{BC66E882-2EB6-46AA-A5E1-D8935A8B0FD4}" sibTransId="{67AE8C0B-7C32-44EC-A329-875E666B31F7}"/>
+    <dgm:cxn modelId="{0FBB2F1D-3956-48D5-84EE-73CB547B6460}" srcId="{3CE32C8E-9685-4A40-9F83-1C26865B18C1}" destId="{E5D3B434-5F0F-4B46-8A9B-7F01A3EEEFE7}" srcOrd="7" destOrd="0" parTransId="{79D9DE47-F6E8-473E-9C68-F3F3D277848F}" sibTransId="{A3098E0E-A996-4DFE-AD90-ED7D91FC0705}"/>
+    <dgm:cxn modelId="{4DADD631-3D15-484C-B03B-1DAF2B1FA685}" type="presOf" srcId="{3CE32C8E-9685-4A40-9F83-1C26865B18C1}" destId="{BF3D9D83-22B7-4082-8602-DF01BF990E52}" srcOrd="0" destOrd="0" presId="urn:microsoft.com/office/officeart/2005/8/layout/bProcess4"/>
+    <dgm:cxn modelId="{F6E28E39-3AEC-44CA-88D6-679A4086599D}" type="presOf" srcId="{E5D3B434-5F0F-4B46-8A9B-7F01A3EEEFE7}" destId="{4220EE4C-0B2E-49FC-A983-2FA26DEE7F2B}" srcOrd="0" destOrd="0" presId="urn:microsoft.com/office/officeart/2005/8/layout/bProcess4"/>
+    <dgm:cxn modelId="{F9819C68-F7E7-43CB-A389-5D6DA1BB7B98}" type="presOf" srcId="{D42D189A-7868-4F42-9378-B2816B6B858B}" destId="{85B3B816-B1CF-42FF-B02C-FF4DB10E7EB6}" srcOrd="0" destOrd="0" presId="urn:microsoft.com/office/officeart/2005/8/layout/bProcess4"/>
     <dgm:cxn modelId="{69894D4B-12D4-42AD-8FDC-0C006A90C705}" srcId="{3CE32C8E-9685-4A40-9F83-1C26865B18C1}" destId="{336BCC48-B0A2-4A5E-84BB-9A7719326218}" srcOrd="5" destOrd="0" parTransId="{EAEF9373-09A0-4BF4-9FE7-B56F1F56C130}" sibTransId="{BDBA7C08-0D5D-4862-877B-27D9DF2E6100}"/>
-    <dgm:cxn modelId="{1FE1877A-BE86-4206-B388-8D710543EF80}" type="presOf" srcId="{A587EC36-440A-45AA-8C27-63A08426F300}" destId="{89CD50FC-3030-448A-9432-5204505208E6}" srcOrd="0" destOrd="0" presId="urn:microsoft.com/office/officeart/2005/8/layout/bProcess4"/>
-    <dgm:cxn modelId="{F6E28E39-3AEC-44CA-88D6-679A4086599D}" type="presOf" srcId="{E5D3B434-5F0F-4B46-8A9B-7F01A3EEEFE7}" destId="{4220EE4C-0B2E-49FC-A983-2FA26DEE7F2B}" srcOrd="0" destOrd="0" presId="urn:microsoft.com/office/officeart/2005/8/layout/bProcess4"/>
-    <dgm:cxn modelId="{2277FBFD-806A-41B5-9ABA-ACB116CD8E53}" type="presOf" srcId="{8B379775-1728-48A2-8790-693C28796D7D}" destId="{2DAFED1E-7664-4136-B876-BD85857AF0D7}" srcOrd="0" destOrd="0" presId="urn:microsoft.com/office/officeart/2005/8/layout/bProcess4"/>
-    <dgm:cxn modelId="{415C1CF5-AD68-42E9-8E49-5218DA81362C}" srcId="{3CE32C8E-9685-4A40-9F83-1C26865B18C1}" destId="{D010E2A2-A6E3-429E-B730-B8AA27B4016C}" srcOrd="2" destOrd="0" parTransId="{540D913C-EBE9-457A-8950-BC48F9C9A117}" sibTransId="{C5DEA124-D554-4F2E-8154-18407C165156}"/>
-    <dgm:cxn modelId="{4DADD631-3D15-484C-B03B-1DAF2B1FA685}" type="presOf" srcId="{3CE32C8E-9685-4A40-9F83-1C26865B18C1}" destId="{BF3D9D83-22B7-4082-8602-DF01BF990E52}" srcOrd="0" destOrd="0" presId="urn:microsoft.com/office/officeart/2005/8/layout/bProcess4"/>
-    <dgm:cxn modelId="{9FDFFAC7-89C3-40E3-B9B2-EC2DE4C93E90}" srcId="{3CE32C8E-9685-4A40-9F83-1C26865B18C1}" destId="{52DB1B45-4887-4709-90BF-DA5549BEC830}" srcOrd="1" destOrd="0" parTransId="{7EAE0AEA-1882-4B2D-8FC5-91201854FBAB}" sibTransId="{2954DEC6-91DF-407C-9306-72DE3B9E6CF6}"/>
-    <dgm:cxn modelId="{1EE2CA99-3348-4A72-B821-4F8AC75FC29E}" srcId="{3CE32C8E-9685-4A40-9F83-1C26865B18C1}" destId="{EC960A84-CE7D-47B3-B33C-DA5A2D98ECAB}" srcOrd="3" destOrd="0" parTransId="{600A8F4F-FA2D-4656-8D6B-D19E1A3DF96A}" sibTransId="{35D14CB7-9800-41BC-ABD7-E9C048F9B2E1}"/>
-    <dgm:cxn modelId="{747F05AA-C553-4342-8E4B-9189A7E269FA}" type="presOf" srcId="{8B265294-6BED-44CC-9CE6-15626F2F5984}" destId="{00307757-88BB-4394-AF94-922E635EC911}" srcOrd="0" destOrd="0" presId="urn:microsoft.com/office/officeart/2005/8/layout/bProcess4"/>
-    <dgm:cxn modelId="{35F92377-37B1-455B-A09A-D2B3CBFF0039}" type="presOf" srcId="{A3098E0E-A996-4DFE-AD90-ED7D91FC0705}" destId="{4ECB9541-1903-4FD9-AEE8-A4C3CD8E5E16}" srcOrd="0" destOrd="0" presId="urn:microsoft.com/office/officeart/2005/8/layout/bProcess4"/>
-    <dgm:cxn modelId="{34A9CE17-2F44-4C88-8498-D09ADDF4D017}" srcId="{3CE32C8E-9685-4A40-9F83-1C26865B18C1}" destId="{98D8F6CF-514F-4160-8CCB-D45067272E74}" srcOrd="0" destOrd="0" parTransId="{7C6F623C-6181-4EEE-8CF7-EC70F4AF0D0F}" sibTransId="{73D92DF2-19F5-47E4-8D75-2CCC23284066}"/>
-    <dgm:cxn modelId="{F49E6CA3-481C-4238-A289-3123BD1B7E6B}" type="presOf" srcId="{98D8F6CF-514F-4160-8CCB-D45067272E74}" destId="{15D123C3-EC83-468D-B742-A800E68080E2}" srcOrd="0" destOrd="0" presId="urn:microsoft.com/office/officeart/2005/8/layout/bProcess4"/>
-    <dgm:cxn modelId="{0EC0AA57-4169-4033-B308-87EFDF2B01A9}" type="presOf" srcId="{336BCC48-B0A2-4A5E-84BB-9A7719326218}" destId="{7A9D35E5-BD53-4D56-B9D6-DAFB5519B879}" srcOrd="0" destOrd="0" presId="urn:microsoft.com/office/officeart/2005/8/layout/bProcess4"/>
-    <dgm:cxn modelId="{88D6E3E1-37AB-4F87-8925-231601D8EC6E}" type="presOf" srcId="{C5DEA124-D554-4F2E-8154-18407C165156}" destId="{21641822-2B47-4FF1-8DD3-FB061903E690}" srcOrd="0" destOrd="0" presId="urn:microsoft.com/office/officeart/2005/8/layout/bProcess4"/>
-    <dgm:cxn modelId="{F9819C68-F7E7-43CB-A389-5D6DA1BB7B98}" type="presOf" srcId="{D42D189A-7868-4F42-9378-B2816B6B858B}" destId="{85B3B816-B1CF-42FF-B02C-FF4DB10E7EB6}" srcOrd="0" destOrd="0" presId="urn:microsoft.com/office/officeart/2005/8/layout/bProcess4"/>
-    <dgm:cxn modelId="{7BCDE9BD-0BD0-49B9-B2D2-E9A076AA957A}" srcId="{3CE32C8E-9685-4A40-9F83-1C26865B18C1}" destId="{BF9D944C-17B9-44B3-BD98-90AA0B9F2181}" srcOrd="6" destOrd="0" parTransId="{5E5ED6AF-896E-4CCA-A137-9153C2345948}" sibTransId="{8B379775-1728-48A2-8790-693C28796D7D}"/>
     <dgm:cxn modelId="{52A7926C-7699-4DE5-BC52-0FBEF55671FF}" type="presOf" srcId="{EC960A84-CE7D-47B3-B33C-DA5A2D98ECAB}" destId="{9375FA2A-C476-40AC-AF00-3BD692D5D168}" srcOrd="0" destOrd="0" presId="urn:microsoft.com/office/officeart/2005/8/layout/bProcess4"/>
     <dgm:cxn modelId="{7980734D-8C48-4502-AC11-B6D87F2F1475}" type="presOf" srcId="{BF9D944C-17B9-44B3-BD98-90AA0B9F2181}" destId="{999022C5-A777-41E9-9B77-E540FC35CB76}" srcOrd="0" destOrd="0" presId="urn:microsoft.com/office/officeart/2005/8/layout/bProcess4"/>
+    <dgm:cxn modelId="{35F92377-37B1-455B-A09A-D2B3CBFF0039}" type="presOf" srcId="{A3098E0E-A996-4DFE-AD90-ED7D91FC0705}" destId="{4ECB9541-1903-4FD9-AEE8-A4C3CD8E5E16}" srcOrd="0" destOrd="0" presId="urn:microsoft.com/office/officeart/2005/8/layout/bProcess4"/>
+    <dgm:cxn modelId="{0EC0AA57-4169-4033-B308-87EFDF2B01A9}" type="presOf" srcId="{336BCC48-B0A2-4A5E-84BB-9A7719326218}" destId="{7A9D35E5-BD53-4D56-B9D6-DAFB5519B879}" srcOrd="0" destOrd="0" presId="urn:microsoft.com/office/officeart/2005/8/layout/bProcess4"/>
+    <dgm:cxn modelId="{1FE1877A-BE86-4206-B388-8D710543EF80}" type="presOf" srcId="{A587EC36-440A-45AA-8C27-63A08426F300}" destId="{89CD50FC-3030-448A-9432-5204505208E6}" srcOrd="0" destOrd="0" presId="urn:microsoft.com/office/officeart/2005/8/layout/bProcess4"/>
+    <dgm:cxn modelId="{1EE2CA99-3348-4A72-B821-4F8AC75FC29E}" srcId="{3CE32C8E-9685-4A40-9F83-1C26865B18C1}" destId="{EC960A84-CE7D-47B3-B33C-DA5A2D98ECAB}" srcOrd="3" destOrd="0" parTransId="{600A8F4F-FA2D-4656-8D6B-D19E1A3DF96A}" sibTransId="{35D14CB7-9800-41BC-ABD7-E9C048F9B2E1}"/>
+    <dgm:cxn modelId="{D9DE259A-DDB6-4A80-9EFA-227AD81D8CBC}" type="presOf" srcId="{73D92DF2-19F5-47E4-8D75-2CCC23284066}" destId="{73709BFB-CA92-4479-92AC-C3E393801702}" srcOrd="0" destOrd="0" presId="urn:microsoft.com/office/officeart/2005/8/layout/bProcess4"/>
+    <dgm:cxn modelId="{F49E6CA3-481C-4238-A289-3123BD1B7E6B}" type="presOf" srcId="{98D8F6CF-514F-4160-8CCB-D45067272E74}" destId="{15D123C3-EC83-468D-B742-A800E68080E2}" srcOrd="0" destOrd="0" presId="urn:microsoft.com/office/officeart/2005/8/layout/bProcess4"/>
+    <dgm:cxn modelId="{4C541EA5-E908-4663-986B-B092D7C63654}" srcId="{3CE32C8E-9685-4A40-9F83-1C26865B18C1}" destId="{D42D189A-7868-4F42-9378-B2816B6B858B}" srcOrd="4" destOrd="0" parTransId="{68FA8A15-D942-4449-8F0F-21DCE26D217C}" sibTransId="{8B265294-6BED-44CC-9CE6-15626F2F5984}"/>
+    <dgm:cxn modelId="{747F05AA-C553-4342-8E4B-9189A7E269FA}" type="presOf" srcId="{8B265294-6BED-44CC-9CE6-15626F2F5984}" destId="{00307757-88BB-4394-AF94-922E635EC911}" srcOrd="0" destOrd="0" presId="urn:microsoft.com/office/officeart/2005/8/layout/bProcess4"/>
+    <dgm:cxn modelId="{0B1DFDB8-835C-47B4-8B5B-45919B549844}" type="presOf" srcId="{BDBA7C08-0D5D-4862-877B-27D9DF2E6100}" destId="{8DE238DE-FDF4-4F1B-B6DA-DB67847296C8}" srcOrd="0" destOrd="0" presId="urn:microsoft.com/office/officeart/2005/8/layout/bProcess4"/>
+    <dgm:cxn modelId="{7BCDE9BD-0BD0-49B9-B2D2-E9A076AA957A}" srcId="{3CE32C8E-9685-4A40-9F83-1C26865B18C1}" destId="{BF9D944C-17B9-44B3-BD98-90AA0B9F2181}" srcOrd="6" destOrd="0" parTransId="{5E5ED6AF-896E-4CCA-A137-9153C2345948}" sibTransId="{8B379775-1728-48A2-8790-693C28796D7D}"/>
+    <dgm:cxn modelId="{9FDFFAC7-89C3-40E3-B9B2-EC2DE4C93E90}" srcId="{3CE32C8E-9685-4A40-9F83-1C26865B18C1}" destId="{52DB1B45-4887-4709-90BF-DA5549BEC830}" srcOrd="1" destOrd="0" parTransId="{7EAE0AEA-1882-4B2D-8FC5-91201854FBAB}" sibTransId="{2954DEC6-91DF-407C-9306-72DE3B9E6CF6}"/>
+    <dgm:cxn modelId="{88D6E3E1-37AB-4F87-8925-231601D8EC6E}" type="presOf" srcId="{C5DEA124-D554-4F2E-8154-18407C165156}" destId="{21641822-2B47-4FF1-8DD3-FB061903E690}" srcOrd="0" destOrd="0" presId="urn:microsoft.com/office/officeart/2005/8/layout/bProcess4"/>
+    <dgm:cxn modelId="{DC664AF1-5A55-4949-BB42-53B6F22B1C0B}" srcId="{3CE32C8E-9685-4A40-9F83-1C26865B18C1}" destId="{A587EC36-440A-45AA-8C27-63A08426F300}" srcOrd="8" destOrd="0" parTransId="{BC66E882-2EB6-46AA-A5E1-D8935A8B0FD4}" sibTransId="{67AE8C0B-7C32-44EC-A329-875E666B31F7}"/>
+    <dgm:cxn modelId="{415C1CF5-AD68-42E9-8E49-5218DA81362C}" srcId="{3CE32C8E-9685-4A40-9F83-1C26865B18C1}" destId="{D010E2A2-A6E3-429E-B730-B8AA27B4016C}" srcOrd="2" destOrd="0" parTransId="{540D913C-EBE9-457A-8950-BC48F9C9A117}" sibTransId="{C5DEA124-D554-4F2E-8154-18407C165156}"/>
+    <dgm:cxn modelId="{15D318FA-C5C9-48D5-8308-AD659EAE9726}" type="presOf" srcId="{D010E2A2-A6E3-429E-B730-B8AA27B4016C}" destId="{C2AD53BE-2EDB-4548-A8AF-51C970D94BF7}" srcOrd="0" destOrd="0" presId="urn:microsoft.com/office/officeart/2005/8/layout/bProcess4"/>
+    <dgm:cxn modelId="{2277FBFD-806A-41B5-9ABA-ACB116CD8E53}" type="presOf" srcId="{8B379775-1728-48A2-8790-693C28796D7D}" destId="{2DAFED1E-7664-4136-B876-BD85857AF0D7}" srcOrd="0" destOrd="0" presId="urn:microsoft.com/office/officeart/2005/8/layout/bProcess4"/>
     <dgm:cxn modelId="{82A4BCBC-EDEE-45EB-881A-53B555810C6B}" type="presParOf" srcId="{BF3D9D83-22B7-4082-8602-DF01BF990E52}" destId="{F07C4891-ABFA-45A2-A93A-8E9D85C51A96}" srcOrd="0" destOrd="0" presId="urn:microsoft.com/office/officeart/2005/8/layout/bProcess4"/>
     <dgm:cxn modelId="{08D11043-87D1-4EF2-99DF-190B5C87BADD}" type="presParOf" srcId="{F07C4891-ABFA-45A2-A93A-8E9D85C51A96}" destId="{506FAFAF-7682-4B11-B552-2806C899AF03}" srcOrd="0" destOrd="0" presId="urn:microsoft.com/office/officeart/2005/8/layout/bProcess4"/>
     <dgm:cxn modelId="{FC85C765-4CDB-4037-9D71-9D5552D4DF46}" type="presParOf" srcId="{F07C4891-ABFA-45A2-A93A-8E9D85C51A96}" destId="{15D123C3-EC83-468D-B742-A800E68080E2}" srcOrd="1" destOrd="0" presId="urn:microsoft.com/office/officeart/2005/8/layout/bProcess4"/>
@@ -2714,11 +2582,11 @@
             <a:buChar char="§"/>
           </a:pPr>
           <a:r>
-            <a:rPr lang="en-US" sz="1800" b="1" dirty="0"/>
+            <a:rPr lang="en-US" sz="1600" b="1" dirty="0"/>
             <a:t>Live</a:t>
           </a:r>
           <a:r>
-            <a:rPr lang="en-US" sz="1800" dirty="0"/>
+            <a:rPr lang="en-US" sz="1600" dirty="0"/>
             <a:t> Data – Twitter feed</a:t>
           </a:r>
         </a:p>
@@ -2921,11 +2789,11 @@
             <a:buChar char="§"/>
           </a:pPr>
           <a:r>
-            <a:rPr lang="en-US" sz="1800" dirty="0"/>
+            <a:rPr lang="en-US" sz="1600" dirty="0"/>
             <a:t>Integration with </a:t>
           </a:r>
           <a:r>
-            <a:rPr lang="en-US" sz="1800" b="1" dirty="0"/>
+            <a:rPr lang="en-US" sz="1600" b="1" dirty="0"/>
             <a:t>Portfolio Mgmt.</a:t>
           </a:r>
         </a:p>
@@ -3064,18 +2932,17 @@
             <a:buChar char="§"/>
           </a:pPr>
           <a:r>
-            <a:rPr lang="en-US" sz="2000" dirty="0"/>
+            <a:rPr lang="en-US" sz="1600" dirty="0"/>
             <a:t>Model BTC Price v/s T</a:t>
           </a:r>
           <a:r>
-            <a:rPr lang="en-US" sz="2000" b="1" dirty="0"/>
+            <a:rPr lang="en-US" sz="1600" b="1" dirty="0"/>
             <a:t>raditional Investment Avenues </a:t>
           </a:r>
           <a:r>
-            <a:rPr lang="en-US" sz="1800" i="1" dirty="0"/>
+            <a:rPr lang="en-US" sz="1600" i="1" dirty="0"/>
             <a:t>(Gold, Stock Markets, Property Prices)</a:t>
           </a:r>
-          <a:endParaRPr lang="en-US" sz="2000" i="1" dirty="0"/>
         </a:p>
       </dgm:t>
     </dgm:pt>
@@ -3113,11 +2980,11 @@
             <a:buChar char="§"/>
           </a:pPr>
           <a:r>
-            <a:rPr lang="en-US" sz="1800" dirty="0"/>
+            <a:rPr lang="en-US" sz="1600" dirty="0"/>
             <a:t>Text Sentiment Score – </a:t>
           </a:r>
           <a:r>
-            <a:rPr lang="en-US" sz="1800" b="1" dirty="0"/>
+            <a:rPr lang="en-US" sz="1600" b="1" dirty="0"/>
             <a:t>Polarity and Intensity</a:t>
           </a:r>
         </a:p>
@@ -3157,15 +3024,15 @@
             <a:buChar char="§"/>
           </a:pPr>
           <a:r>
-            <a:rPr lang="en-US" sz="1800" dirty="0"/>
+            <a:rPr lang="en-US" sz="1600" dirty="0"/>
             <a:t>Comprehensive Sentiment </a:t>
           </a:r>
           <a:r>
-            <a:rPr lang="en-US" sz="1800" b="1" dirty="0"/>
+            <a:rPr lang="en-US" sz="1600" b="1" dirty="0"/>
             <a:t>Influence</a:t>
           </a:r>
           <a:r>
-            <a:rPr lang="en-US" sz="1800" dirty="0"/>
+            <a:rPr lang="en-US" sz="1600" dirty="0"/>
             <a:t> Score</a:t>
           </a:r>
         </a:p>
@@ -3205,11 +3072,11 @@
             <a:buChar char="§"/>
           </a:pPr>
           <a:r>
-            <a:rPr lang="en-US" sz="1800" b="1" dirty="0"/>
+            <a:rPr lang="en-US" sz="1600" b="1" dirty="0"/>
             <a:t>Model</a:t>
           </a:r>
           <a:r>
-            <a:rPr lang="en-US" sz="1800" dirty="0"/>
+            <a:rPr lang="en-US" sz="1600" dirty="0"/>
             <a:t> – BTC Price v/s Sentiment Influence Score</a:t>
           </a:r>
         </a:p>
@@ -3248,7 +3115,7 @@
             <a:buFont typeface="Wingdings" panose="05000000000000000000" pitchFamily="2" charset="2"/>
             <a:buChar char="§"/>
           </a:pPr>
-          <a:endParaRPr lang="en-US" sz="1800" dirty="0"/>
+          <a:endParaRPr lang="en-US" sz="1600" dirty="0"/>
         </a:p>
       </dgm:t>
     </dgm:pt>
@@ -3286,7 +3153,7 @@
             <a:buChar char="§"/>
           </a:pPr>
           <a:r>
-            <a:rPr lang="en-US" sz="2000" dirty="0"/>
+            <a:rPr lang="en-US" sz="1600" dirty="0"/>
             <a:t> Add support for other cryptocurrencies</a:t>
           </a:r>
         </a:p>
@@ -3326,11 +3193,11 @@
             <a:buChar char="§"/>
           </a:pPr>
           <a:r>
-            <a:rPr lang="en-US" sz="1800" dirty="0"/>
+            <a:rPr lang="en-US" sz="1600" dirty="0"/>
             <a:t>BTC Trade </a:t>
           </a:r>
           <a:r>
-            <a:rPr lang="en-US" sz="1800" b="1" dirty="0"/>
+            <a:rPr lang="en-US" sz="1600" b="1" dirty="0"/>
             <a:t>Automation</a:t>
           </a:r>
         </a:p>
@@ -3370,15 +3237,15 @@
             <a:buChar char="§"/>
           </a:pPr>
           <a:r>
-            <a:rPr lang="en-US" sz="1800" dirty="0"/>
+            <a:rPr lang="en-US" sz="1600" dirty="0"/>
             <a:t>BTC </a:t>
           </a:r>
           <a:r>
-            <a:rPr lang="en-US" sz="1800" b="1" dirty="0"/>
+            <a:rPr lang="en-US" sz="1600" b="1" dirty="0"/>
             <a:t>Trade</a:t>
           </a:r>
           <a:r>
-            <a:rPr lang="en-US" sz="1800" dirty="0"/>
+            <a:rPr lang="en-US" sz="1600" dirty="0"/>
             <a:t> suggestions</a:t>
           </a:r>
         </a:p>
@@ -3415,13 +3282,6 @@
         </dgm:presLayoutVars>
       </dgm:prSet>
       <dgm:spPr/>
-      <dgm:t>
-        <a:bodyPr/>
-        <a:lstStyle/>
-        <a:p>
-          <a:endParaRPr lang="en-US"/>
-        </a:p>
-      </dgm:t>
     </dgm:pt>
     <dgm:pt modelId="{153F2D1F-D566-4616-B0A7-5332E9955D29}" type="pres">
       <dgm:prSet presAssocID="{267EF4EC-D0CB-4929-A87F-AFA8BEFE135B}" presName="composite" presStyleCnt="0"/>
@@ -3444,24 +3304,10 @@
           <a:avLst/>
         </a:prstGeom>
       </dgm:spPr>
-      <dgm:t>
-        <a:bodyPr/>
-        <a:lstStyle/>
-        <a:p>
-          <a:endParaRPr lang="en-US"/>
-        </a:p>
-      </dgm:t>
     </dgm:pt>
     <dgm:pt modelId="{04A49246-66E9-4B3D-85BA-50C453C57030}" type="pres">
       <dgm:prSet presAssocID="{267EF4EC-D0CB-4929-A87F-AFA8BEFE135B}" presName="parSh" presStyleLbl="node1" presStyleIdx="0" presStyleCnt="3" custScaleY="108405"/>
       <dgm:spPr/>
-      <dgm:t>
-        <a:bodyPr/>
-        <a:lstStyle/>
-        <a:p>
-          <a:endParaRPr lang="en-US"/>
-        </a:p>
-      </dgm:t>
     </dgm:pt>
     <dgm:pt modelId="{0300FE74-4AB5-44CC-AEBD-63968DD74478}" type="pres">
       <dgm:prSet presAssocID="{267EF4EC-D0CB-4929-A87F-AFA8BEFE135B}" presName="desTx" presStyleLbl="fgAcc1" presStyleIdx="0" presStyleCnt="3">
@@ -3470,13 +3316,6 @@
         </dgm:presLayoutVars>
       </dgm:prSet>
       <dgm:spPr/>
-      <dgm:t>
-        <a:bodyPr/>
-        <a:lstStyle/>
-        <a:p>
-          <a:endParaRPr lang="en-US"/>
-        </a:p>
-      </dgm:t>
     </dgm:pt>
     <dgm:pt modelId="{F4821466-1C27-4545-A178-DCBD5FB01727}" type="pres">
       <dgm:prSet presAssocID="{AA231111-88F3-4DEF-B84F-C0B97BDDA3D6}" presName="sibTrans" presStyleLbl="sibTrans2D1" presStyleIdx="0" presStyleCnt="2"/>
@@ -3492,24 +3331,10 @@
           </a:avLst>
         </a:prstGeom>
       </dgm:spPr>
-      <dgm:t>
-        <a:bodyPr/>
-        <a:lstStyle/>
-        <a:p>
-          <a:endParaRPr lang="en-US"/>
-        </a:p>
-      </dgm:t>
     </dgm:pt>
     <dgm:pt modelId="{1474F13E-6566-4378-BA93-514B2525D3FA}" type="pres">
       <dgm:prSet presAssocID="{AA231111-88F3-4DEF-B84F-C0B97BDDA3D6}" presName="connTx" presStyleLbl="sibTrans2D1" presStyleIdx="0" presStyleCnt="2"/>
       <dgm:spPr/>
-      <dgm:t>
-        <a:bodyPr/>
-        <a:lstStyle/>
-        <a:p>
-          <a:endParaRPr lang="en-US"/>
-        </a:p>
-      </dgm:t>
     </dgm:pt>
     <dgm:pt modelId="{1FC2FC64-739B-4C6A-B081-FD8ABE2BAC88}" type="pres">
       <dgm:prSet presAssocID="{4E7D3F97-F0F1-4B40-83D7-94472C26259D}" presName="composite" presStyleCnt="0"/>
@@ -3524,13 +3349,6 @@
         </dgm:presLayoutVars>
       </dgm:prSet>
       <dgm:spPr/>
-      <dgm:t>
-        <a:bodyPr/>
-        <a:lstStyle/>
-        <a:p>
-          <a:endParaRPr lang="en-US"/>
-        </a:p>
-      </dgm:t>
     </dgm:pt>
     <dgm:pt modelId="{AF174876-AB93-4494-A84F-EA4E9847E97D}" type="pres">
       <dgm:prSet presAssocID="{4E7D3F97-F0F1-4B40-83D7-94472C26259D}" presName="parSh" presStyleLbl="node1" presStyleIdx="1" presStyleCnt="3"/>
@@ -3545,13 +3363,6 @@
           </a:avLst>
         </a:prstGeom>
       </dgm:spPr>
-      <dgm:t>
-        <a:bodyPr/>
-        <a:lstStyle/>
-        <a:p>
-          <a:endParaRPr lang="en-US"/>
-        </a:p>
-      </dgm:t>
     </dgm:pt>
     <dgm:pt modelId="{482DC60F-1285-480E-BF56-A741AE247787}" type="pres">
       <dgm:prSet presAssocID="{4E7D3F97-F0F1-4B40-83D7-94472C26259D}" presName="desTx" presStyleLbl="fgAcc1" presStyleIdx="1" presStyleCnt="3">
@@ -3560,13 +3371,6 @@
         </dgm:presLayoutVars>
       </dgm:prSet>
       <dgm:spPr/>
-      <dgm:t>
-        <a:bodyPr/>
-        <a:lstStyle/>
-        <a:p>
-          <a:endParaRPr lang="en-US"/>
-        </a:p>
-      </dgm:t>
     </dgm:pt>
     <dgm:pt modelId="{EA07F0F7-19E6-4B1A-8455-10C96CD8142D}" type="pres">
       <dgm:prSet presAssocID="{85B45284-5CA8-45E0-A69B-BE55F68DCFE0}" presName="sibTrans" presStyleLbl="sibTrans2D1" presStyleIdx="1" presStyleCnt="2"/>
@@ -3582,24 +3386,10 @@
           </a:avLst>
         </a:prstGeom>
       </dgm:spPr>
-      <dgm:t>
-        <a:bodyPr/>
-        <a:lstStyle/>
-        <a:p>
-          <a:endParaRPr lang="en-US"/>
-        </a:p>
-      </dgm:t>
     </dgm:pt>
     <dgm:pt modelId="{65DFF046-F2C4-443D-84E1-1F7E6917D6D3}" type="pres">
       <dgm:prSet presAssocID="{85B45284-5CA8-45E0-A69B-BE55F68DCFE0}" presName="connTx" presStyleLbl="sibTrans2D1" presStyleIdx="1" presStyleCnt="2"/>
       <dgm:spPr/>
-      <dgm:t>
-        <a:bodyPr/>
-        <a:lstStyle/>
-        <a:p>
-          <a:endParaRPr lang="en-US"/>
-        </a:p>
-      </dgm:t>
     </dgm:pt>
     <dgm:pt modelId="{1195455B-4573-441A-8320-C76DC3036189}" type="pres">
       <dgm:prSet presAssocID="{2A97B653-C36D-4624-95D0-25EE0A0B99B7}" presName="composite" presStyleCnt="0"/>
@@ -3614,13 +3404,6 @@
         </dgm:presLayoutVars>
       </dgm:prSet>
       <dgm:spPr/>
-      <dgm:t>
-        <a:bodyPr/>
-        <a:lstStyle/>
-        <a:p>
-          <a:endParaRPr lang="en-US"/>
-        </a:p>
-      </dgm:t>
     </dgm:pt>
     <dgm:pt modelId="{CEB8B37F-BB04-47E2-892D-3A32E7903AF1}" type="pres">
       <dgm:prSet presAssocID="{2A97B653-C36D-4624-95D0-25EE0A0B99B7}" presName="parSh" presStyleLbl="node1" presStyleIdx="2" presStyleCnt="3"/>
@@ -3635,13 +3418,6 @@
           </a:avLst>
         </a:prstGeom>
       </dgm:spPr>
-      <dgm:t>
-        <a:bodyPr/>
-        <a:lstStyle/>
-        <a:p>
-          <a:endParaRPr lang="en-US"/>
-        </a:p>
-      </dgm:t>
     </dgm:pt>
     <dgm:pt modelId="{E0DC1596-F03F-45CD-AA93-E2512A12E189}" type="pres">
       <dgm:prSet presAssocID="{2A97B653-C36D-4624-95D0-25EE0A0B99B7}" presName="desTx" presStyleLbl="fgAcc1" presStyleIdx="2" presStyleCnt="3">
@@ -3650,50 +3426,43 @@
         </dgm:presLayoutVars>
       </dgm:prSet>
       <dgm:spPr/>
-      <dgm:t>
-        <a:bodyPr/>
-        <a:lstStyle/>
-        <a:p>
-          <a:endParaRPr lang="en-US"/>
-        </a:p>
-      </dgm:t>
     </dgm:pt>
   </dgm:ptLst>
   <dgm:cxnLst>
-    <dgm:cxn modelId="{6E377544-E424-47F1-B5C2-BE21FCE65A76}" srcId="{4E7D3F97-F0F1-4B40-83D7-94472C26259D}" destId="{7A1DD43A-B1C7-403F-87B4-33A115D2DCC8}" srcOrd="2" destOrd="0" parTransId="{20003263-3713-4E06-8E88-04C8BB613CDB}" sibTransId="{476B5173-5892-49A2-BB91-E19E7B57A3BF}"/>
-    <dgm:cxn modelId="{7BD924FC-4DA1-4D8C-ADF1-FC0FCCD5A364}" srcId="{267EF4EC-D0CB-4929-A87F-AFA8BEFE135B}" destId="{526C6342-2E22-4430-8E87-90EB62E12CCA}" srcOrd="1" destOrd="0" parTransId="{BE138274-790B-4EF4-8574-3B00D8CEC2C4}" sibTransId="{F41181D6-033C-41FF-8C82-C4A69B552047}"/>
-    <dgm:cxn modelId="{A0413186-7563-4E05-B451-5572CA282638}" type="presOf" srcId="{85B45284-5CA8-45E0-A69B-BE55F68DCFE0}" destId="{EA07F0F7-19E6-4B1A-8455-10C96CD8142D}" srcOrd="0" destOrd="0" presId="urn:microsoft.com/office/officeart/2005/8/layout/process3"/>
-    <dgm:cxn modelId="{EBED2BD5-5957-4A16-89E9-1967C6A6042F}" type="presOf" srcId="{267EF4EC-D0CB-4929-A87F-AFA8BEFE135B}" destId="{975D51E4-E0A8-4CF5-9B27-AF03C9945BD2}" srcOrd="0" destOrd="0" presId="urn:microsoft.com/office/officeart/2005/8/layout/process3"/>
-    <dgm:cxn modelId="{8F458F7F-19B7-4B92-8111-19438C69061D}" type="presOf" srcId="{AE6D12AE-3CF3-43EF-B8E8-0D0315FE8A0B}" destId="{0300FE74-4AB5-44CC-AEBD-63968DD74478}" srcOrd="0" destOrd="2" presId="urn:microsoft.com/office/officeart/2005/8/layout/process3"/>
-    <dgm:cxn modelId="{39F81AA8-AFB4-4D13-94A9-A2ED3C81531E}" type="presOf" srcId="{526C6342-2E22-4430-8E87-90EB62E12CCA}" destId="{0300FE74-4AB5-44CC-AEBD-63968DD74478}" srcOrd="0" destOrd="1" presId="urn:microsoft.com/office/officeart/2005/8/layout/process3"/>
-    <dgm:cxn modelId="{573F41D9-48C5-4965-9748-B7C1BB9F0496}" type="presOf" srcId="{71D1C6C0-A56D-4150-B368-0D12EE6C1548}" destId="{E0DC1596-F03F-45CD-AA93-E2512A12E189}" srcOrd="0" destOrd="1" presId="urn:microsoft.com/office/officeart/2005/8/layout/process3"/>
-    <dgm:cxn modelId="{1B03193E-446F-417B-85D2-6E5849D2E595}" srcId="{A611306B-0083-4E88-84B3-78C903A27041}" destId="{4E7D3F97-F0F1-4B40-83D7-94472C26259D}" srcOrd="1" destOrd="0" parTransId="{E5D2D644-113B-4834-806B-84AAF16E4B6D}" sibTransId="{85B45284-5CA8-45E0-A69B-BE55F68DCFE0}"/>
-    <dgm:cxn modelId="{9A1647F7-5FFD-4C1E-A654-8B4031CCA763}" srcId="{4E7D3F97-F0F1-4B40-83D7-94472C26259D}" destId="{3FB8D37D-705A-45E2-8D91-348EB35210BB}" srcOrd="0" destOrd="0" parTransId="{9B491FB4-E8A2-4C0F-87DF-B73C96E8FDBD}" sibTransId="{8EF44C6A-D9F2-4885-B438-E18F74E8F849}"/>
     <dgm:cxn modelId="{B61C6C02-3E7B-44A4-BEE8-6D4021432F16}" srcId="{A611306B-0083-4E88-84B3-78C903A27041}" destId="{2A97B653-C36D-4624-95D0-25EE0A0B99B7}" srcOrd="2" destOrd="0" parTransId="{5D85DA16-3EF9-4D0E-AD39-0BE242D0F93C}" sibTransId="{8DB9D323-E4D1-4659-9137-D6BB79F2D346}"/>
-    <dgm:cxn modelId="{2DE5EBFF-81C5-4B8F-8DC3-C04A7C9A7461}" type="presOf" srcId="{3FB8D37D-705A-45E2-8D91-348EB35210BB}" destId="{482DC60F-1285-480E-BF56-A741AE247787}" srcOrd="0" destOrd="0" presId="urn:microsoft.com/office/officeart/2005/8/layout/process3"/>
-    <dgm:cxn modelId="{07716CB4-D8A7-4F96-96AB-A1DFADC94FD3}" type="presOf" srcId="{4E7D3F97-F0F1-4B40-83D7-94472C26259D}" destId="{EB3121BD-6438-436E-B441-F77F6A65A0C9}" srcOrd="0" destOrd="0" presId="urn:microsoft.com/office/officeart/2005/8/layout/process3"/>
     <dgm:cxn modelId="{E198AC0A-D179-44F3-8930-2B5A4543A689}" type="presOf" srcId="{267EF4EC-D0CB-4929-A87F-AFA8BEFE135B}" destId="{04A49246-66E9-4B3D-85BA-50C453C57030}" srcOrd="1" destOrd="0" presId="urn:microsoft.com/office/officeart/2005/8/layout/process3"/>
-    <dgm:cxn modelId="{596E0BFA-F392-408A-BB56-745F26F4EB27}" type="presOf" srcId="{A611306B-0083-4E88-84B3-78C903A27041}" destId="{52DC58CE-6F4F-4E85-8678-AA35EA5C00E7}" srcOrd="0" destOrd="0" presId="urn:microsoft.com/office/officeart/2005/8/layout/process3"/>
+    <dgm:cxn modelId="{1E16AF0D-F2E0-4557-B345-CE29312F12A0}" srcId="{267EF4EC-D0CB-4929-A87F-AFA8BEFE135B}" destId="{D70B1726-6D2F-4495-8878-0A23DF770D37}" srcOrd="0" destOrd="0" parTransId="{25888AAF-4AD3-4A90-A0D2-409139B0C828}" sibTransId="{F96BE75C-9061-422D-9720-25B189BBAC51}"/>
+    <dgm:cxn modelId="{517ADF13-5ADE-4904-8EAC-427362690FC2}" srcId="{267EF4EC-D0CB-4929-A87F-AFA8BEFE135B}" destId="{AE6D12AE-3CF3-43EF-B8E8-0D0315FE8A0B}" srcOrd="2" destOrd="0" parTransId="{8113AECB-C5C8-4A53-A2DB-86E1F2B29ECF}" sibTransId="{9F83D960-9AF2-467E-B90E-5443B864B48D}"/>
     <dgm:cxn modelId="{67209114-7940-4D1C-819C-74DFF469368C}" type="presOf" srcId="{2A97B653-C36D-4624-95D0-25EE0A0B99B7}" destId="{CEB8B37F-BB04-47E2-892D-3A32E7903AF1}" srcOrd="1" destOrd="0" presId="urn:microsoft.com/office/officeart/2005/8/layout/process3"/>
     <dgm:cxn modelId="{2D73C414-A52E-4EFE-AE48-45B7F79038A5}" srcId="{2A97B653-C36D-4624-95D0-25EE0A0B99B7}" destId="{229F995F-5D8C-4761-A2DD-DC027F45494B}" srcOrd="0" destOrd="0" parTransId="{74271DAF-1E87-4349-A3BE-DA699EA74146}" sibTransId="{39D7BC15-E183-4CA8-9BE2-94477340549C}"/>
-    <dgm:cxn modelId="{1E16AF0D-F2E0-4557-B345-CE29312F12A0}" srcId="{267EF4EC-D0CB-4929-A87F-AFA8BEFE135B}" destId="{D70B1726-6D2F-4495-8878-0A23DF770D37}" srcOrd="0" destOrd="0" parTransId="{25888AAF-4AD3-4A90-A0D2-409139B0C828}" sibTransId="{F96BE75C-9061-422D-9720-25B189BBAC51}"/>
     <dgm:cxn modelId="{76AC9C21-E044-4A82-A67E-9E9DFC4CEAC6}" srcId="{4E7D3F97-F0F1-4B40-83D7-94472C26259D}" destId="{7DD956C1-E691-4CE8-9B83-8A30EE245F30}" srcOrd="1" destOrd="0" parTransId="{3C5498FD-5489-411B-8D79-2E81F8FE4C6A}" sibTransId="{386CB12A-0110-4BC6-B29A-3753253CA86E}"/>
+    <dgm:cxn modelId="{A3E94122-D267-479E-A66F-CA42DE8D10FF}" srcId="{267EF4EC-D0CB-4929-A87F-AFA8BEFE135B}" destId="{597CC25A-DE8A-41D1-B9CB-EFE039600052}" srcOrd="4" destOrd="0" parTransId="{3E8458D6-F17C-4055-9A95-4EED209765D2}" sibTransId="{A4E019F1-CDF2-40D7-959B-C2A4B78E4F7F}"/>
+    <dgm:cxn modelId="{1B03193E-446F-417B-85D2-6E5849D2E595}" srcId="{A611306B-0083-4E88-84B3-78C903A27041}" destId="{4E7D3F97-F0F1-4B40-83D7-94472C26259D}" srcOrd="1" destOrd="0" parTransId="{E5D2D644-113B-4834-806B-84AAF16E4B6D}" sibTransId="{85B45284-5CA8-45E0-A69B-BE55F68DCFE0}"/>
+    <dgm:cxn modelId="{6E377544-E424-47F1-B5C2-BE21FCE65A76}" srcId="{4E7D3F97-F0F1-4B40-83D7-94472C26259D}" destId="{7A1DD43A-B1C7-403F-87B4-33A115D2DCC8}" srcOrd="2" destOrd="0" parTransId="{20003263-3713-4E06-8E88-04C8BB613CDB}" sibTransId="{476B5173-5892-49A2-BB91-E19E7B57A3BF}"/>
+    <dgm:cxn modelId="{E0E15049-0B14-46DC-AA17-3C8C4EAAEA2F}" type="presOf" srcId="{AA231111-88F3-4DEF-B84F-C0B97BDDA3D6}" destId="{1474F13E-6566-4378-BA93-514B2525D3FA}" srcOrd="1" destOrd="0" presId="urn:microsoft.com/office/officeart/2005/8/layout/process3"/>
+    <dgm:cxn modelId="{A69BBA49-EF9A-4063-B72D-DC15293083C1}" type="presOf" srcId="{85B45284-5CA8-45E0-A69B-BE55F68DCFE0}" destId="{65DFF046-F2C4-443D-84E1-1F7E6917D6D3}" srcOrd="1" destOrd="0" presId="urn:microsoft.com/office/officeart/2005/8/layout/process3"/>
+    <dgm:cxn modelId="{0EEF927A-454E-4BD6-82A0-FB06AE58AAF4}" type="presOf" srcId="{597CC25A-DE8A-41D1-B9CB-EFE039600052}" destId="{0300FE74-4AB5-44CC-AEBD-63968DD74478}" srcOrd="0" destOrd="4" presId="urn:microsoft.com/office/officeart/2005/8/layout/process3"/>
+    <dgm:cxn modelId="{93F7047B-535D-4C1F-A7A5-62F5976CAE2F}" type="presOf" srcId="{2A97B653-C36D-4624-95D0-25EE0A0B99B7}" destId="{229EDAEB-4745-4EEB-93CF-9282BD557C0B}" srcOrd="0" destOrd="0" presId="urn:microsoft.com/office/officeart/2005/8/layout/process3"/>
+    <dgm:cxn modelId="{8F458F7F-19B7-4B92-8111-19438C69061D}" type="presOf" srcId="{AE6D12AE-3CF3-43EF-B8E8-0D0315FE8A0B}" destId="{0300FE74-4AB5-44CC-AEBD-63968DD74478}" srcOrd="0" destOrd="2" presId="urn:microsoft.com/office/officeart/2005/8/layout/process3"/>
+    <dgm:cxn modelId="{A0413186-7563-4E05-B451-5572CA282638}" type="presOf" srcId="{85B45284-5CA8-45E0-A69B-BE55F68DCFE0}" destId="{EA07F0F7-19E6-4B1A-8455-10C96CD8142D}" srcOrd="0" destOrd="0" presId="urn:microsoft.com/office/officeart/2005/8/layout/process3"/>
+    <dgm:cxn modelId="{65346087-802C-4F67-AD43-C519A179A678}" type="presOf" srcId="{7A1DD43A-B1C7-403F-87B4-33A115D2DCC8}" destId="{482DC60F-1285-480E-BF56-A741AE247787}" srcOrd="0" destOrd="2" presId="urn:microsoft.com/office/officeart/2005/8/layout/process3"/>
+    <dgm:cxn modelId="{66CDFB8A-E1AE-44D7-B0DD-365B6CA138F3}" srcId="{267EF4EC-D0CB-4929-A87F-AFA8BEFE135B}" destId="{5E190014-5B18-46DC-817E-C3EF281B6B7E}" srcOrd="3" destOrd="0" parTransId="{36E06730-AC71-4725-84C9-976F846DF644}" sibTransId="{953D71CE-8F10-49CB-ABAD-0442F3696A70}"/>
+    <dgm:cxn modelId="{0E0DE78E-8083-4814-829E-3B0C9969D629}" type="presOf" srcId="{4E7D3F97-F0F1-4B40-83D7-94472C26259D}" destId="{AF174876-AB93-4494-A84F-EA4E9847E97D}" srcOrd="1" destOrd="0" presId="urn:microsoft.com/office/officeart/2005/8/layout/process3"/>
+    <dgm:cxn modelId="{39F81AA8-AFB4-4D13-94A9-A2ED3C81531E}" type="presOf" srcId="{526C6342-2E22-4430-8E87-90EB62E12CCA}" destId="{0300FE74-4AB5-44CC-AEBD-63968DD74478}" srcOrd="0" destOrd="1" presId="urn:microsoft.com/office/officeart/2005/8/layout/process3"/>
+    <dgm:cxn modelId="{07716CB4-D8A7-4F96-96AB-A1DFADC94FD3}" type="presOf" srcId="{4E7D3F97-F0F1-4B40-83D7-94472C26259D}" destId="{EB3121BD-6438-436E-B441-F77F6A65A0C9}" srcOrd="0" destOrd="0" presId="urn:microsoft.com/office/officeart/2005/8/layout/process3"/>
     <dgm:cxn modelId="{E48CE2B7-48B7-4B06-BB97-8E2DB47EDBBA}" type="presOf" srcId="{229F995F-5D8C-4761-A2DD-DC027F45494B}" destId="{E0DC1596-F03F-45CD-AA93-E2512A12E189}" srcOrd="0" destOrd="0" presId="urn:microsoft.com/office/officeart/2005/8/layout/process3"/>
-    <dgm:cxn modelId="{517ADF13-5ADE-4904-8EAC-427362690FC2}" srcId="{267EF4EC-D0CB-4929-A87F-AFA8BEFE135B}" destId="{AE6D12AE-3CF3-43EF-B8E8-0D0315FE8A0B}" srcOrd="2" destOrd="0" parTransId="{8113AECB-C5C8-4A53-A2DB-86E1F2B29ECF}" sibTransId="{9F83D960-9AF2-467E-B90E-5443B864B48D}"/>
-    <dgm:cxn modelId="{93F7047B-535D-4C1F-A7A5-62F5976CAE2F}" type="presOf" srcId="{2A97B653-C36D-4624-95D0-25EE0A0B99B7}" destId="{229EDAEB-4745-4EEB-93CF-9282BD557C0B}" srcOrd="0" destOrd="0" presId="urn:microsoft.com/office/officeart/2005/8/layout/process3"/>
-    <dgm:cxn modelId="{0EEF927A-454E-4BD6-82A0-FB06AE58AAF4}" type="presOf" srcId="{597CC25A-DE8A-41D1-B9CB-EFE039600052}" destId="{0300FE74-4AB5-44CC-AEBD-63968DD74478}" srcOrd="0" destOrd="4" presId="urn:microsoft.com/office/officeart/2005/8/layout/process3"/>
+    <dgm:cxn modelId="{BB2BEDBF-7B61-4FE3-B95C-FDE1AEFDE32B}" type="presOf" srcId="{5E190014-5B18-46DC-817E-C3EF281B6B7E}" destId="{0300FE74-4AB5-44CC-AEBD-63968DD74478}" srcOrd="0" destOrd="3" presId="urn:microsoft.com/office/officeart/2005/8/layout/process3"/>
+    <dgm:cxn modelId="{CF8297CD-305F-4F3B-BE4E-A13B7E737A2B}" type="presOf" srcId="{AA231111-88F3-4DEF-B84F-C0B97BDDA3D6}" destId="{F4821466-1C27-4545-A178-DCBD5FB01727}" srcOrd="0" destOrd="0" presId="urn:microsoft.com/office/officeart/2005/8/layout/process3"/>
+    <dgm:cxn modelId="{EBED2BD5-5957-4A16-89E9-1967C6A6042F}" type="presOf" srcId="{267EF4EC-D0CB-4929-A87F-AFA8BEFE135B}" destId="{975D51E4-E0A8-4CF5-9B27-AF03C9945BD2}" srcOrd="0" destOrd="0" presId="urn:microsoft.com/office/officeart/2005/8/layout/process3"/>
+    <dgm:cxn modelId="{573F41D9-48C5-4965-9748-B7C1BB9F0496}" type="presOf" srcId="{71D1C6C0-A56D-4150-B368-0D12EE6C1548}" destId="{E0DC1596-F03F-45CD-AA93-E2512A12E189}" srcOrd="0" destOrd="1" presId="urn:microsoft.com/office/officeart/2005/8/layout/process3"/>
+    <dgm:cxn modelId="{233BD8D9-0C91-4ED7-A48A-CE0634E200BE}" srcId="{2A97B653-C36D-4624-95D0-25EE0A0B99B7}" destId="{71D1C6C0-A56D-4150-B368-0D12EE6C1548}" srcOrd="1" destOrd="0" parTransId="{106DA4FF-5392-4D36-831B-D9B197E9256C}" sibTransId="{BE4234E3-44DE-4764-B8ED-F25DE22DDF89}"/>
+    <dgm:cxn modelId="{8C883BDF-C51A-4213-A4B7-6460614585EB}" type="presOf" srcId="{7DD956C1-E691-4CE8-9B83-8A30EE245F30}" destId="{482DC60F-1285-480E-BF56-A741AE247787}" srcOrd="0" destOrd="1" presId="urn:microsoft.com/office/officeart/2005/8/layout/process3"/>
+    <dgm:cxn modelId="{772A62F2-8CEF-4C23-BEA3-0668628F324E}" srcId="{A611306B-0083-4E88-84B3-78C903A27041}" destId="{267EF4EC-D0CB-4929-A87F-AFA8BEFE135B}" srcOrd="0" destOrd="0" parTransId="{65FC6D24-1E42-436D-9BEA-01606A1D1468}" sibTransId="{AA231111-88F3-4DEF-B84F-C0B97BDDA3D6}"/>
+    <dgm:cxn modelId="{9A1647F7-5FFD-4C1E-A654-8B4031CCA763}" srcId="{4E7D3F97-F0F1-4B40-83D7-94472C26259D}" destId="{3FB8D37D-705A-45E2-8D91-348EB35210BB}" srcOrd="0" destOrd="0" parTransId="{9B491FB4-E8A2-4C0F-87DF-B73C96E8FDBD}" sibTransId="{8EF44C6A-D9F2-4885-B438-E18F74E8F849}"/>
+    <dgm:cxn modelId="{596E0BFA-F392-408A-BB56-745F26F4EB27}" type="presOf" srcId="{A611306B-0083-4E88-84B3-78C903A27041}" destId="{52DC58CE-6F4F-4E85-8678-AA35EA5C00E7}" srcOrd="0" destOrd="0" presId="urn:microsoft.com/office/officeart/2005/8/layout/process3"/>
+    <dgm:cxn modelId="{7BD924FC-4DA1-4D8C-ADF1-FC0FCCD5A364}" srcId="{267EF4EC-D0CB-4929-A87F-AFA8BEFE135B}" destId="{526C6342-2E22-4430-8E87-90EB62E12CCA}" srcOrd="1" destOrd="0" parTransId="{BE138274-790B-4EF4-8574-3B00D8CEC2C4}" sibTransId="{F41181D6-033C-41FF-8C82-C4A69B552047}"/>
     <dgm:cxn modelId="{200A8AFF-F0B7-4027-B26E-27B1163397EE}" type="presOf" srcId="{D70B1726-6D2F-4495-8878-0A23DF770D37}" destId="{0300FE74-4AB5-44CC-AEBD-63968DD74478}" srcOrd="0" destOrd="0" presId="urn:microsoft.com/office/officeart/2005/8/layout/process3"/>
-    <dgm:cxn modelId="{65346087-802C-4F67-AD43-C519A179A678}" type="presOf" srcId="{7A1DD43A-B1C7-403F-87B4-33A115D2DCC8}" destId="{482DC60F-1285-480E-BF56-A741AE247787}" srcOrd="0" destOrd="2" presId="urn:microsoft.com/office/officeart/2005/8/layout/process3"/>
-    <dgm:cxn modelId="{772A62F2-8CEF-4C23-BEA3-0668628F324E}" srcId="{A611306B-0083-4E88-84B3-78C903A27041}" destId="{267EF4EC-D0CB-4929-A87F-AFA8BEFE135B}" srcOrd="0" destOrd="0" parTransId="{65FC6D24-1E42-436D-9BEA-01606A1D1468}" sibTransId="{AA231111-88F3-4DEF-B84F-C0B97BDDA3D6}"/>
-    <dgm:cxn modelId="{BB2BEDBF-7B61-4FE3-B95C-FDE1AEFDE32B}" type="presOf" srcId="{5E190014-5B18-46DC-817E-C3EF281B6B7E}" destId="{0300FE74-4AB5-44CC-AEBD-63968DD74478}" srcOrd="0" destOrd="3" presId="urn:microsoft.com/office/officeart/2005/8/layout/process3"/>
-    <dgm:cxn modelId="{A69BBA49-EF9A-4063-B72D-DC15293083C1}" type="presOf" srcId="{85B45284-5CA8-45E0-A69B-BE55F68DCFE0}" destId="{65DFF046-F2C4-443D-84E1-1F7E6917D6D3}" srcOrd="1" destOrd="0" presId="urn:microsoft.com/office/officeart/2005/8/layout/process3"/>
-    <dgm:cxn modelId="{A3E94122-D267-479E-A66F-CA42DE8D10FF}" srcId="{267EF4EC-D0CB-4929-A87F-AFA8BEFE135B}" destId="{597CC25A-DE8A-41D1-B9CB-EFE039600052}" srcOrd="4" destOrd="0" parTransId="{3E8458D6-F17C-4055-9A95-4EED209765D2}" sibTransId="{A4E019F1-CDF2-40D7-959B-C2A4B78E4F7F}"/>
-    <dgm:cxn modelId="{0E0DE78E-8083-4814-829E-3B0C9969D629}" type="presOf" srcId="{4E7D3F97-F0F1-4B40-83D7-94472C26259D}" destId="{AF174876-AB93-4494-A84F-EA4E9847E97D}" srcOrd="1" destOrd="0" presId="urn:microsoft.com/office/officeart/2005/8/layout/process3"/>
-    <dgm:cxn modelId="{CF8297CD-305F-4F3B-BE4E-A13B7E737A2B}" type="presOf" srcId="{AA231111-88F3-4DEF-B84F-C0B97BDDA3D6}" destId="{F4821466-1C27-4545-A178-DCBD5FB01727}" srcOrd="0" destOrd="0" presId="urn:microsoft.com/office/officeart/2005/8/layout/process3"/>
-    <dgm:cxn modelId="{66CDFB8A-E1AE-44D7-B0DD-365B6CA138F3}" srcId="{267EF4EC-D0CB-4929-A87F-AFA8BEFE135B}" destId="{5E190014-5B18-46DC-817E-C3EF281B6B7E}" srcOrd="3" destOrd="0" parTransId="{36E06730-AC71-4725-84C9-976F846DF644}" sibTransId="{953D71CE-8F10-49CB-ABAD-0442F3696A70}"/>
-    <dgm:cxn modelId="{233BD8D9-0C91-4ED7-A48A-CE0634E200BE}" srcId="{2A97B653-C36D-4624-95D0-25EE0A0B99B7}" destId="{71D1C6C0-A56D-4150-B368-0D12EE6C1548}" srcOrd="1" destOrd="0" parTransId="{106DA4FF-5392-4D36-831B-D9B197E9256C}" sibTransId="{BE4234E3-44DE-4764-B8ED-F25DE22DDF89}"/>
-    <dgm:cxn modelId="{E0E15049-0B14-46DC-AA17-3C8C4EAAEA2F}" type="presOf" srcId="{AA231111-88F3-4DEF-B84F-C0B97BDDA3D6}" destId="{1474F13E-6566-4378-BA93-514B2525D3FA}" srcOrd="1" destOrd="0" presId="urn:microsoft.com/office/officeart/2005/8/layout/process3"/>
-    <dgm:cxn modelId="{8C883BDF-C51A-4213-A4B7-6460614585EB}" type="presOf" srcId="{7DD956C1-E691-4CE8-9B83-8A30EE245F30}" destId="{482DC60F-1285-480E-BF56-A741AE247787}" srcOrd="0" destOrd="1" presId="urn:microsoft.com/office/officeart/2005/8/layout/process3"/>
+    <dgm:cxn modelId="{2DE5EBFF-81C5-4B8F-8DC3-C04A7C9A7461}" type="presOf" srcId="{3FB8D37D-705A-45E2-8D91-348EB35210BB}" destId="{482DC60F-1285-480E-BF56-A741AE247787}" srcOrd="0" destOrd="0" presId="urn:microsoft.com/office/officeart/2005/8/layout/process3"/>
     <dgm:cxn modelId="{88125679-5D15-4905-BE93-2DDEFEBA886F}" type="presParOf" srcId="{52DC58CE-6F4F-4E85-8678-AA35EA5C00E7}" destId="{153F2D1F-D566-4616-B0A7-5332E9955D29}" srcOrd="0" destOrd="0" presId="urn:microsoft.com/office/officeart/2005/8/layout/process3"/>
     <dgm:cxn modelId="{C9D0B02E-38FE-4989-8C03-3DDC68274D33}" type="presParOf" srcId="{153F2D1F-D566-4616-B0A7-5332E9955D29}" destId="{975D51E4-E0A8-4CF5-9B27-AF03C9945BD2}" srcOrd="0" destOrd="0" presId="urn:microsoft.com/office/officeart/2005/8/layout/process3"/>
     <dgm:cxn modelId="{8FACB3C5-2F81-45C8-ACB3-4554EBCD6E4C}" type="presParOf" srcId="{153F2D1F-D566-4616-B0A7-5332E9955D29}" destId="{04A49246-66E9-4B3D-85BA-50C453C57030}" srcOrd="1" destOrd="0" presId="urn:microsoft.com/office/officeart/2005/8/layout/process3"/>
@@ -3736,8 +3505,8 @@
       </dsp:nvSpPr>
       <dsp:spPr>
         <a:xfrm rot="5400000">
-          <a:off x="433369" y="1198522"/>
-          <a:ext cx="1877124" cy="226248"/>
+          <a:off x="-338398" y="1087733"/>
+          <a:ext cx="1693607" cy="204399"/>
         </a:xfrm>
         <a:prstGeom prst="rect">
           <a:avLst/>
@@ -3809,8 +3578,8 @@
       </dsp:nvSpPr>
       <dsp:spPr>
         <a:xfrm>
-          <a:off x="865017" y="293"/>
-          <a:ext cx="2513871" cy="1508322"/>
+          <a:off x="49323" y="4098"/>
+          <a:ext cx="2271104" cy="1362662"/>
         </a:xfrm>
         <a:prstGeom prst="roundRect">
           <a:avLst>
@@ -3882,7 +3651,7 @@
         </a:bodyPr>
         <a:lstStyle/>
         <a:p>
-          <a:pPr lvl="0" algn="ctr" defTabSz="1422400">
+          <a:pPr marL="0" lvl="0" indent="0" algn="ctr" defTabSz="1422400">
             <a:lnSpc>
               <a:spcPct val="90000"/>
             </a:lnSpc>
@@ -3892,6 +3661,7 @@
             <a:spcAft>
               <a:spcPct val="35000"/>
             </a:spcAft>
+            <a:buNone/>
           </a:pPr>
           <a:r>
             <a:rPr lang="en-US" sz="3200" b="1" kern="1200" dirty="0"/>
@@ -3900,8 +3670,8 @@
         </a:p>
       </dsp:txBody>
       <dsp:txXfrm>
-        <a:off x="909194" y="44470"/>
-        <a:ext cx="2425517" cy="1419968"/>
+        <a:off x="89234" y="44009"/>
+        <a:ext cx="2191282" cy="1282840"/>
       </dsp:txXfrm>
     </dsp:sp>
     <dsp:sp modelId="{014AF4BF-7C6B-43A4-875E-812E69FD0551}">
@@ -3911,8 +3681,8 @@
       </dsp:nvSpPr>
       <dsp:spPr>
         <a:xfrm rot="5400000">
-          <a:off x="433369" y="3083926"/>
-          <a:ext cx="1877124" cy="226248"/>
+          <a:off x="-338398" y="2791061"/>
+          <a:ext cx="1693607" cy="204399"/>
         </a:xfrm>
         <a:prstGeom prst="rect">
           <a:avLst/>
@@ -3984,8 +3754,8 @@
       </dsp:nvSpPr>
       <dsp:spPr>
         <a:xfrm>
-          <a:off x="865017" y="1885697"/>
-          <a:ext cx="2513871" cy="1508322"/>
+          <a:off x="49323" y="1707426"/>
+          <a:ext cx="2271104" cy="1362662"/>
         </a:xfrm>
         <a:prstGeom prst="roundRect">
           <a:avLst>
@@ -4057,7 +3827,7 @@
         </a:bodyPr>
         <a:lstStyle/>
         <a:p>
-          <a:pPr lvl="0" algn="ctr" defTabSz="1422400">
+          <a:pPr marL="0" lvl="0" indent="0" algn="ctr" defTabSz="1422400">
             <a:lnSpc>
               <a:spcPct val="90000"/>
             </a:lnSpc>
@@ -4067,6 +3837,7 @@
             <a:spcAft>
               <a:spcPct val="35000"/>
             </a:spcAft>
+            <a:buNone/>
           </a:pPr>
           <a:r>
             <a:rPr lang="en-US" sz="3200" b="1" kern="1200" dirty="0"/>
@@ -4075,8 +3846,8 @@
         </a:p>
       </dsp:txBody>
       <dsp:txXfrm>
-        <a:off x="909194" y="1929874"/>
-        <a:ext cx="2425517" cy="1419968"/>
+        <a:off x="89234" y="1747337"/>
+        <a:ext cx="2191282" cy="1282840"/>
       </dsp:txXfrm>
     </dsp:sp>
     <dsp:sp modelId="{21641822-2B47-4FF1-8DD3-FB061903E690}">
@@ -4086,8 +3857,8 @@
       </dsp:nvSpPr>
       <dsp:spPr>
         <a:xfrm>
-          <a:off x="1376070" y="4026628"/>
-          <a:ext cx="3335170" cy="226248"/>
+          <a:off x="513265" y="3642725"/>
+          <a:ext cx="3010847" cy="204399"/>
         </a:xfrm>
         <a:prstGeom prst="rect">
           <a:avLst/>
@@ -4159,8 +3930,8 @@
       </dsp:nvSpPr>
       <dsp:spPr>
         <a:xfrm>
-          <a:off x="865017" y="3771101"/>
-          <a:ext cx="2513871" cy="1508322"/>
+          <a:off x="49323" y="3410754"/>
+          <a:ext cx="2271104" cy="1362662"/>
         </a:xfrm>
         <a:prstGeom prst="roundRect">
           <a:avLst>
@@ -4232,7 +4003,7 @@
         </a:bodyPr>
         <a:lstStyle/>
         <a:p>
-          <a:pPr lvl="0" algn="ctr" defTabSz="1422400">
+          <a:pPr marL="0" lvl="0" indent="0" algn="ctr" defTabSz="1422400">
             <a:lnSpc>
               <a:spcPct val="90000"/>
             </a:lnSpc>
@@ -4242,6 +4013,7 @@
             <a:spcAft>
               <a:spcPct val="35000"/>
             </a:spcAft>
+            <a:buNone/>
           </a:pPr>
           <a:r>
             <a:rPr lang="en-US" sz="3200" b="1" kern="1200" dirty="0"/>
@@ -4250,8 +4022,8 @@
         </a:p>
       </dsp:txBody>
       <dsp:txXfrm>
-        <a:off x="909194" y="3815278"/>
-        <a:ext cx="2425517" cy="1419968"/>
+        <a:off x="89234" y="3450665"/>
+        <a:ext cx="2191282" cy="1282840"/>
       </dsp:txXfrm>
     </dsp:sp>
     <dsp:sp modelId="{D9F44A24-9B2A-40E5-B022-F969EFA288F0}">
@@ -4261,8 +4033,8 @@
       </dsp:nvSpPr>
       <dsp:spPr>
         <a:xfrm rot="16200000">
-          <a:off x="3776818" y="3083926"/>
-          <a:ext cx="1877124" cy="226248"/>
+          <a:off x="2682169" y="2791061"/>
+          <a:ext cx="1693607" cy="204399"/>
         </a:xfrm>
         <a:prstGeom prst="rect">
           <a:avLst/>
@@ -4334,8 +4106,8 @@
       </dsp:nvSpPr>
       <dsp:spPr>
         <a:xfrm>
-          <a:off x="4208466" y="3771101"/>
-          <a:ext cx="2513871" cy="1508322"/>
+          <a:off x="3069891" y="3410754"/>
+          <a:ext cx="2271104" cy="1362662"/>
         </a:xfrm>
         <a:prstGeom prst="roundRect">
           <a:avLst>
@@ -4407,7 +4179,7 @@
         </a:bodyPr>
         <a:lstStyle/>
         <a:p>
-          <a:pPr lvl="0" algn="ctr" defTabSz="1422400">
+          <a:pPr marL="0" lvl="0" indent="0" algn="ctr" defTabSz="1422400">
             <a:lnSpc>
               <a:spcPct val="90000"/>
             </a:lnSpc>
@@ -4417,6 +4189,7 @@
             <a:spcAft>
               <a:spcPct val="35000"/>
             </a:spcAft>
+            <a:buNone/>
           </a:pPr>
           <a:r>
             <a:rPr lang="en-US" sz="3200" b="1" kern="1200" dirty="0"/>
@@ -4425,8 +4198,8 @@
         </a:p>
       </dsp:txBody>
       <dsp:txXfrm>
-        <a:off x="4252643" y="3815278"/>
-        <a:ext cx="2425517" cy="1419968"/>
+        <a:off x="3109802" y="3450665"/>
+        <a:ext cx="2191282" cy="1282840"/>
       </dsp:txXfrm>
     </dsp:sp>
     <dsp:sp modelId="{00307757-88BB-4394-AF94-922E635EC911}">
@@ -4436,8 +4209,8 @@
       </dsp:nvSpPr>
       <dsp:spPr>
         <a:xfrm rot="16200000">
-          <a:off x="3776818" y="1198522"/>
-          <a:ext cx="1877124" cy="226248"/>
+          <a:off x="2682169" y="1087733"/>
+          <a:ext cx="1693607" cy="204399"/>
         </a:xfrm>
         <a:prstGeom prst="rect">
           <a:avLst/>
@@ -4509,8 +4282,8 @@
       </dsp:nvSpPr>
       <dsp:spPr>
         <a:xfrm>
-          <a:off x="4208466" y="1885697"/>
-          <a:ext cx="2513871" cy="1508322"/>
+          <a:off x="3069891" y="1707426"/>
+          <a:ext cx="2271104" cy="1362662"/>
         </a:xfrm>
         <a:prstGeom prst="roundRect">
           <a:avLst>
@@ -4582,7 +4355,7 @@
         </a:bodyPr>
         <a:lstStyle/>
         <a:p>
-          <a:pPr lvl="0" algn="ctr" defTabSz="1422400">
+          <a:pPr marL="0" lvl="0" indent="0" algn="ctr" defTabSz="1422400">
             <a:lnSpc>
               <a:spcPct val="90000"/>
             </a:lnSpc>
@@ -4592,6 +4365,7 @@
             <a:spcAft>
               <a:spcPct val="35000"/>
             </a:spcAft>
+            <a:buNone/>
           </a:pPr>
           <a:r>
             <a:rPr lang="en-US" sz="3200" b="1" kern="1200" dirty="0"/>
@@ -4600,8 +4374,8 @@
         </a:p>
       </dsp:txBody>
       <dsp:txXfrm>
-        <a:off x="4252643" y="1929874"/>
-        <a:ext cx="2425517" cy="1419968"/>
+        <a:off x="3109802" y="1747337"/>
+        <a:ext cx="2191282" cy="1282840"/>
       </dsp:txXfrm>
     </dsp:sp>
     <dsp:sp modelId="{8DE238DE-FDF4-4F1B-B6DA-DB67847296C8}">
@@ -4611,8 +4385,8 @@
       </dsp:nvSpPr>
       <dsp:spPr>
         <a:xfrm>
-          <a:off x="4719520" y="255820"/>
-          <a:ext cx="3335170" cy="226248"/>
+          <a:off x="3533833" y="236069"/>
+          <a:ext cx="3010847" cy="204399"/>
         </a:xfrm>
         <a:prstGeom prst="rect">
           <a:avLst/>
@@ -4684,8 +4458,8 @@
       </dsp:nvSpPr>
       <dsp:spPr>
         <a:xfrm>
-          <a:off x="4208466" y="293"/>
-          <a:ext cx="2513871" cy="1508322"/>
+          <a:off x="3069891" y="4098"/>
+          <a:ext cx="2271104" cy="1362662"/>
         </a:xfrm>
         <a:prstGeom prst="roundRect">
           <a:avLst>
@@ -4757,7 +4531,7 @@
         </a:bodyPr>
         <a:lstStyle/>
         <a:p>
-          <a:pPr lvl="0" algn="ctr" defTabSz="1422400">
+          <a:pPr marL="0" lvl="0" indent="0" algn="ctr" defTabSz="1422400">
             <a:lnSpc>
               <a:spcPct val="90000"/>
             </a:lnSpc>
@@ -4767,6 +4541,7 @@
             <a:spcAft>
               <a:spcPct val="35000"/>
             </a:spcAft>
+            <a:buNone/>
           </a:pPr>
           <a:r>
             <a:rPr lang="en-US" sz="3200" b="1" kern="1200" dirty="0"/>
@@ -4775,8 +4550,8 @@
         </a:p>
       </dsp:txBody>
       <dsp:txXfrm>
-        <a:off x="4252643" y="44470"/>
-        <a:ext cx="2425517" cy="1419968"/>
+        <a:off x="3109802" y="44009"/>
+        <a:ext cx="2191282" cy="1282840"/>
       </dsp:txXfrm>
     </dsp:sp>
     <dsp:sp modelId="{2DAFED1E-7664-4136-B876-BD85857AF0D7}">
@@ -4786,8 +4561,8 @@
       </dsp:nvSpPr>
       <dsp:spPr>
         <a:xfrm rot="5400000">
-          <a:off x="7120267" y="1198522"/>
-          <a:ext cx="1877124" cy="226248"/>
+          <a:off x="5702737" y="1087733"/>
+          <a:ext cx="1693607" cy="204399"/>
         </a:xfrm>
         <a:prstGeom prst="rect">
           <a:avLst/>
@@ -4859,8 +4634,8 @@
       </dsp:nvSpPr>
       <dsp:spPr>
         <a:xfrm>
-          <a:off x="7551915" y="293"/>
-          <a:ext cx="2513871" cy="1508322"/>
+          <a:off x="6090460" y="4098"/>
+          <a:ext cx="2271104" cy="1362662"/>
         </a:xfrm>
         <a:prstGeom prst="roundRect">
           <a:avLst>
@@ -4932,7 +4707,7 @@
         </a:bodyPr>
         <a:lstStyle/>
         <a:p>
-          <a:pPr lvl="0" algn="ctr" defTabSz="1422400">
+          <a:pPr marL="0" lvl="0" indent="0" algn="ctr" defTabSz="1422400">
             <a:lnSpc>
               <a:spcPct val="90000"/>
             </a:lnSpc>
@@ -4942,6 +4717,7 @@
             <a:spcAft>
               <a:spcPct val="35000"/>
             </a:spcAft>
+            <a:buNone/>
           </a:pPr>
           <a:r>
             <a:rPr lang="en-US" sz="3200" b="1" kern="1200" dirty="0"/>
@@ -4950,8 +4726,8 @@
         </a:p>
       </dsp:txBody>
       <dsp:txXfrm>
-        <a:off x="7596092" y="44470"/>
-        <a:ext cx="2425517" cy="1419968"/>
+        <a:off x="6130371" y="44009"/>
+        <a:ext cx="2191282" cy="1282840"/>
       </dsp:txXfrm>
     </dsp:sp>
     <dsp:sp modelId="{4ECB9541-1903-4FD9-AEE8-A4C3CD8E5E16}">
@@ -4961,8 +4737,8 @@
       </dsp:nvSpPr>
       <dsp:spPr>
         <a:xfrm rot="5400000">
-          <a:off x="7120267" y="3083926"/>
-          <a:ext cx="1877124" cy="226248"/>
+          <a:off x="5702737" y="2791061"/>
+          <a:ext cx="1693607" cy="204399"/>
         </a:xfrm>
         <a:prstGeom prst="rect">
           <a:avLst/>
@@ -5034,8 +4810,8 @@
       </dsp:nvSpPr>
       <dsp:spPr>
         <a:xfrm>
-          <a:off x="7551915" y="1885697"/>
-          <a:ext cx="2513871" cy="1508322"/>
+          <a:off x="6090460" y="1707426"/>
+          <a:ext cx="2271104" cy="1362662"/>
         </a:xfrm>
         <a:prstGeom prst="roundRect">
           <a:avLst>
@@ -5107,7 +4883,7 @@
         </a:bodyPr>
         <a:lstStyle/>
         <a:p>
-          <a:pPr lvl="0" algn="ctr" defTabSz="1422400">
+          <a:pPr marL="0" lvl="0" indent="0" algn="ctr" defTabSz="1422400">
             <a:lnSpc>
               <a:spcPct val="90000"/>
             </a:lnSpc>
@@ -5117,6 +4893,7 @@
             <a:spcAft>
               <a:spcPct val="35000"/>
             </a:spcAft>
+            <a:buNone/>
           </a:pPr>
           <a:r>
             <a:rPr lang="en-US" sz="3200" b="1" kern="1200" dirty="0"/>
@@ -5125,8 +4902,8 @@
         </a:p>
       </dsp:txBody>
       <dsp:txXfrm>
-        <a:off x="7596092" y="1929874"/>
-        <a:ext cx="2425517" cy="1419968"/>
+        <a:off x="6130371" y="1747337"/>
+        <a:ext cx="2191282" cy="1282840"/>
       </dsp:txXfrm>
     </dsp:sp>
     <dsp:sp modelId="{89CD50FC-3030-448A-9432-5204505208E6}">
@@ -5136,8 +4913,8 @@
       </dsp:nvSpPr>
       <dsp:spPr>
         <a:xfrm>
-          <a:off x="7551915" y="3771101"/>
-          <a:ext cx="2513871" cy="1508322"/>
+          <a:off x="6090460" y="3410754"/>
+          <a:ext cx="2271104" cy="1362662"/>
         </a:xfrm>
         <a:prstGeom prst="roundRect">
           <a:avLst>
@@ -5209,7 +4986,7 @@
         </a:bodyPr>
         <a:lstStyle/>
         <a:p>
-          <a:pPr lvl="0" algn="ctr" defTabSz="1422400">
+          <a:pPr marL="0" lvl="0" indent="0" algn="ctr" defTabSz="1422400">
             <a:lnSpc>
               <a:spcPct val="90000"/>
             </a:lnSpc>
@@ -5219,6 +4996,7 @@
             <a:spcAft>
               <a:spcPct val="35000"/>
             </a:spcAft>
+            <a:buNone/>
           </a:pPr>
           <a:r>
             <a:rPr lang="en-US" sz="3200" b="1" kern="1200" dirty="0"/>
@@ -5227,8 +5005,8 @@
         </a:p>
       </dsp:txBody>
       <dsp:txXfrm>
-        <a:off x="7596092" y="3815278"/>
-        <a:ext cx="2425517" cy="1419968"/>
+        <a:off x="6130371" y="3450665"/>
+        <a:ext cx="2191282" cy="1282840"/>
       </dsp:txXfrm>
     </dsp:sp>
   </dsp:spTree>
@@ -5250,8 +5028,8 @@
       </dsp:nvSpPr>
       <dsp:spPr>
         <a:xfrm>
-          <a:off x="6047" y="26785"/>
-          <a:ext cx="2749824" cy="1170773"/>
+          <a:off x="6047" y="27329"/>
+          <a:ext cx="2749824" cy="1053977"/>
         </a:xfrm>
         <a:prstGeom prst="roundRect">
           <a:avLst>
@@ -5322,7 +5100,7 @@
         </a:bodyPr>
         <a:lstStyle/>
         <a:p>
-          <a:pPr lvl="0" algn="l" defTabSz="1244600">
+          <a:pPr marL="0" lvl="0" indent="0" algn="l" defTabSz="1244600">
             <a:lnSpc>
               <a:spcPct val="90000"/>
             </a:lnSpc>
@@ -5332,6 +5110,7 @@
             <a:spcAft>
               <a:spcPct val="35000"/>
             </a:spcAft>
+            <a:buNone/>
           </a:pPr>
           <a:r>
             <a:rPr lang="en-US" sz="2800" b="1" kern="1200" dirty="0"/>
@@ -5340,8 +5119,8 @@
         </a:p>
       </dsp:txBody>
       <dsp:txXfrm>
-        <a:off x="6047" y="26785"/>
-        <a:ext cx="2749824" cy="780515"/>
+        <a:off x="6047" y="27329"/>
+        <a:ext cx="2749824" cy="702651"/>
       </dsp:txXfrm>
     </dsp:sp>
     <dsp:sp modelId="{0300FE74-4AB5-44CC-AEBD-63968DD74478}">
@@ -5351,8 +5130,8 @@
       </dsp:nvSpPr>
       <dsp:spPr>
         <a:xfrm>
-          <a:off x="569264" y="792173"/>
-          <a:ext cx="2749824" cy="3870000"/>
+          <a:off x="569264" y="716362"/>
+          <a:ext cx="2749824" cy="3009600"/>
         </a:xfrm>
         <a:prstGeom prst="roundRect">
           <a:avLst>
@@ -5400,12 +5179,12 @@
         <a:fontRef idx="minor"/>
       </dsp:style>
       <dsp:txBody>
-        <a:bodyPr spcFirstLastPara="0" vert="horz" wrap="square" lIns="128016" tIns="128016" rIns="128016" bIns="128016" numCol="1" spcCol="1270" anchor="t" anchorCtr="0">
+        <a:bodyPr spcFirstLastPara="0" vert="horz" wrap="square" lIns="113792" tIns="113792" rIns="113792" bIns="113792" numCol="1" spcCol="1270" anchor="t" anchorCtr="0">
           <a:noAutofit/>
         </a:bodyPr>
         <a:lstStyle/>
         <a:p>
-          <a:pPr marL="171450" lvl="1" indent="-171450" algn="l" defTabSz="800100">
+          <a:pPr marL="171450" lvl="1" indent="-171450" algn="l" defTabSz="711200">
             <a:lnSpc>
               <a:spcPct val="90000"/>
             </a:lnSpc>
@@ -5416,19 +5195,19 @@
               <a:spcPct val="15000"/>
             </a:spcAft>
             <a:buFont typeface="Wingdings" panose="05000000000000000000" pitchFamily="2" charset="2"/>
-            <a:buChar char="•"/>
+            <a:buChar char="§"/>
           </a:pPr>
           <a:r>
-            <a:rPr lang="en-US" sz="1800" b="1" kern="1200" dirty="0"/>
+            <a:rPr lang="en-US" sz="1600" b="1" kern="1200" dirty="0"/>
             <a:t>Live</a:t>
           </a:r>
           <a:r>
-            <a:rPr lang="en-US" sz="1800" kern="1200" dirty="0"/>
+            <a:rPr lang="en-US" sz="1600" kern="1200" dirty="0"/>
             <a:t> Data – Twitter feed</a:t>
           </a:r>
         </a:p>
         <a:p>
-          <a:pPr marL="171450" lvl="1" indent="-171450" algn="l" defTabSz="800100">
+          <a:pPr marL="171450" lvl="1" indent="-171450" algn="l" defTabSz="711200">
             <a:lnSpc>
               <a:spcPct val="90000"/>
             </a:lnSpc>
@@ -5439,19 +5218,19 @@
               <a:spcPct val="15000"/>
             </a:spcAft>
             <a:buFont typeface="Wingdings" panose="05000000000000000000" pitchFamily="2" charset="2"/>
-            <a:buChar char="•"/>
+            <a:buChar char="§"/>
           </a:pPr>
           <a:r>
-            <a:rPr lang="en-US" sz="1800" kern="1200" dirty="0"/>
+            <a:rPr lang="en-US" sz="1600" kern="1200" dirty="0"/>
             <a:t>Text Sentiment Score – </a:t>
           </a:r>
           <a:r>
-            <a:rPr lang="en-US" sz="1800" b="1" kern="1200" dirty="0"/>
+            <a:rPr lang="en-US" sz="1600" b="1" kern="1200" dirty="0"/>
             <a:t>Polarity and Intensity</a:t>
           </a:r>
         </a:p>
         <a:p>
-          <a:pPr marL="171450" lvl="1" indent="-171450" algn="l" defTabSz="800100">
+          <a:pPr marL="171450" lvl="1" indent="-171450" algn="l" defTabSz="711200">
             <a:lnSpc>
               <a:spcPct val="90000"/>
             </a:lnSpc>
@@ -5462,23 +5241,23 @@
               <a:spcPct val="15000"/>
             </a:spcAft>
             <a:buFont typeface="Wingdings" panose="05000000000000000000" pitchFamily="2" charset="2"/>
-            <a:buChar char="•"/>
+            <a:buChar char="§"/>
           </a:pPr>
           <a:r>
-            <a:rPr lang="en-US" sz="1800" kern="1200" dirty="0"/>
+            <a:rPr lang="en-US" sz="1600" kern="1200" dirty="0"/>
             <a:t>Comprehensive Sentiment </a:t>
           </a:r>
           <a:r>
-            <a:rPr lang="en-US" sz="1800" b="1" kern="1200" dirty="0"/>
+            <a:rPr lang="en-US" sz="1600" b="1" kern="1200" dirty="0"/>
             <a:t>Influence</a:t>
           </a:r>
           <a:r>
-            <a:rPr lang="en-US" sz="1800" kern="1200" dirty="0"/>
+            <a:rPr lang="en-US" sz="1600" kern="1200" dirty="0"/>
             <a:t> Score</a:t>
           </a:r>
         </a:p>
         <a:p>
-          <a:pPr marL="171450" lvl="1" indent="-171450" algn="l" defTabSz="800100">
+          <a:pPr marL="171450" lvl="1" indent="-171450" algn="l" defTabSz="711200">
             <a:lnSpc>
               <a:spcPct val="90000"/>
             </a:lnSpc>
@@ -5489,19 +5268,19 @@
               <a:spcPct val="15000"/>
             </a:spcAft>
             <a:buFont typeface="Wingdings" panose="05000000000000000000" pitchFamily="2" charset="2"/>
-            <a:buChar char="•"/>
+            <a:buChar char="§"/>
           </a:pPr>
           <a:r>
-            <a:rPr lang="en-US" sz="1800" b="1" kern="1200" dirty="0"/>
+            <a:rPr lang="en-US" sz="1600" b="1" kern="1200" dirty="0"/>
             <a:t>Model</a:t>
           </a:r>
           <a:r>
-            <a:rPr lang="en-US" sz="1800" kern="1200" dirty="0"/>
+            <a:rPr lang="en-US" sz="1600" kern="1200" dirty="0"/>
             <a:t> – BTC Price v/s Sentiment Influence Score</a:t>
           </a:r>
         </a:p>
         <a:p>
-          <a:pPr marL="171450" lvl="1" indent="-171450" algn="l" defTabSz="800100">
+          <a:pPr marL="171450" lvl="1" indent="-171450" algn="l" defTabSz="711200">
             <a:lnSpc>
               <a:spcPct val="90000"/>
             </a:lnSpc>
@@ -5512,25 +5291,25 @@
               <a:spcPct val="15000"/>
             </a:spcAft>
             <a:buFont typeface="Wingdings" panose="05000000000000000000" pitchFamily="2" charset="2"/>
-            <a:buChar char="•"/>
+            <a:buChar char="§"/>
           </a:pPr>
           <a:r>
-            <a:rPr lang="en-US" sz="1800" kern="1200" dirty="0"/>
+            <a:rPr lang="en-US" sz="1600" kern="1200" dirty="0"/>
             <a:t>BTC </a:t>
           </a:r>
           <a:r>
-            <a:rPr lang="en-US" sz="1800" b="1" kern="1200" dirty="0"/>
+            <a:rPr lang="en-US" sz="1600" b="1" kern="1200" dirty="0"/>
             <a:t>Trade</a:t>
           </a:r>
           <a:r>
-            <a:rPr lang="en-US" sz="1800" kern="1200" dirty="0"/>
+            <a:rPr lang="en-US" sz="1600" kern="1200" dirty="0"/>
             <a:t> suggestions</a:t>
           </a:r>
         </a:p>
       </dsp:txBody>
       <dsp:txXfrm>
-        <a:off x="649804" y="872713"/>
-        <a:ext cx="2588744" cy="3708920"/>
+        <a:off x="649804" y="796902"/>
+        <a:ext cx="2588744" cy="2848520"/>
       </dsp:txXfrm>
     </dsp:sp>
     <dsp:sp modelId="{F4821466-1C27-4545-A178-DCBD5FB01727}">
@@ -5539,8 +5318,8 @@
         <dsp:cNvSpPr/>
       </dsp:nvSpPr>
       <dsp:spPr>
-        <a:xfrm rot="21594113">
-          <a:off x="3172735" y="70905"/>
+        <a:xfrm rot="21594700">
+          <a:off x="3172735" y="32898"/>
           <a:ext cx="883751" cy="684626"/>
         </a:xfrm>
         <a:prstGeom prst="rightArrow">
@@ -5637,7 +5416,7 @@
         </a:p>
       </dsp:txBody>
       <dsp:txXfrm>
-        <a:off x="3172735" y="208006"/>
+        <a:off x="3172735" y="169981"/>
         <a:ext cx="678363" cy="410776"/>
       </dsp:txXfrm>
     </dsp:sp>
@@ -5648,8 +5427,8 @@
       </dsp:nvSpPr>
       <dsp:spPr>
         <a:xfrm>
-          <a:off x="4423326" y="49479"/>
-          <a:ext cx="2749824" cy="1080000"/>
+          <a:off x="4423326" y="47759"/>
+          <a:ext cx="2749824" cy="972259"/>
         </a:xfrm>
         <a:prstGeom prst="roundRect">
           <a:avLst>
@@ -5747,8 +5526,8 @@
         </a:p>
       </dsp:txBody>
       <dsp:txXfrm>
-        <a:off x="4423326" y="49479"/>
-        <a:ext cx="2749824" cy="720000"/>
+        <a:off x="4423326" y="47759"/>
+        <a:ext cx="2749824" cy="648172"/>
       </dsp:txXfrm>
     </dsp:sp>
     <dsp:sp modelId="{482DC60F-1285-480E-BF56-A741AE247787}">
@@ -5758,8 +5537,8 @@
       </dsp:nvSpPr>
       <dsp:spPr>
         <a:xfrm>
-          <a:off x="4986543" y="769479"/>
-          <a:ext cx="2749824" cy="3870000"/>
+          <a:off x="4986543" y="695932"/>
+          <a:ext cx="2749824" cy="3009600"/>
         </a:xfrm>
         <a:prstGeom prst="roundRect">
           <a:avLst>
@@ -5807,12 +5586,12 @@
         <a:fontRef idx="minor"/>
       </dsp:style>
       <dsp:txBody>
-        <a:bodyPr spcFirstLastPara="0" vert="horz" wrap="square" lIns="128016" tIns="128016" rIns="128016" bIns="128016" numCol="1" spcCol="1270" anchor="t" anchorCtr="0">
+        <a:bodyPr spcFirstLastPara="0" vert="horz" wrap="square" lIns="113792" tIns="113792" rIns="113792" bIns="113792" numCol="1" spcCol="1270" anchor="t" anchorCtr="0">
           <a:noAutofit/>
         </a:bodyPr>
         <a:lstStyle/>
         <a:p>
-          <a:pPr marL="171450" lvl="1" indent="-171450" algn="l" defTabSz="800100">
+          <a:pPr marL="171450" lvl="1" indent="-171450" algn="l" defTabSz="711200">
             <a:lnSpc>
               <a:spcPct val="90000"/>
             </a:lnSpc>
@@ -5823,19 +5602,19 @@
               <a:spcPct val="15000"/>
             </a:spcAft>
             <a:buFont typeface="Wingdings" panose="05000000000000000000" pitchFamily="2" charset="2"/>
-            <a:buChar char="•"/>
+            <a:buChar char="§"/>
           </a:pPr>
           <a:r>
-            <a:rPr lang="en-US" sz="1800" kern="1200" dirty="0"/>
+            <a:rPr lang="en-US" sz="1600" kern="1200" dirty="0"/>
             <a:t>Integration with </a:t>
           </a:r>
           <a:r>
-            <a:rPr lang="en-US" sz="1800" b="1" kern="1200" dirty="0"/>
+            <a:rPr lang="en-US" sz="1600" b="1" kern="1200" dirty="0"/>
             <a:t>Portfolio Mgmt.</a:t>
           </a:r>
         </a:p>
         <a:p>
-          <a:pPr marL="171450" lvl="1" indent="-171450" algn="l" defTabSz="800100">
+          <a:pPr marL="171450" lvl="1" indent="-171450" algn="l" defTabSz="711200">
             <a:lnSpc>
               <a:spcPct val="90000"/>
             </a:lnSpc>
@@ -5846,19 +5625,19 @@
               <a:spcPct val="15000"/>
             </a:spcAft>
             <a:buFont typeface="Wingdings" panose="05000000000000000000" pitchFamily="2" charset="2"/>
-            <a:buChar char="•"/>
+            <a:buChar char="§"/>
           </a:pPr>
           <a:r>
-            <a:rPr lang="en-US" sz="1800" kern="1200" dirty="0"/>
+            <a:rPr lang="en-US" sz="1600" kern="1200" dirty="0"/>
             <a:t>BTC Trade </a:t>
           </a:r>
           <a:r>
-            <a:rPr lang="en-US" sz="1800" b="1" kern="1200" dirty="0"/>
+            <a:rPr lang="en-US" sz="1600" b="1" kern="1200" dirty="0"/>
             <a:t>Automation</a:t>
           </a:r>
         </a:p>
         <a:p>
-          <a:pPr marL="171450" lvl="1" indent="-171450" algn="l" defTabSz="800100">
+          <a:pPr marL="171450" lvl="1" indent="-171450" algn="l" defTabSz="711200">
             <a:lnSpc>
               <a:spcPct val="90000"/>
             </a:lnSpc>
@@ -5869,14 +5648,14 @@
               <a:spcPct val="15000"/>
             </a:spcAft>
             <a:buFont typeface="Wingdings" panose="05000000000000000000" pitchFamily="2" charset="2"/>
-            <a:buChar char="•"/>
+            <a:buChar char="§"/>
           </a:pPr>
-          <a:endParaRPr lang="en-US" sz="1800" kern="1200" dirty="0"/>
+          <a:endParaRPr lang="en-US" sz="1600" kern="1200" dirty="0"/>
         </a:p>
       </dsp:txBody>
       <dsp:txXfrm>
-        <a:off x="5067083" y="850019"/>
-        <a:ext cx="2588744" cy="3708920"/>
+        <a:off x="5067083" y="776472"/>
+        <a:ext cx="2588744" cy="2848520"/>
       </dsp:txXfrm>
     </dsp:sp>
     <dsp:sp modelId="{EA07F0F7-19E6-4B1A-8455-10C96CD8142D}">
@@ -5886,7 +5665,7 @@
       </dsp:nvSpPr>
       <dsp:spPr>
         <a:xfrm>
-          <a:off x="7590014" y="67166"/>
+          <a:off x="7590014" y="29532"/>
           <a:ext cx="883750" cy="684626"/>
         </a:xfrm>
         <a:prstGeom prst="rightArrow">
@@ -5982,7 +5761,7 @@
         </a:p>
       </dsp:txBody>
       <dsp:txXfrm>
-        <a:off x="7590014" y="204091"/>
+        <a:off x="7590014" y="166457"/>
         <a:ext cx="678362" cy="410776"/>
       </dsp:txXfrm>
     </dsp:sp>
@@ -5993,8 +5772,8 @@
       </dsp:nvSpPr>
       <dsp:spPr>
         <a:xfrm>
-          <a:off x="8840605" y="49479"/>
-          <a:ext cx="2749824" cy="1080000"/>
+          <a:off x="8840605" y="47759"/>
+          <a:ext cx="2749824" cy="972259"/>
         </a:xfrm>
         <a:prstGeom prst="roundRect">
           <a:avLst>
@@ -6091,8 +5870,8 @@
         </a:p>
       </dsp:txBody>
       <dsp:txXfrm>
-        <a:off x="8840605" y="49479"/>
-        <a:ext cx="2749824" cy="720000"/>
+        <a:off x="8840605" y="47759"/>
+        <a:ext cx="2749824" cy="648172"/>
       </dsp:txXfrm>
     </dsp:sp>
     <dsp:sp modelId="{E0DC1596-F03F-45CD-AA93-E2512A12E189}">
@@ -6102,8 +5881,8 @@
       </dsp:nvSpPr>
       <dsp:spPr>
         <a:xfrm>
-          <a:off x="9403822" y="769479"/>
-          <a:ext cx="2749824" cy="3870000"/>
+          <a:off x="9403822" y="695932"/>
+          <a:ext cx="2749824" cy="3009600"/>
         </a:xfrm>
         <a:prstGeom prst="roundRect">
           <a:avLst>
@@ -6122,7 +5901,7 @@
         <a:ln w="9525" cap="rnd" cmpd="sng" algn="ctr">
           <a:solidFill>
             <a:schemeClr val="accent3">
-              <a:hueOff val="6567903"/>
+              <a:hueOff val="6567904"/>
               <a:satOff val="-50632"/>
               <a:lumOff val="1373"/>
               <a:alphaOff val="0"/>
@@ -6151,12 +5930,12 @@
         <a:fontRef idx="minor"/>
       </dsp:style>
       <dsp:txBody>
-        <a:bodyPr spcFirstLastPara="0" vert="horz" wrap="square" lIns="142240" tIns="142240" rIns="142240" bIns="142240" numCol="1" spcCol="1270" anchor="t" anchorCtr="0">
+        <a:bodyPr spcFirstLastPara="0" vert="horz" wrap="square" lIns="113792" tIns="113792" rIns="113792" bIns="113792" numCol="1" spcCol="1270" anchor="t" anchorCtr="0">
           <a:noAutofit/>
         </a:bodyPr>
         <a:lstStyle/>
         <a:p>
-          <a:pPr marL="228600" lvl="1" indent="-228600" algn="l" defTabSz="889000">
+          <a:pPr marL="171450" lvl="1" indent="-171450" algn="l" defTabSz="711200">
             <a:lnSpc>
               <a:spcPct val="90000"/>
             </a:lnSpc>
@@ -6167,24 +5946,23 @@
               <a:spcPct val="15000"/>
             </a:spcAft>
             <a:buFont typeface="Wingdings" panose="05000000000000000000" pitchFamily="2" charset="2"/>
-            <a:buChar char="•"/>
+            <a:buChar char="§"/>
           </a:pPr>
           <a:r>
-            <a:rPr lang="en-US" sz="2000" kern="1200" dirty="0"/>
+            <a:rPr lang="en-US" sz="1600" kern="1200" dirty="0"/>
             <a:t>Model BTC Price v/s T</a:t>
           </a:r>
           <a:r>
-            <a:rPr lang="en-US" sz="2000" b="1" kern="1200" dirty="0"/>
+            <a:rPr lang="en-US" sz="1600" b="1" kern="1200" dirty="0"/>
             <a:t>raditional Investment Avenues </a:t>
           </a:r>
           <a:r>
-            <a:rPr lang="en-US" sz="1800" i="1" kern="1200" dirty="0"/>
+            <a:rPr lang="en-US" sz="1600" i="1" kern="1200" dirty="0"/>
             <a:t>(Gold, Stock Markets, Property Prices)</a:t>
           </a:r>
-          <a:endParaRPr lang="en-US" sz="2000" i="1" kern="1200" dirty="0"/>
         </a:p>
         <a:p>
-          <a:pPr marL="228600" lvl="1" indent="-228600" algn="l" defTabSz="889000">
+          <a:pPr marL="171450" lvl="1" indent="-171450" algn="l" defTabSz="711200">
             <a:lnSpc>
               <a:spcPct val="90000"/>
             </a:lnSpc>
@@ -6195,17 +5973,17 @@
               <a:spcPct val="15000"/>
             </a:spcAft>
             <a:buFont typeface="Wingdings" panose="05000000000000000000" pitchFamily="2" charset="2"/>
-            <a:buChar char="•"/>
+            <a:buChar char="§"/>
           </a:pPr>
           <a:r>
-            <a:rPr lang="en-US" sz="2000" kern="1200" dirty="0"/>
+            <a:rPr lang="en-US" sz="1600" kern="1200" dirty="0"/>
             <a:t> Add support for other cryptocurrencies</a:t>
           </a:r>
         </a:p>
       </dsp:txBody>
       <dsp:txXfrm>
-        <a:off x="9484362" y="850019"/>
-        <a:ext cx="2588744" cy="3708920"/>
+        <a:off x="9484362" y="776472"/>
+        <a:ext cx="2588744" cy="2848520"/>
       </dsp:txXfrm>
     </dsp:sp>
   </dsp:spTree>
@@ -8895,7 +8673,7 @@
           <a:p>
             <a:fld id="{02A0DBCF-98EB-4D67-878A-B3D9526149CF}" type="datetimeFigureOut">
               <a:rPr lang="en-US" smtClean="0"/>
-              <a:t>6/9/18</a:t>
+              <a:t>6/9/2018</a:t>
             </a:fld>
             <a:endParaRPr lang="en-US"/>
           </a:p>
@@ -9356,7 +9134,7 @@
           <a:p>
             <a:fld id="{1721BE6E-83D6-4586-B165-0AF4CC79167E}" type="datetime1">
               <a:rPr lang="en-US" smtClean="0"/>
-              <a:t>6/9/18</a:t>
+              <a:t>6/9/2018</a:t>
             </a:fld>
             <a:endParaRPr lang="en-US"/>
           </a:p>
@@ -9642,7 +9420,7 @@
           <a:p>
             <a:fld id="{1829C438-848F-4580-B660-C76D074141FF}" type="datetime1">
               <a:rPr lang="en-US" smtClean="0"/>
-              <a:t>6/9/18</a:t>
+              <a:t>6/9/2018</a:t>
             </a:fld>
             <a:endParaRPr lang="en-US"/>
           </a:p>
@@ -9847,7 +9625,7 @@
           <a:p>
             <a:fld id="{C7DF6E21-ED7E-449A-BA97-52211954588D}" type="datetime1">
               <a:rPr lang="en-US" smtClean="0"/>
-              <a:t>6/9/18</a:t>
+              <a:t>6/9/2018</a:t>
             </a:fld>
             <a:endParaRPr lang="en-US"/>
           </a:p>
@@ -10131,7 +9909,7 @@
           <a:p>
             <a:fld id="{B3B65B3C-37DD-44A6-9273-B905BEB12D36}" type="datetime1">
               <a:rPr lang="en-US" smtClean="0"/>
-              <a:t>6/9/18</a:t>
+              <a:t>6/9/2018</a:t>
             </a:fld>
             <a:endParaRPr lang="en-US"/>
           </a:p>
@@ -10483,7 +10261,7 @@
           <a:p>
             <a:fld id="{924CCB88-EF66-4ED6-AC65-40BE42E04385}" type="datetime1">
               <a:rPr lang="en-US" smtClean="0"/>
-              <a:t>6/9/18</a:t>
+              <a:t>6/9/2018</a:t>
             </a:fld>
             <a:endParaRPr lang="en-US"/>
           </a:p>
@@ -11117,7 +10895,7 @@
           <a:p>
             <a:fld id="{574A3DF9-F952-4D80-A843-A0AF60C94FC9}" type="datetime1">
               <a:rPr lang="en-US" smtClean="0"/>
-              <a:t>6/9/18</a:t>
+              <a:t>6/9/2018</a:t>
             </a:fld>
             <a:endParaRPr lang="en-US"/>
           </a:p>
@@ -11988,7 +11766,7 @@
           <a:p>
             <a:fld id="{B1B85D61-C27D-49F0-9D2C-2B499D3F1FD2}" type="datetime1">
               <a:rPr lang="en-US" smtClean="0"/>
-              <a:t>6/9/18</a:t>
+              <a:t>6/9/2018</a:t>
             </a:fld>
             <a:endParaRPr lang="en-US"/>
           </a:p>
@@ -12169,7 +11947,7 @@
           <a:p>
             <a:fld id="{1A90F275-8845-4540-B335-2E0649524C0A}" type="datetime1">
               <a:rPr lang="en-US" smtClean="0"/>
-              <a:t>6/9/18</a:t>
+              <a:t>6/9/2018</a:t>
             </a:fld>
             <a:endParaRPr lang="en-US"/>
           </a:p>
@@ -12360,7 +12138,7 @@
           <a:p>
             <a:fld id="{95BDBC39-3904-4A93-AA75-82CD3D303B4D}" type="datetime1">
               <a:rPr lang="en-US" smtClean="0"/>
-              <a:t>6/9/18</a:t>
+              <a:t>6/9/2018</a:t>
             </a:fld>
             <a:endParaRPr lang="en-US"/>
           </a:p>
@@ -12723,7 +12501,7 @@
           <a:p>
             <a:fld id="{DD5E5977-9068-462E-AB39-5D51EF8F10EF}" type="datetime1">
               <a:rPr lang="en-US" smtClean="0"/>
-              <a:t>6/9/18</a:t>
+              <a:t>6/9/2018</a:t>
             </a:fld>
             <a:endParaRPr lang="en-US"/>
           </a:p>
@@ -13026,7 +12804,7 @@
           <a:p>
             <a:fld id="{9102FF10-001E-4E7B-9A10-93983E58B5BC}" type="datetime1">
               <a:rPr lang="en-US" smtClean="0"/>
-              <a:t>6/9/18</a:t>
+              <a:t>6/9/2018</a:t>
             </a:fld>
             <a:endParaRPr lang="en-US"/>
           </a:p>
@@ -13481,7 +13259,7 @@
           <a:p>
             <a:fld id="{C96D719B-A043-4353-9E46-B4FD70628C40}" type="datetime1">
               <a:rPr lang="en-US" smtClean="0"/>
-              <a:t>6/9/18</a:t>
+              <a:t>6/9/2018</a:t>
             </a:fld>
             <a:endParaRPr lang="en-US"/>
           </a:p>
@@ -13610,7 +13388,7 @@
           <a:p>
             <a:fld id="{5A09892F-BD80-4961-9346-508D9064A3D7}" type="datetime1">
               <a:rPr lang="en-US" smtClean="0"/>
-              <a:t>6/9/18</a:t>
+              <a:t>6/9/2018</a:t>
             </a:fld>
             <a:endParaRPr lang="en-US"/>
           </a:p>
@@ -13716,7 +13494,7 @@
           <a:p>
             <a:fld id="{278F1FA9-BD86-4D9A-9F7B-E2700EC379EE}" type="datetime1">
               <a:rPr lang="en-US" smtClean="0"/>
-              <a:t>6/9/18</a:t>
+              <a:t>6/9/2018</a:t>
             </a:fld>
             <a:endParaRPr lang="en-US"/>
           </a:p>
@@ -14006,7 +13784,7 @@
           <a:p>
             <a:fld id="{26DD630E-0338-4F6C-8223-63DB5D5694FA}" type="datetime1">
               <a:rPr lang="en-US" smtClean="0"/>
-              <a:t>6/9/18</a:t>
+              <a:t>6/9/2018</a:t>
             </a:fld>
             <a:endParaRPr lang="en-US"/>
           </a:p>
@@ -14292,7 +14070,7 @@
           <a:p>
             <a:fld id="{15B432F6-57A0-49F4-A11F-E910F0CFADE1}" type="datetime1">
               <a:rPr lang="en-US" smtClean="0"/>
-              <a:t>6/9/18</a:t>
+              <a:t>6/9/2018</a:t>
             </a:fld>
             <a:endParaRPr lang="en-US"/>
           </a:p>
@@ -15246,7 +15024,7 @@
           <p:cNvPr id="4" name="Picture 3">
             <a:extLst>
               <a:ext uri="{FF2B5EF4-FFF2-40B4-BE49-F238E27FC236}">
-                <a16:creationId xmlns:a16="http://schemas.microsoft.com/office/drawing/2014/main" xmlns="" id="{2B874C87-CC98-4C70-9E1B-60DDEC30CA53}"/>
+                <a16:creationId xmlns:a16="http://schemas.microsoft.com/office/drawing/2014/main" id="{2B874C87-CC98-4C70-9E1B-60DDEC30CA53}"/>
               </a:ext>
             </a:extLst>
           </p:cNvPr>
@@ -15287,7 +15065,7 @@
           <p:cNvPr id="2" name="Title 1">
             <a:extLst>
               <a:ext uri="{FF2B5EF4-FFF2-40B4-BE49-F238E27FC236}">
-                <a16:creationId xmlns:a16="http://schemas.microsoft.com/office/drawing/2014/main" xmlns="" id="{CAD2BE32-972A-43A6-8D4C-D668806AEF56}"/>
+                <a16:creationId xmlns:a16="http://schemas.microsoft.com/office/drawing/2014/main" id="{CAD2BE32-972A-43A6-8D4C-D668806AEF56}"/>
               </a:ext>
             </a:extLst>
           </p:cNvPr>
@@ -15322,7 +15100,7 @@
           <p:cNvPr id="3" name="Subtitle 2">
             <a:extLst>
               <a:ext uri="{FF2B5EF4-FFF2-40B4-BE49-F238E27FC236}">
-                <a16:creationId xmlns:a16="http://schemas.microsoft.com/office/drawing/2014/main" xmlns="" id="{37B9E8B9-6C6C-42C2-946C-09A116FCE7B8}"/>
+                <a16:creationId xmlns:a16="http://schemas.microsoft.com/office/drawing/2014/main" id="{37B9E8B9-6C6C-42C2-946C-09A116FCE7B8}"/>
               </a:ext>
             </a:extLst>
           </p:cNvPr>
@@ -15400,12 +15178,12 @@
               <a:t> </a:t>
             </a:r>
             <a:r>
-              <a:rPr lang="en-US" sz="1800" b="1" smtClean="0">
+              <a:rPr lang="en-US" sz="1800" b="1" dirty="0" err="1">
                 <a:solidFill>
                   <a:schemeClr val="tx1"/>
                 </a:solidFill>
               </a:rPr>
-              <a:t>pantoji</a:t>
+              <a:t>panatoji</a:t>
             </a:r>
             <a:endParaRPr lang="en-US" sz="1800" b="1" dirty="0">
               <a:solidFill>
@@ -15504,7 +15282,7 @@
           <p:cNvPr id="6" name="Title 5">
             <a:extLst>
               <a:ext uri="{FF2B5EF4-FFF2-40B4-BE49-F238E27FC236}">
-                <a16:creationId xmlns:a16="http://schemas.microsoft.com/office/drawing/2014/main" xmlns="" id="{3806FD10-ADE0-498D-99E3-FDAB1A864343}"/>
+                <a16:creationId xmlns:a16="http://schemas.microsoft.com/office/drawing/2014/main" id="{3806FD10-ADE0-498D-99E3-FDAB1A864343}"/>
               </a:ext>
             </a:extLst>
           </p:cNvPr>
@@ -15537,7 +15315,7 @@
           <p:cNvPr id="8" name="Content Placeholder 7">
             <a:extLst>
               <a:ext uri="{FF2B5EF4-FFF2-40B4-BE49-F238E27FC236}">
-                <a16:creationId xmlns:a16="http://schemas.microsoft.com/office/drawing/2014/main" xmlns="" id="{5605293D-6521-4560-93F0-589DFC51DBA9}"/>
+                <a16:creationId xmlns:a16="http://schemas.microsoft.com/office/drawing/2014/main" id="{5605293D-6521-4560-93F0-589DFC51DBA9}"/>
               </a:ext>
             </a:extLst>
           </p:cNvPr>
@@ -15573,7 +15351,7 @@
           <p:cNvPr id="13" name="Picture 12">
             <a:extLst>
               <a:ext uri="{FF2B5EF4-FFF2-40B4-BE49-F238E27FC236}">
-                <a16:creationId xmlns:a16="http://schemas.microsoft.com/office/drawing/2014/main" xmlns="" id="{DE435EF9-122A-4F06-BC48-39FC05C92EB5}"/>
+                <a16:creationId xmlns:a16="http://schemas.microsoft.com/office/drawing/2014/main" id="{DE435EF9-122A-4F06-BC48-39FC05C92EB5}"/>
               </a:ext>
             </a:extLst>
           </p:cNvPr>
@@ -15615,7 +15393,7 @@
           <p:cNvPr id="15" name="Rectangle 14">
             <a:extLst>
               <a:ext uri="{FF2B5EF4-FFF2-40B4-BE49-F238E27FC236}">
-                <a16:creationId xmlns:a16="http://schemas.microsoft.com/office/drawing/2014/main" xmlns="" id="{AB78C61A-4C3C-45CB-89EC-1E7AF5282EB8}"/>
+                <a16:creationId xmlns:a16="http://schemas.microsoft.com/office/drawing/2014/main" id="{AB78C61A-4C3C-45CB-89EC-1E7AF5282EB8}"/>
               </a:ext>
             </a:extLst>
           </p:cNvPr>
@@ -15667,7 +15445,7 @@
           <p:cNvPr id="23" name="Footer Placeholder 4">
             <a:extLst>
               <a:ext uri="{FF2B5EF4-FFF2-40B4-BE49-F238E27FC236}">
-                <a16:creationId xmlns:a16="http://schemas.microsoft.com/office/drawing/2014/main" xmlns="" id="{B96CA466-4549-49FC-A39E-4AE35C1A61C1}"/>
+                <a16:creationId xmlns:a16="http://schemas.microsoft.com/office/drawing/2014/main" id="{B96CA466-4549-49FC-A39E-4AE35C1A61C1}"/>
               </a:ext>
             </a:extLst>
           </p:cNvPr>
@@ -15798,7 +15576,7 @@
           <p:cNvPr id="24" name="Slide Number Placeholder 5">
             <a:extLst>
               <a:ext uri="{FF2B5EF4-FFF2-40B4-BE49-F238E27FC236}">
-                <a16:creationId xmlns:a16="http://schemas.microsoft.com/office/drawing/2014/main" xmlns="" id="{3C69297E-A70C-4FC6-ADB2-3C91E3FCC4E7}"/>
+                <a16:creationId xmlns:a16="http://schemas.microsoft.com/office/drawing/2014/main" id="{3C69297E-A70C-4FC6-ADB2-3C91E3FCC4E7}"/>
               </a:ext>
             </a:extLst>
           </p:cNvPr>
@@ -15986,7 +15764,7 @@
           <p:cNvPr id="6" name="Title 5">
             <a:extLst>
               <a:ext uri="{FF2B5EF4-FFF2-40B4-BE49-F238E27FC236}">
-                <a16:creationId xmlns:a16="http://schemas.microsoft.com/office/drawing/2014/main" xmlns="" id="{3806FD10-ADE0-498D-99E3-FDAB1A864343}"/>
+                <a16:creationId xmlns:a16="http://schemas.microsoft.com/office/drawing/2014/main" id="{3806FD10-ADE0-498D-99E3-FDAB1A864343}"/>
               </a:ext>
             </a:extLst>
           </p:cNvPr>
@@ -16019,7 +15797,7 @@
           <p:cNvPr id="23" name="Footer Placeholder 4">
             <a:extLst>
               <a:ext uri="{FF2B5EF4-FFF2-40B4-BE49-F238E27FC236}">
-                <a16:creationId xmlns:a16="http://schemas.microsoft.com/office/drawing/2014/main" xmlns="" id="{B96CA466-4549-49FC-A39E-4AE35C1A61C1}"/>
+                <a16:creationId xmlns:a16="http://schemas.microsoft.com/office/drawing/2014/main" id="{B96CA466-4549-49FC-A39E-4AE35C1A61C1}"/>
               </a:ext>
             </a:extLst>
           </p:cNvPr>
@@ -16150,7 +15928,7 @@
           <p:cNvPr id="24" name="Slide Number Placeholder 5">
             <a:extLst>
               <a:ext uri="{FF2B5EF4-FFF2-40B4-BE49-F238E27FC236}">
-                <a16:creationId xmlns:a16="http://schemas.microsoft.com/office/drawing/2014/main" xmlns="" id="{3C69297E-A70C-4FC6-ADB2-3C91E3FCC4E7}"/>
+                <a16:creationId xmlns:a16="http://schemas.microsoft.com/office/drawing/2014/main" id="{3C69297E-A70C-4FC6-ADB2-3C91E3FCC4E7}"/>
               </a:ext>
             </a:extLst>
           </p:cNvPr>
@@ -16283,7 +16061,7 @@
           <p:cNvPr id="4" name="Diagram 3">
             <a:extLst>
               <a:ext uri="{FF2B5EF4-FFF2-40B4-BE49-F238E27FC236}">
-                <a16:creationId xmlns:a16="http://schemas.microsoft.com/office/drawing/2014/main" xmlns="" id="{1A74A805-43ED-4274-9900-400F399A56B1}"/>
+                <a16:creationId xmlns:a16="http://schemas.microsoft.com/office/drawing/2014/main" id="{1A74A805-43ED-4274-9900-400F399A56B1}"/>
               </a:ext>
             </a:extLst>
           </p:cNvPr>
@@ -16291,14 +16069,14 @@
           <p:nvPr>
             <p:extLst>
               <p:ext uri="{D42A27DB-BD31-4B8C-83A1-F6EECF244321}">
-                <p14:modId xmlns:p14="http://schemas.microsoft.com/office/powerpoint/2010/main" val="842334984"/>
+                <p14:modId xmlns:p14="http://schemas.microsoft.com/office/powerpoint/2010/main" val="595190101"/>
               </p:ext>
             </p:extLst>
           </p:nvPr>
         </p:nvGraphicFramePr>
         <p:xfrm>
-          <a:off x="573622" y="1180214"/>
-          <a:ext cx="10930805" cy="5279718"/>
+          <a:off x="10098" y="797442"/>
+          <a:ext cx="8410888" cy="4777515"/>
         </p:xfrm>
         <a:graphic>
           <a:graphicData uri="http://schemas.openxmlformats.org/drawingml/2006/diagram">
@@ -16306,100 +16084,12 @@
           </a:graphicData>
         </a:graphic>
       </p:graphicFrame>
-    </p:spTree>
-    <p:extLst>
-      <p:ext uri="{BB962C8B-B14F-4D97-AF65-F5344CB8AC3E}">
-        <p14:creationId xmlns:p14="http://schemas.microsoft.com/office/powerpoint/2010/main" val="3007023457"/>
-      </p:ext>
-    </p:extLst>
-  </p:cSld>
-  <p:clrMapOvr>
-    <a:masterClrMapping/>
-  </p:clrMapOvr>
-</p:sld>
-</file>
-
-<file path=ppt/slides/slide4.xml><?xml version="1.0" encoding="utf-8"?>
-<p:sld xmlns:a="http://schemas.openxmlformats.org/drawingml/2006/main" xmlns:r="http://schemas.openxmlformats.org/officeDocument/2006/relationships" xmlns:p="http://schemas.openxmlformats.org/presentationml/2006/main">
-  <p:cSld>
-    <p:bg>
-      <p:bgPr>
-        <a:blipFill rotWithShape="1">
-          <a:blip r:embed="rId2">
-            <a:duotone>
-              <a:schemeClr val="bg2">
-                <a:shade val="69000"/>
-                <a:hueMod val="108000"/>
-                <a:satMod val="164000"/>
-                <a:lumMod val="74000"/>
-              </a:schemeClr>
-              <a:schemeClr val="bg2">
-                <a:tint val="96000"/>
-                <a:hueMod val="88000"/>
-                <a:satMod val="140000"/>
-                <a:lumMod val="132000"/>
-              </a:schemeClr>
-            </a:duotone>
-            <a:extLst/>
-          </a:blip>
-          <a:stretch/>
-        </a:blipFill>
-        <a:effectLst/>
-      </p:bgPr>
-    </p:bg>
-    <p:spTree>
-      <p:nvGrpSpPr>
-        <p:cNvPr id="1" name=""/>
-        <p:cNvGrpSpPr/>
-        <p:nvPr/>
-      </p:nvGrpSpPr>
-      <p:grpSpPr>
-        <a:xfrm>
-          <a:off x="0" y="0"/>
-          <a:ext cx="0" cy="0"/>
-          <a:chOff x="0" y="0"/>
-          <a:chExt cx="0" cy="0"/>
-        </a:xfrm>
-      </p:grpSpPr>
       <p:sp>
         <p:nvSpPr>
-          <p:cNvPr id="6" name="Title 5">
+          <p:cNvPr id="9" name="Content Placeholder 7">
             <a:extLst>
               <a:ext uri="{FF2B5EF4-FFF2-40B4-BE49-F238E27FC236}">
-                <a16:creationId xmlns:a16="http://schemas.microsoft.com/office/drawing/2014/main" xmlns="" id="{3806FD10-ADE0-498D-99E3-FDAB1A864343}"/>
-              </a:ext>
-            </a:extLst>
-          </p:cNvPr>
-          <p:cNvSpPr>
-            <a:spLocks noGrp="1"/>
-          </p:cNvSpPr>
-          <p:nvPr>
-            <p:ph type="title"/>
-          </p:nvPr>
-        </p:nvSpPr>
-        <p:spPr>
-          <a:xfrm>
-            <a:off x="0" y="0"/>
-            <a:ext cx="9404723" cy="717630"/>
-          </a:xfrm>
-        </p:spPr>
-        <p:txBody>
-          <a:bodyPr/>
-          <a:lstStyle/>
-          <a:p>
-            <a:r>
-              <a:rPr lang="en-US" b="1" dirty="0"/>
-              <a:t>Roadmap</a:t>
-            </a:r>
-          </a:p>
-        </p:txBody>
-      </p:sp>
-      <p:sp>
-        <p:nvSpPr>
-          <p:cNvPr id="23" name="Footer Placeholder 4">
-            <a:extLst>
-              <a:ext uri="{FF2B5EF4-FFF2-40B4-BE49-F238E27FC236}">
-                <a16:creationId xmlns:a16="http://schemas.microsoft.com/office/drawing/2014/main" xmlns="" id="{B96CA466-4549-49FC-A39E-4AE35C1A61C1}"/>
+                <a16:creationId xmlns:a16="http://schemas.microsoft.com/office/drawing/2014/main" id="{5630BDDA-D5DC-4956-B06C-C7B30D0F7396}"/>
               </a:ext>
             </a:extLst>
           </p:cNvPr>
@@ -16410,848 +16100,8 @@
         </p:nvSpPr>
         <p:spPr>
           <a:xfrm>
-            <a:off x="145052" y="6400799"/>
-            <a:ext cx="4205490" cy="304801"/>
-          </a:xfrm>
-          <a:prstGeom prst="rect">
-            <a:avLst/>
-          </a:prstGeom>
-        </p:spPr>
-        <p:txBody>
-          <a:bodyPr vert="horz" lIns="91440" tIns="45720" rIns="91440" bIns="45720" rtlCol="0" anchor="b"/>
-          <a:lstStyle>
-            <a:defPPr>
-              <a:defRPr lang="en-US"/>
-            </a:defPPr>
-            <a:lvl1pPr marL="0" algn="l" defTabSz="457200" rtl="0" eaLnBrk="1" latinLnBrk="0" hangingPunct="1">
-              <a:defRPr sz="1100" b="0" i="0" kern="1200">
-                <a:solidFill>
-                  <a:schemeClr val="tx1">
-                    <a:tint val="75000"/>
-                    <a:alpha val="60000"/>
-                  </a:schemeClr>
-                </a:solidFill>
-                <a:latin typeface="+mn-lt"/>
-                <a:ea typeface="+mn-ea"/>
-                <a:cs typeface="+mn-cs"/>
-              </a:defRPr>
-            </a:lvl1pPr>
-            <a:lvl2pPr marL="457200" algn="l" defTabSz="457200" rtl="0" eaLnBrk="1" latinLnBrk="0" hangingPunct="1">
-              <a:defRPr sz="1800" kern="1200">
-                <a:solidFill>
-                  <a:schemeClr val="tx1"/>
-                </a:solidFill>
-                <a:latin typeface="+mn-lt"/>
-                <a:ea typeface="+mn-ea"/>
-                <a:cs typeface="+mn-cs"/>
-              </a:defRPr>
-            </a:lvl2pPr>
-            <a:lvl3pPr marL="914400" algn="l" defTabSz="457200" rtl="0" eaLnBrk="1" latinLnBrk="0" hangingPunct="1">
-              <a:defRPr sz="1800" kern="1200">
-                <a:solidFill>
-                  <a:schemeClr val="tx1"/>
-                </a:solidFill>
-                <a:latin typeface="+mn-lt"/>
-                <a:ea typeface="+mn-ea"/>
-                <a:cs typeface="+mn-cs"/>
-              </a:defRPr>
-            </a:lvl3pPr>
-            <a:lvl4pPr marL="1371600" algn="l" defTabSz="457200" rtl="0" eaLnBrk="1" latinLnBrk="0" hangingPunct="1">
-              <a:defRPr sz="1800" kern="1200">
-                <a:solidFill>
-                  <a:schemeClr val="tx1"/>
-                </a:solidFill>
-                <a:latin typeface="+mn-lt"/>
-                <a:ea typeface="+mn-ea"/>
-                <a:cs typeface="+mn-cs"/>
-              </a:defRPr>
-            </a:lvl4pPr>
-            <a:lvl5pPr marL="1828800" algn="l" defTabSz="457200" rtl="0" eaLnBrk="1" latinLnBrk="0" hangingPunct="1">
-              <a:defRPr sz="1800" kern="1200">
-                <a:solidFill>
-                  <a:schemeClr val="tx1"/>
-                </a:solidFill>
-                <a:latin typeface="+mn-lt"/>
-                <a:ea typeface="+mn-ea"/>
-                <a:cs typeface="+mn-cs"/>
-              </a:defRPr>
-            </a:lvl5pPr>
-            <a:lvl6pPr marL="2286000" algn="l" defTabSz="457200" rtl="0" eaLnBrk="1" latinLnBrk="0" hangingPunct="1">
-              <a:defRPr sz="1800" kern="1200">
-                <a:solidFill>
-                  <a:schemeClr val="tx1"/>
-                </a:solidFill>
-                <a:latin typeface="+mn-lt"/>
-                <a:ea typeface="+mn-ea"/>
-                <a:cs typeface="+mn-cs"/>
-              </a:defRPr>
-            </a:lvl6pPr>
-            <a:lvl7pPr marL="2743200" algn="l" defTabSz="457200" rtl="0" eaLnBrk="1" latinLnBrk="0" hangingPunct="1">
-              <a:defRPr sz="1800" kern="1200">
-                <a:solidFill>
-                  <a:schemeClr val="tx1"/>
-                </a:solidFill>
-                <a:latin typeface="+mn-lt"/>
-                <a:ea typeface="+mn-ea"/>
-                <a:cs typeface="+mn-cs"/>
-              </a:defRPr>
-            </a:lvl7pPr>
-            <a:lvl8pPr marL="3200400" algn="l" defTabSz="457200" rtl="0" eaLnBrk="1" latinLnBrk="0" hangingPunct="1">
-              <a:defRPr sz="1800" kern="1200">
-                <a:solidFill>
-                  <a:schemeClr val="tx1"/>
-                </a:solidFill>
-                <a:latin typeface="+mn-lt"/>
-                <a:ea typeface="+mn-ea"/>
-                <a:cs typeface="+mn-cs"/>
-              </a:defRPr>
-            </a:lvl8pPr>
-            <a:lvl9pPr marL="3657600" algn="l" defTabSz="457200" rtl="0" eaLnBrk="1" latinLnBrk="0" hangingPunct="1">
-              <a:defRPr sz="1800" kern="1200">
-                <a:solidFill>
-                  <a:schemeClr val="tx1"/>
-                </a:solidFill>
-                <a:latin typeface="+mn-lt"/>
-                <a:ea typeface="+mn-ea"/>
-                <a:cs typeface="+mn-cs"/>
-              </a:defRPr>
-            </a:lvl9pPr>
-          </a:lstStyle>
-          <a:p>
-            <a:r>
-              <a:rPr lang="en-US" dirty="0"/>
-              <a:t>Hacked during “The Ultimate Crypto Challenge”</a:t>
-            </a:r>
-          </a:p>
-        </p:txBody>
-      </p:sp>
-      <p:sp>
-        <p:nvSpPr>
-          <p:cNvPr id="24" name="Slide Number Placeholder 5">
-            <a:extLst>
-              <a:ext uri="{FF2B5EF4-FFF2-40B4-BE49-F238E27FC236}">
-                <a16:creationId xmlns:a16="http://schemas.microsoft.com/office/drawing/2014/main" xmlns="" id="{3C69297E-A70C-4FC6-ADB2-3C91E3FCC4E7}"/>
-              </a:ext>
-            </a:extLst>
-          </p:cNvPr>
-          <p:cNvSpPr txBox="1">
-            <a:spLocks/>
-          </p:cNvSpPr>
-          <p:nvPr/>
-        </p:nvSpPr>
-        <p:spPr bwMode="gray">
-          <a:xfrm>
-            <a:off x="11153165" y="6400799"/>
-            <a:ext cx="838199" cy="304801"/>
-          </a:xfrm>
-          <a:prstGeom prst="rect">
-            <a:avLst/>
-          </a:prstGeom>
-        </p:spPr>
-        <p:txBody>
-          <a:bodyPr vert="horz" lIns="91440" tIns="45720" rIns="91440" bIns="45720" rtlCol="0" anchor="b"/>
-          <a:lstStyle>
-            <a:defPPr>
-              <a:defRPr lang="en-US"/>
-            </a:defPPr>
-            <a:lvl1pPr marL="0" algn="r" defTabSz="457200" rtl="0" eaLnBrk="1" latinLnBrk="0" hangingPunct="1">
-              <a:defRPr lang="en-US" sz="1100" b="0" i="0" kern="1200" smtClean="0">
-                <a:solidFill>
-                  <a:schemeClr val="tx1">
-                    <a:tint val="75000"/>
-                    <a:alpha val="60000"/>
-                  </a:schemeClr>
-                </a:solidFill>
-                <a:latin typeface="+mn-lt"/>
-                <a:ea typeface="+mn-ea"/>
-                <a:cs typeface="+mn-cs"/>
-              </a:defRPr>
-            </a:lvl1pPr>
-            <a:lvl2pPr marL="457200" algn="l" defTabSz="457200" rtl="0" eaLnBrk="1" latinLnBrk="0" hangingPunct="1">
-              <a:defRPr sz="1800" kern="1200">
-                <a:solidFill>
-                  <a:schemeClr val="tx1"/>
-                </a:solidFill>
-                <a:latin typeface="+mn-lt"/>
-                <a:ea typeface="+mn-ea"/>
-                <a:cs typeface="+mn-cs"/>
-              </a:defRPr>
-            </a:lvl2pPr>
-            <a:lvl3pPr marL="914400" algn="l" defTabSz="457200" rtl="0" eaLnBrk="1" latinLnBrk="0" hangingPunct="1">
-              <a:defRPr sz="1800" kern="1200">
-                <a:solidFill>
-                  <a:schemeClr val="tx1"/>
-                </a:solidFill>
-                <a:latin typeface="+mn-lt"/>
-                <a:ea typeface="+mn-ea"/>
-                <a:cs typeface="+mn-cs"/>
-              </a:defRPr>
-            </a:lvl3pPr>
-            <a:lvl4pPr marL="1371600" algn="l" defTabSz="457200" rtl="0" eaLnBrk="1" latinLnBrk="0" hangingPunct="1">
-              <a:defRPr sz="1800" kern="1200">
-                <a:solidFill>
-                  <a:schemeClr val="tx1"/>
-                </a:solidFill>
-                <a:latin typeface="+mn-lt"/>
-                <a:ea typeface="+mn-ea"/>
-                <a:cs typeface="+mn-cs"/>
-              </a:defRPr>
-            </a:lvl4pPr>
-            <a:lvl5pPr marL="1828800" algn="l" defTabSz="457200" rtl="0" eaLnBrk="1" latinLnBrk="0" hangingPunct="1">
-              <a:defRPr sz="1800" kern="1200">
-                <a:solidFill>
-                  <a:schemeClr val="tx1"/>
-                </a:solidFill>
-                <a:latin typeface="+mn-lt"/>
-                <a:ea typeface="+mn-ea"/>
-                <a:cs typeface="+mn-cs"/>
-              </a:defRPr>
-            </a:lvl5pPr>
-            <a:lvl6pPr marL="2286000" algn="l" defTabSz="457200" rtl="0" eaLnBrk="1" latinLnBrk="0" hangingPunct="1">
-              <a:defRPr sz="1800" kern="1200">
-                <a:solidFill>
-                  <a:schemeClr val="tx1"/>
-                </a:solidFill>
-                <a:latin typeface="+mn-lt"/>
-                <a:ea typeface="+mn-ea"/>
-                <a:cs typeface="+mn-cs"/>
-              </a:defRPr>
-            </a:lvl6pPr>
-            <a:lvl7pPr marL="2743200" algn="l" defTabSz="457200" rtl="0" eaLnBrk="1" latinLnBrk="0" hangingPunct="1">
-              <a:defRPr sz="1800" kern="1200">
-                <a:solidFill>
-                  <a:schemeClr val="tx1"/>
-                </a:solidFill>
-                <a:latin typeface="+mn-lt"/>
-                <a:ea typeface="+mn-ea"/>
-                <a:cs typeface="+mn-cs"/>
-              </a:defRPr>
-            </a:lvl7pPr>
-            <a:lvl8pPr marL="3200400" algn="l" defTabSz="457200" rtl="0" eaLnBrk="1" latinLnBrk="0" hangingPunct="1">
-              <a:defRPr sz="1800" kern="1200">
-                <a:solidFill>
-                  <a:schemeClr val="tx1"/>
-                </a:solidFill>
-                <a:latin typeface="+mn-lt"/>
-                <a:ea typeface="+mn-ea"/>
-                <a:cs typeface="+mn-cs"/>
-              </a:defRPr>
-            </a:lvl8pPr>
-            <a:lvl9pPr marL="3657600" algn="l" defTabSz="457200" rtl="0" eaLnBrk="1" latinLnBrk="0" hangingPunct="1">
-              <a:defRPr sz="1800" kern="1200">
-                <a:solidFill>
-                  <a:schemeClr val="tx1"/>
-                </a:solidFill>
-                <a:latin typeface="+mn-lt"/>
-                <a:ea typeface="+mn-ea"/>
-                <a:cs typeface="+mn-cs"/>
-              </a:defRPr>
-            </a:lvl9pPr>
-          </a:lstStyle>
-          <a:p>
-            <a:fld id="{E3087969-BFE0-4E58-972C-92EE12B30F7D}" type="slidenum">
-              <a:rPr lang="en-US" smtClean="0"/>
-              <a:pPr/>
-              <a:t>4</a:t>
-            </a:fld>
-            <a:endParaRPr lang="en-US"/>
-          </a:p>
-        </p:txBody>
-      </p:sp>
-      <p:graphicFrame>
-        <p:nvGraphicFramePr>
-          <p:cNvPr id="8" name="Diagram 7">
-            <a:extLst>
-              <a:ext uri="{FF2B5EF4-FFF2-40B4-BE49-F238E27FC236}">
-                <a16:creationId xmlns:a16="http://schemas.microsoft.com/office/drawing/2014/main" xmlns="" id="{C403614D-8D8D-4B88-93A7-8E4DC99A8D38}"/>
-              </a:ext>
-            </a:extLst>
-          </p:cNvPr>
-          <p:cNvGraphicFramePr/>
-          <p:nvPr>
-            <p:extLst>
-              <p:ext uri="{D42A27DB-BD31-4B8C-83A1-F6EECF244321}">
-                <p14:modId xmlns:p14="http://schemas.microsoft.com/office/powerpoint/2010/main" val="126570290"/>
-              </p:ext>
-            </p:extLst>
-          </p:nvPr>
-        </p:nvGraphicFramePr>
-        <p:xfrm>
-          <a:off x="11039" y="1392864"/>
-          <a:ext cx="12159695" cy="4688959"/>
-        </p:xfrm>
-        <a:graphic>
-          <a:graphicData uri="http://schemas.openxmlformats.org/drawingml/2006/diagram">
-            <dgm:relIds xmlns:dgm="http://schemas.openxmlformats.org/drawingml/2006/diagram" xmlns:r="http://schemas.openxmlformats.org/officeDocument/2006/relationships" r:dm="rId3" r:lo="rId4" r:qs="rId5" r:cs="rId6"/>
-          </a:graphicData>
-        </a:graphic>
-      </p:graphicFrame>
-    </p:spTree>
-    <p:extLst>
-      <p:ext uri="{BB962C8B-B14F-4D97-AF65-F5344CB8AC3E}">
-        <p14:creationId xmlns:p14="http://schemas.microsoft.com/office/powerpoint/2010/main" val="1856316613"/>
-      </p:ext>
-    </p:extLst>
-  </p:cSld>
-  <p:clrMapOvr>
-    <a:masterClrMapping/>
-  </p:clrMapOvr>
-</p:sld>
-</file>
-
-<file path=ppt/slides/slide5.xml><?xml version="1.0" encoding="utf-8"?>
-<p:sld xmlns:a="http://schemas.openxmlformats.org/drawingml/2006/main" xmlns:r="http://schemas.openxmlformats.org/officeDocument/2006/relationships" xmlns:p="http://schemas.openxmlformats.org/presentationml/2006/main">
-  <p:cSld>
-    <p:bg>
-      <p:bgPr>
-        <a:blipFill rotWithShape="1">
-          <a:blip r:embed="rId2">
-            <a:duotone>
-              <a:schemeClr val="bg2">
-                <a:shade val="69000"/>
-                <a:hueMod val="108000"/>
-                <a:satMod val="164000"/>
-                <a:lumMod val="74000"/>
-              </a:schemeClr>
-              <a:schemeClr val="bg2">
-                <a:tint val="96000"/>
-                <a:hueMod val="88000"/>
-                <a:satMod val="140000"/>
-                <a:lumMod val="132000"/>
-              </a:schemeClr>
-            </a:duotone>
-            <a:extLst/>
-          </a:blip>
-          <a:stretch/>
-        </a:blipFill>
-        <a:effectLst/>
-      </p:bgPr>
-    </p:bg>
-    <p:spTree>
-      <p:nvGrpSpPr>
-        <p:cNvPr id="1" name=""/>
-        <p:cNvGrpSpPr/>
-        <p:nvPr/>
-      </p:nvGrpSpPr>
-      <p:grpSpPr>
-        <a:xfrm>
-          <a:off x="0" y="0"/>
-          <a:ext cx="0" cy="0"/>
-          <a:chOff x="0" y="0"/>
-          <a:chExt cx="0" cy="0"/>
-        </a:xfrm>
-      </p:grpSpPr>
-      <p:sp>
-        <p:nvSpPr>
-          <p:cNvPr id="6" name="Title 5">
-            <a:extLst>
-              <a:ext uri="{FF2B5EF4-FFF2-40B4-BE49-F238E27FC236}">
-                <a16:creationId xmlns:a16="http://schemas.microsoft.com/office/drawing/2014/main" xmlns="" id="{3806FD10-ADE0-498D-99E3-FDAB1A864343}"/>
-              </a:ext>
-            </a:extLst>
-          </p:cNvPr>
-          <p:cNvSpPr>
-            <a:spLocks noGrp="1"/>
-          </p:cNvSpPr>
-          <p:nvPr>
-            <p:ph type="title"/>
-          </p:nvPr>
-        </p:nvSpPr>
-        <p:spPr>
-          <a:xfrm>
-            <a:off x="0" y="0"/>
-            <a:ext cx="9404723" cy="717630"/>
-          </a:xfrm>
-        </p:spPr>
-        <p:txBody>
-          <a:bodyPr/>
-          <a:lstStyle/>
-          <a:p>
-            <a:r>
-              <a:rPr lang="en-US" b="1" dirty="0"/>
-              <a:t>Differentiators</a:t>
-            </a:r>
-          </a:p>
-        </p:txBody>
-      </p:sp>
-      <p:sp>
-        <p:nvSpPr>
-          <p:cNvPr id="8" name="Content Placeholder 7">
-            <a:extLst>
-              <a:ext uri="{FF2B5EF4-FFF2-40B4-BE49-F238E27FC236}">
-                <a16:creationId xmlns:a16="http://schemas.microsoft.com/office/drawing/2014/main" xmlns="" id="{5605293D-6521-4560-93F0-589DFC51DBA9}"/>
-              </a:ext>
-            </a:extLst>
-          </p:cNvPr>
-          <p:cNvSpPr>
-            <a:spLocks noGrp="1"/>
-          </p:cNvSpPr>
-          <p:nvPr>
-            <p:ph idx="1"/>
-          </p:nvPr>
-        </p:nvSpPr>
-        <p:spPr>
-          <a:xfrm>
-            <a:off x="405114" y="793797"/>
-            <a:ext cx="11366339" cy="2204583"/>
-          </a:xfrm>
-        </p:spPr>
-        <p:txBody>
-          <a:bodyPr>
-            <a:noAutofit/>
-          </a:bodyPr>
-          <a:lstStyle/>
-          <a:p>
-            <a:r>
-              <a:rPr lang="en-US" sz="2400" dirty="0"/>
-              <a:t>Comprehensive Sentiment Influence Score </a:t>
-            </a:r>
-            <a:r>
-              <a:rPr lang="en-US" sz="2400" dirty="0">
-                <a:sym typeface="Wingdings" panose="05000000000000000000" pitchFamily="2" charset="2"/>
-              </a:rPr>
-              <a:t> Not just the “Text sentiment”, but also weightages for User’s “Influential ability”</a:t>
-            </a:r>
-          </a:p>
-          <a:p>
-            <a:r>
-              <a:rPr lang="en-US" sz="2400" dirty="0"/>
-              <a:t>Actionable insights</a:t>
-            </a:r>
-          </a:p>
-          <a:p>
-            <a:r>
-              <a:rPr lang="en-US" sz="2400" dirty="0"/>
-              <a:t>Designed as reusable components – for further strengthening and extension for other cryptocurrencies</a:t>
-            </a:r>
-          </a:p>
-        </p:txBody>
-      </p:sp>
-      <p:sp>
-        <p:nvSpPr>
-          <p:cNvPr id="23" name="Footer Placeholder 4">
-            <a:extLst>
-              <a:ext uri="{FF2B5EF4-FFF2-40B4-BE49-F238E27FC236}">
-                <a16:creationId xmlns:a16="http://schemas.microsoft.com/office/drawing/2014/main" xmlns="" id="{B96CA466-4549-49FC-A39E-4AE35C1A61C1}"/>
-              </a:ext>
-            </a:extLst>
-          </p:cNvPr>
-          <p:cNvSpPr txBox="1">
-            <a:spLocks/>
-          </p:cNvSpPr>
-          <p:nvPr/>
-        </p:nvSpPr>
-        <p:spPr>
-          <a:xfrm>
-            <a:off x="145052" y="6400799"/>
-            <a:ext cx="4205490" cy="304801"/>
-          </a:xfrm>
-          <a:prstGeom prst="rect">
-            <a:avLst/>
-          </a:prstGeom>
-        </p:spPr>
-        <p:txBody>
-          <a:bodyPr vert="horz" lIns="91440" tIns="45720" rIns="91440" bIns="45720" rtlCol="0" anchor="b"/>
-          <a:lstStyle>
-            <a:defPPr>
-              <a:defRPr lang="en-US"/>
-            </a:defPPr>
-            <a:lvl1pPr marL="0" algn="l" defTabSz="457200" rtl="0" eaLnBrk="1" latinLnBrk="0" hangingPunct="1">
-              <a:defRPr sz="1100" b="0" i="0" kern="1200">
-                <a:solidFill>
-                  <a:schemeClr val="tx1">
-                    <a:tint val="75000"/>
-                    <a:alpha val="60000"/>
-                  </a:schemeClr>
-                </a:solidFill>
-                <a:latin typeface="+mn-lt"/>
-                <a:ea typeface="+mn-ea"/>
-                <a:cs typeface="+mn-cs"/>
-              </a:defRPr>
-            </a:lvl1pPr>
-            <a:lvl2pPr marL="457200" algn="l" defTabSz="457200" rtl="0" eaLnBrk="1" latinLnBrk="0" hangingPunct="1">
-              <a:defRPr sz="1800" kern="1200">
-                <a:solidFill>
-                  <a:schemeClr val="tx1"/>
-                </a:solidFill>
-                <a:latin typeface="+mn-lt"/>
-                <a:ea typeface="+mn-ea"/>
-                <a:cs typeface="+mn-cs"/>
-              </a:defRPr>
-            </a:lvl2pPr>
-            <a:lvl3pPr marL="914400" algn="l" defTabSz="457200" rtl="0" eaLnBrk="1" latinLnBrk="0" hangingPunct="1">
-              <a:defRPr sz="1800" kern="1200">
-                <a:solidFill>
-                  <a:schemeClr val="tx1"/>
-                </a:solidFill>
-                <a:latin typeface="+mn-lt"/>
-                <a:ea typeface="+mn-ea"/>
-                <a:cs typeface="+mn-cs"/>
-              </a:defRPr>
-            </a:lvl3pPr>
-            <a:lvl4pPr marL="1371600" algn="l" defTabSz="457200" rtl="0" eaLnBrk="1" latinLnBrk="0" hangingPunct="1">
-              <a:defRPr sz="1800" kern="1200">
-                <a:solidFill>
-                  <a:schemeClr val="tx1"/>
-                </a:solidFill>
-                <a:latin typeface="+mn-lt"/>
-                <a:ea typeface="+mn-ea"/>
-                <a:cs typeface="+mn-cs"/>
-              </a:defRPr>
-            </a:lvl4pPr>
-            <a:lvl5pPr marL="1828800" algn="l" defTabSz="457200" rtl="0" eaLnBrk="1" latinLnBrk="0" hangingPunct="1">
-              <a:defRPr sz="1800" kern="1200">
-                <a:solidFill>
-                  <a:schemeClr val="tx1"/>
-                </a:solidFill>
-                <a:latin typeface="+mn-lt"/>
-                <a:ea typeface="+mn-ea"/>
-                <a:cs typeface="+mn-cs"/>
-              </a:defRPr>
-            </a:lvl5pPr>
-            <a:lvl6pPr marL="2286000" algn="l" defTabSz="457200" rtl="0" eaLnBrk="1" latinLnBrk="0" hangingPunct="1">
-              <a:defRPr sz="1800" kern="1200">
-                <a:solidFill>
-                  <a:schemeClr val="tx1"/>
-                </a:solidFill>
-                <a:latin typeface="+mn-lt"/>
-                <a:ea typeface="+mn-ea"/>
-                <a:cs typeface="+mn-cs"/>
-              </a:defRPr>
-            </a:lvl6pPr>
-            <a:lvl7pPr marL="2743200" algn="l" defTabSz="457200" rtl="0" eaLnBrk="1" latinLnBrk="0" hangingPunct="1">
-              <a:defRPr sz="1800" kern="1200">
-                <a:solidFill>
-                  <a:schemeClr val="tx1"/>
-                </a:solidFill>
-                <a:latin typeface="+mn-lt"/>
-                <a:ea typeface="+mn-ea"/>
-                <a:cs typeface="+mn-cs"/>
-              </a:defRPr>
-            </a:lvl7pPr>
-            <a:lvl8pPr marL="3200400" algn="l" defTabSz="457200" rtl="0" eaLnBrk="1" latinLnBrk="0" hangingPunct="1">
-              <a:defRPr sz="1800" kern="1200">
-                <a:solidFill>
-                  <a:schemeClr val="tx1"/>
-                </a:solidFill>
-                <a:latin typeface="+mn-lt"/>
-                <a:ea typeface="+mn-ea"/>
-                <a:cs typeface="+mn-cs"/>
-              </a:defRPr>
-            </a:lvl8pPr>
-            <a:lvl9pPr marL="3657600" algn="l" defTabSz="457200" rtl="0" eaLnBrk="1" latinLnBrk="0" hangingPunct="1">
-              <a:defRPr sz="1800" kern="1200">
-                <a:solidFill>
-                  <a:schemeClr val="tx1"/>
-                </a:solidFill>
-                <a:latin typeface="+mn-lt"/>
-                <a:ea typeface="+mn-ea"/>
-                <a:cs typeface="+mn-cs"/>
-              </a:defRPr>
-            </a:lvl9pPr>
-          </a:lstStyle>
-          <a:p>
-            <a:r>
-              <a:rPr lang="en-US" dirty="0"/>
-              <a:t>Hacked during “The Ultimate Crypto Challenge”</a:t>
-            </a:r>
-          </a:p>
-        </p:txBody>
-      </p:sp>
-      <p:sp>
-        <p:nvSpPr>
-          <p:cNvPr id="24" name="Slide Number Placeholder 5">
-            <a:extLst>
-              <a:ext uri="{FF2B5EF4-FFF2-40B4-BE49-F238E27FC236}">
-                <a16:creationId xmlns:a16="http://schemas.microsoft.com/office/drawing/2014/main" xmlns="" id="{3C69297E-A70C-4FC6-ADB2-3C91E3FCC4E7}"/>
-              </a:ext>
-            </a:extLst>
-          </p:cNvPr>
-          <p:cNvSpPr txBox="1">
-            <a:spLocks/>
-          </p:cNvSpPr>
-          <p:nvPr/>
-        </p:nvSpPr>
-        <p:spPr bwMode="gray">
-          <a:xfrm>
-            <a:off x="11153165" y="6400799"/>
-            <a:ext cx="838199" cy="304801"/>
-          </a:xfrm>
-          <a:prstGeom prst="rect">
-            <a:avLst/>
-          </a:prstGeom>
-        </p:spPr>
-        <p:txBody>
-          <a:bodyPr vert="horz" lIns="91440" tIns="45720" rIns="91440" bIns="45720" rtlCol="0" anchor="b"/>
-          <a:lstStyle>
-            <a:defPPr>
-              <a:defRPr lang="en-US"/>
-            </a:defPPr>
-            <a:lvl1pPr marL="0" algn="r" defTabSz="457200" rtl="0" eaLnBrk="1" latinLnBrk="0" hangingPunct="1">
-              <a:defRPr lang="en-US" sz="1100" b="0" i="0" kern="1200" smtClean="0">
-                <a:solidFill>
-                  <a:schemeClr val="tx1">
-                    <a:tint val="75000"/>
-                    <a:alpha val="60000"/>
-                  </a:schemeClr>
-                </a:solidFill>
-                <a:latin typeface="+mn-lt"/>
-                <a:ea typeface="+mn-ea"/>
-                <a:cs typeface="+mn-cs"/>
-              </a:defRPr>
-            </a:lvl1pPr>
-            <a:lvl2pPr marL="457200" algn="l" defTabSz="457200" rtl="0" eaLnBrk="1" latinLnBrk="0" hangingPunct="1">
-              <a:defRPr sz="1800" kern="1200">
-                <a:solidFill>
-                  <a:schemeClr val="tx1"/>
-                </a:solidFill>
-                <a:latin typeface="+mn-lt"/>
-                <a:ea typeface="+mn-ea"/>
-                <a:cs typeface="+mn-cs"/>
-              </a:defRPr>
-            </a:lvl2pPr>
-            <a:lvl3pPr marL="914400" algn="l" defTabSz="457200" rtl="0" eaLnBrk="1" latinLnBrk="0" hangingPunct="1">
-              <a:defRPr sz="1800" kern="1200">
-                <a:solidFill>
-                  <a:schemeClr val="tx1"/>
-                </a:solidFill>
-                <a:latin typeface="+mn-lt"/>
-                <a:ea typeface="+mn-ea"/>
-                <a:cs typeface="+mn-cs"/>
-              </a:defRPr>
-            </a:lvl3pPr>
-            <a:lvl4pPr marL="1371600" algn="l" defTabSz="457200" rtl="0" eaLnBrk="1" latinLnBrk="0" hangingPunct="1">
-              <a:defRPr sz="1800" kern="1200">
-                <a:solidFill>
-                  <a:schemeClr val="tx1"/>
-                </a:solidFill>
-                <a:latin typeface="+mn-lt"/>
-                <a:ea typeface="+mn-ea"/>
-                <a:cs typeface="+mn-cs"/>
-              </a:defRPr>
-            </a:lvl4pPr>
-            <a:lvl5pPr marL="1828800" algn="l" defTabSz="457200" rtl="0" eaLnBrk="1" latinLnBrk="0" hangingPunct="1">
-              <a:defRPr sz="1800" kern="1200">
-                <a:solidFill>
-                  <a:schemeClr val="tx1"/>
-                </a:solidFill>
-                <a:latin typeface="+mn-lt"/>
-                <a:ea typeface="+mn-ea"/>
-                <a:cs typeface="+mn-cs"/>
-              </a:defRPr>
-            </a:lvl5pPr>
-            <a:lvl6pPr marL="2286000" algn="l" defTabSz="457200" rtl="0" eaLnBrk="1" latinLnBrk="0" hangingPunct="1">
-              <a:defRPr sz="1800" kern="1200">
-                <a:solidFill>
-                  <a:schemeClr val="tx1"/>
-                </a:solidFill>
-                <a:latin typeface="+mn-lt"/>
-                <a:ea typeface="+mn-ea"/>
-                <a:cs typeface="+mn-cs"/>
-              </a:defRPr>
-            </a:lvl6pPr>
-            <a:lvl7pPr marL="2743200" algn="l" defTabSz="457200" rtl="0" eaLnBrk="1" latinLnBrk="0" hangingPunct="1">
-              <a:defRPr sz="1800" kern="1200">
-                <a:solidFill>
-                  <a:schemeClr val="tx1"/>
-                </a:solidFill>
-                <a:latin typeface="+mn-lt"/>
-                <a:ea typeface="+mn-ea"/>
-                <a:cs typeface="+mn-cs"/>
-              </a:defRPr>
-            </a:lvl7pPr>
-            <a:lvl8pPr marL="3200400" algn="l" defTabSz="457200" rtl="0" eaLnBrk="1" latinLnBrk="0" hangingPunct="1">
-              <a:defRPr sz="1800" kern="1200">
-                <a:solidFill>
-                  <a:schemeClr val="tx1"/>
-                </a:solidFill>
-                <a:latin typeface="+mn-lt"/>
-                <a:ea typeface="+mn-ea"/>
-                <a:cs typeface="+mn-cs"/>
-              </a:defRPr>
-            </a:lvl8pPr>
-            <a:lvl9pPr marL="3657600" algn="l" defTabSz="457200" rtl="0" eaLnBrk="1" latinLnBrk="0" hangingPunct="1">
-              <a:defRPr sz="1800" kern="1200">
-                <a:solidFill>
-                  <a:schemeClr val="tx1"/>
-                </a:solidFill>
-                <a:latin typeface="+mn-lt"/>
-                <a:ea typeface="+mn-ea"/>
-                <a:cs typeface="+mn-cs"/>
-              </a:defRPr>
-            </a:lvl9pPr>
-          </a:lstStyle>
-          <a:p>
-            <a:fld id="{E3087969-BFE0-4E58-972C-92EE12B30F7D}" type="slidenum">
-              <a:rPr lang="en-US" smtClean="0"/>
-              <a:pPr/>
-              <a:t>5</a:t>
-            </a:fld>
-            <a:endParaRPr lang="en-US"/>
-          </a:p>
-        </p:txBody>
-      </p:sp>
-      <p:sp>
-        <p:nvSpPr>
-          <p:cNvPr id="2" name="TextBox 1">
-            <a:extLst>
-              <a:ext uri="{FF2B5EF4-FFF2-40B4-BE49-F238E27FC236}">
-                <a16:creationId xmlns:a16="http://schemas.microsoft.com/office/drawing/2014/main" xmlns="" id="{7B086FFB-53C8-47DE-89DD-6F66793EB38B}"/>
-              </a:ext>
-            </a:extLst>
-          </p:cNvPr>
-          <p:cNvSpPr txBox="1"/>
-          <p:nvPr/>
-        </p:nvSpPr>
-        <p:spPr>
-          <a:xfrm>
-            <a:off x="10090298" y="5954233"/>
-            <a:ext cx="1901066" cy="461665"/>
-          </a:xfrm>
-          <a:prstGeom prst="rect">
-            <a:avLst/>
-          </a:prstGeom>
-          <a:noFill/>
-        </p:spPr>
-        <p:txBody>
-          <a:bodyPr wrap="square" rtlCol="0">
-            <a:spAutoFit/>
-          </a:bodyPr>
-          <a:lstStyle/>
-          <a:p>
-            <a:pPr algn="r"/>
-            <a:r>
-              <a:rPr lang="en-US" sz="2400" b="1" dirty="0"/>
-              <a:t>Thank You!</a:t>
-            </a:r>
-          </a:p>
-        </p:txBody>
-      </p:sp>
-      <p:sp>
-        <p:nvSpPr>
-          <p:cNvPr id="7" name="Title 5">
-            <a:extLst>
-              <a:ext uri="{FF2B5EF4-FFF2-40B4-BE49-F238E27FC236}">
-                <a16:creationId xmlns:a16="http://schemas.microsoft.com/office/drawing/2014/main" xmlns="" id="{A3C3A80D-14C7-4497-A33A-4A05A31CA8E7}"/>
-              </a:ext>
-            </a:extLst>
-          </p:cNvPr>
-          <p:cNvSpPr txBox="1">
-            <a:spLocks/>
-          </p:cNvSpPr>
-          <p:nvPr/>
-        </p:nvSpPr>
-        <p:spPr>
-          <a:xfrm>
-            <a:off x="3538" y="4235323"/>
-            <a:ext cx="9404723" cy="717630"/>
-          </a:xfrm>
-          <a:prstGeom prst="rect">
-            <a:avLst/>
-          </a:prstGeom>
-        </p:spPr>
-        <p:txBody>
-          <a:bodyPr vert="horz" lIns="91440" tIns="45720" rIns="91440" bIns="45720" rtlCol="0" anchor="t">
-            <a:noAutofit/>
-          </a:bodyPr>
-          <a:lstStyle>
-            <a:lvl1pPr algn="l" defTabSz="457200" rtl="0" eaLnBrk="1" latinLnBrk="0" hangingPunct="1">
-              <a:spcBef>
-                <a:spcPct val="0"/>
-              </a:spcBef>
-              <a:buNone/>
-              <a:defRPr sz="4200" b="0" i="0" kern="1200">
-                <a:solidFill>
-                  <a:schemeClr val="tx2"/>
-                </a:solidFill>
-                <a:latin typeface="+mj-lt"/>
-                <a:ea typeface="+mj-ea"/>
-                <a:cs typeface="+mj-cs"/>
-              </a:defRPr>
-            </a:lvl1pPr>
-            <a:lvl2pPr eaLnBrk="1" hangingPunct="1">
-              <a:defRPr>
-                <a:solidFill>
-                  <a:schemeClr val="tx2"/>
-                </a:solidFill>
-              </a:defRPr>
-            </a:lvl2pPr>
-            <a:lvl3pPr eaLnBrk="1" hangingPunct="1">
-              <a:defRPr>
-                <a:solidFill>
-                  <a:schemeClr val="tx2"/>
-                </a:solidFill>
-              </a:defRPr>
-            </a:lvl3pPr>
-            <a:lvl4pPr eaLnBrk="1" hangingPunct="1">
-              <a:defRPr>
-                <a:solidFill>
-                  <a:schemeClr val="tx2"/>
-                </a:solidFill>
-              </a:defRPr>
-            </a:lvl4pPr>
-            <a:lvl5pPr eaLnBrk="1" hangingPunct="1">
-              <a:defRPr>
-                <a:solidFill>
-                  <a:schemeClr val="tx2"/>
-                </a:solidFill>
-              </a:defRPr>
-            </a:lvl5pPr>
-            <a:lvl6pPr eaLnBrk="1" hangingPunct="1">
-              <a:defRPr>
-                <a:solidFill>
-                  <a:schemeClr val="tx2"/>
-                </a:solidFill>
-              </a:defRPr>
-            </a:lvl6pPr>
-            <a:lvl7pPr eaLnBrk="1" hangingPunct="1">
-              <a:defRPr>
-                <a:solidFill>
-                  <a:schemeClr val="tx2"/>
-                </a:solidFill>
-              </a:defRPr>
-            </a:lvl7pPr>
-            <a:lvl8pPr eaLnBrk="1" hangingPunct="1">
-              <a:defRPr>
-                <a:solidFill>
-                  <a:schemeClr val="tx2"/>
-                </a:solidFill>
-              </a:defRPr>
-            </a:lvl8pPr>
-            <a:lvl9pPr eaLnBrk="1" hangingPunct="1">
-              <a:defRPr>
-                <a:solidFill>
-                  <a:schemeClr val="tx2"/>
-                </a:solidFill>
-              </a:defRPr>
-            </a:lvl9pPr>
-          </a:lstStyle>
-          <a:p>
-            <a:r>
-              <a:rPr lang="en-US" b="1" dirty="0"/>
-              <a:t>Artifacts</a:t>
-            </a:r>
-          </a:p>
-        </p:txBody>
-      </p:sp>
-      <p:sp>
-        <p:nvSpPr>
-          <p:cNvPr id="9" name="Content Placeholder 7">
-            <a:extLst>
-              <a:ext uri="{FF2B5EF4-FFF2-40B4-BE49-F238E27FC236}">
-                <a16:creationId xmlns:a16="http://schemas.microsoft.com/office/drawing/2014/main" xmlns="" id="{2E7D1D80-DA4B-4207-BA3E-C8603F05D420}"/>
-              </a:ext>
-            </a:extLst>
-          </p:cNvPr>
-          <p:cNvSpPr txBox="1">
-            <a:spLocks/>
-          </p:cNvSpPr>
-          <p:nvPr/>
-        </p:nvSpPr>
-        <p:spPr>
-          <a:xfrm>
-            <a:off x="408652" y="4997239"/>
-            <a:ext cx="11366339" cy="850670"/>
+            <a:off x="408652" y="5730898"/>
+            <a:ext cx="11366339" cy="776231"/>
           </a:xfrm>
           <a:prstGeom prst="rect">
             <a:avLst/>
@@ -17259,7 +16109,7 @@
         </p:spPr>
         <p:txBody>
           <a:bodyPr vert="horz" lIns="91440" tIns="45720" rIns="91440" bIns="45720" rtlCol="0">
-            <a:normAutofit fontScale="85000" lnSpcReduction="10000"/>
+            <a:normAutofit/>
           </a:bodyPr>
           <a:lstStyle>
             <a:lvl1pPr marL="342900" indent="-342900" algn="l" defTabSz="457200" rtl="0" eaLnBrk="1" latinLnBrk="0" hangingPunct="1">
@@ -17490,62 +16340,62 @@
           </a:lstStyle>
           <a:p>
             <a:r>
-              <a:rPr lang="en-US" sz="2400" b="1" dirty="0"/>
+              <a:rPr lang="en-US" sz="1800" b="1" dirty="0"/>
               <a:t>Code Repo </a:t>
             </a:r>
             <a:r>
-              <a:rPr lang="en-US" sz="2400" b="1" dirty="0">
+              <a:rPr lang="en-US" sz="1800" b="1" dirty="0">
                 <a:sym typeface="Wingdings" panose="05000000000000000000" pitchFamily="2" charset="2"/>
               </a:rPr>
               <a:t></a:t>
             </a:r>
             <a:r>
-              <a:rPr lang="en-US" sz="2400" dirty="0">
+              <a:rPr lang="en-US" sz="1800" dirty="0">
                 <a:sym typeface="Wingdings" panose="05000000000000000000" pitchFamily="2" charset="2"/>
               </a:rPr>
               <a:t> </a:t>
             </a:r>
             <a:r>
-              <a:rPr lang="en-US" sz="2400" dirty="0">
+              <a:rPr lang="en-US" sz="1800" dirty="0">
                 <a:sym typeface="Wingdings" panose="05000000000000000000" pitchFamily="2" charset="2"/>
-                <a:hlinkClick r:id="rId3"/>
+                <a:hlinkClick r:id="rId8"/>
               </a:rPr>
               <a:t>https://github.com/Swati0619/hack2018</a:t>
             </a:r>
             <a:r>
-              <a:rPr lang="en-US" sz="2400" dirty="0">
+              <a:rPr lang="en-US" sz="1800" dirty="0">
                 <a:sym typeface="Wingdings" panose="05000000000000000000" pitchFamily="2" charset="2"/>
               </a:rPr>
               <a:t> </a:t>
             </a:r>
-            <a:endParaRPr lang="en-US" sz="2400" dirty="0"/>
+            <a:endParaRPr lang="en-US" sz="1800" dirty="0"/>
           </a:p>
           <a:p>
             <a:r>
-              <a:rPr lang="en-US" sz="2400" b="1" dirty="0"/>
+              <a:rPr lang="en-US" sz="1800" b="1" dirty="0"/>
               <a:t>Solution Wiki </a:t>
             </a:r>
             <a:r>
-              <a:rPr lang="en-US" sz="2400" b="1" dirty="0">
+              <a:rPr lang="en-US" sz="1800" b="1" dirty="0">
                 <a:sym typeface="Wingdings" panose="05000000000000000000" pitchFamily="2" charset="2"/>
               </a:rPr>
               <a:t></a:t>
             </a:r>
             <a:r>
-              <a:rPr lang="en-US" sz="2400" dirty="0">
+              <a:rPr lang="en-US" sz="1800" dirty="0">
                 <a:sym typeface="Wingdings" panose="05000000000000000000" pitchFamily="2" charset="2"/>
               </a:rPr>
               <a:t> </a:t>
             </a:r>
             <a:r>
-              <a:rPr lang="en-US" sz="2400" dirty="0">
+              <a:rPr lang="en-US" sz="1800" dirty="0">
                 <a:sym typeface="Wingdings" panose="05000000000000000000" pitchFamily="2" charset="2"/>
-                <a:hlinkClick r:id="rId4"/>
+                <a:hlinkClick r:id="rId9"/>
               </a:rPr>
               <a:t>https://github.com/Swati0619/hack2018/blob/master/README.md</a:t>
             </a:r>
             <a:r>
-              <a:rPr lang="en-US" sz="2400" dirty="0">
+              <a:rPr lang="en-US" sz="1800" dirty="0">
                 <a:sym typeface="Wingdings" panose="05000000000000000000" pitchFamily="2" charset="2"/>
               </a:rPr>
               <a:t> </a:t>
@@ -17556,7 +16406,517 @@
     </p:spTree>
     <p:extLst>
       <p:ext uri="{BB962C8B-B14F-4D97-AF65-F5344CB8AC3E}">
-        <p14:creationId xmlns:p14="http://schemas.microsoft.com/office/powerpoint/2010/main" val="744369615"/>
+        <p14:creationId xmlns:p14="http://schemas.microsoft.com/office/powerpoint/2010/main" val="3007023457"/>
+      </p:ext>
+    </p:extLst>
+  </p:cSld>
+  <p:clrMapOvr>
+    <a:masterClrMapping/>
+  </p:clrMapOvr>
+</p:sld>
+</file>
+
+<file path=ppt/slides/slide4.xml><?xml version="1.0" encoding="utf-8"?>
+<p:sld xmlns:a="http://schemas.openxmlformats.org/drawingml/2006/main" xmlns:r="http://schemas.openxmlformats.org/officeDocument/2006/relationships" xmlns:p="http://schemas.openxmlformats.org/presentationml/2006/main">
+  <p:cSld>
+    <p:bg>
+      <p:bgPr>
+        <a:blipFill rotWithShape="1">
+          <a:blip r:embed="rId2">
+            <a:duotone>
+              <a:schemeClr val="bg2">
+                <a:shade val="69000"/>
+                <a:hueMod val="108000"/>
+                <a:satMod val="164000"/>
+                <a:lumMod val="74000"/>
+              </a:schemeClr>
+              <a:schemeClr val="bg2">
+                <a:tint val="96000"/>
+                <a:hueMod val="88000"/>
+                <a:satMod val="140000"/>
+                <a:lumMod val="132000"/>
+              </a:schemeClr>
+            </a:duotone>
+            <a:extLst/>
+          </a:blip>
+          <a:stretch/>
+        </a:blipFill>
+        <a:effectLst/>
+      </p:bgPr>
+    </p:bg>
+    <p:spTree>
+      <p:nvGrpSpPr>
+        <p:cNvPr id="1" name=""/>
+        <p:cNvGrpSpPr/>
+        <p:nvPr/>
+      </p:nvGrpSpPr>
+      <p:grpSpPr>
+        <a:xfrm>
+          <a:off x="0" y="0"/>
+          <a:ext cx="0" cy="0"/>
+          <a:chOff x="0" y="0"/>
+          <a:chExt cx="0" cy="0"/>
+        </a:xfrm>
+      </p:grpSpPr>
+      <p:sp>
+        <p:nvSpPr>
+          <p:cNvPr id="6" name="Title 5">
+            <a:extLst>
+              <a:ext uri="{FF2B5EF4-FFF2-40B4-BE49-F238E27FC236}">
+                <a16:creationId xmlns:a16="http://schemas.microsoft.com/office/drawing/2014/main" id="{3806FD10-ADE0-498D-99E3-FDAB1A864343}"/>
+              </a:ext>
+            </a:extLst>
+          </p:cNvPr>
+          <p:cNvSpPr>
+            <a:spLocks noGrp="1"/>
+          </p:cNvSpPr>
+          <p:nvPr>
+            <p:ph type="title"/>
+          </p:nvPr>
+        </p:nvSpPr>
+        <p:spPr>
+          <a:xfrm>
+            <a:off x="0" y="0"/>
+            <a:ext cx="9404723" cy="717630"/>
+          </a:xfrm>
+        </p:spPr>
+        <p:txBody>
+          <a:bodyPr/>
+          <a:lstStyle/>
+          <a:p>
+            <a:r>
+              <a:rPr lang="en-US" b="1" dirty="0"/>
+              <a:t>Differentiators</a:t>
+            </a:r>
+          </a:p>
+        </p:txBody>
+      </p:sp>
+      <p:sp>
+        <p:nvSpPr>
+          <p:cNvPr id="23" name="Footer Placeholder 4">
+            <a:extLst>
+              <a:ext uri="{FF2B5EF4-FFF2-40B4-BE49-F238E27FC236}">
+                <a16:creationId xmlns:a16="http://schemas.microsoft.com/office/drawing/2014/main" id="{B96CA466-4549-49FC-A39E-4AE35C1A61C1}"/>
+              </a:ext>
+            </a:extLst>
+          </p:cNvPr>
+          <p:cNvSpPr txBox="1">
+            <a:spLocks/>
+          </p:cNvSpPr>
+          <p:nvPr/>
+        </p:nvSpPr>
+        <p:spPr>
+          <a:xfrm>
+            <a:off x="145052" y="6400799"/>
+            <a:ext cx="4205490" cy="304801"/>
+          </a:xfrm>
+          <a:prstGeom prst="rect">
+            <a:avLst/>
+          </a:prstGeom>
+        </p:spPr>
+        <p:txBody>
+          <a:bodyPr vert="horz" lIns="91440" tIns="45720" rIns="91440" bIns="45720" rtlCol="0" anchor="b"/>
+          <a:lstStyle>
+            <a:defPPr>
+              <a:defRPr lang="en-US"/>
+            </a:defPPr>
+            <a:lvl1pPr marL="0" algn="l" defTabSz="457200" rtl="0" eaLnBrk="1" latinLnBrk="0" hangingPunct="1">
+              <a:defRPr sz="1100" b="0" i="0" kern="1200">
+                <a:solidFill>
+                  <a:schemeClr val="tx1">
+                    <a:tint val="75000"/>
+                    <a:alpha val="60000"/>
+                  </a:schemeClr>
+                </a:solidFill>
+                <a:latin typeface="+mn-lt"/>
+                <a:ea typeface="+mn-ea"/>
+                <a:cs typeface="+mn-cs"/>
+              </a:defRPr>
+            </a:lvl1pPr>
+            <a:lvl2pPr marL="457200" algn="l" defTabSz="457200" rtl="0" eaLnBrk="1" latinLnBrk="0" hangingPunct="1">
+              <a:defRPr sz="1800" kern="1200">
+                <a:solidFill>
+                  <a:schemeClr val="tx1"/>
+                </a:solidFill>
+                <a:latin typeface="+mn-lt"/>
+                <a:ea typeface="+mn-ea"/>
+                <a:cs typeface="+mn-cs"/>
+              </a:defRPr>
+            </a:lvl2pPr>
+            <a:lvl3pPr marL="914400" algn="l" defTabSz="457200" rtl="0" eaLnBrk="1" latinLnBrk="0" hangingPunct="1">
+              <a:defRPr sz="1800" kern="1200">
+                <a:solidFill>
+                  <a:schemeClr val="tx1"/>
+                </a:solidFill>
+                <a:latin typeface="+mn-lt"/>
+                <a:ea typeface="+mn-ea"/>
+                <a:cs typeface="+mn-cs"/>
+              </a:defRPr>
+            </a:lvl3pPr>
+            <a:lvl4pPr marL="1371600" algn="l" defTabSz="457200" rtl="0" eaLnBrk="1" latinLnBrk="0" hangingPunct="1">
+              <a:defRPr sz="1800" kern="1200">
+                <a:solidFill>
+                  <a:schemeClr val="tx1"/>
+                </a:solidFill>
+                <a:latin typeface="+mn-lt"/>
+                <a:ea typeface="+mn-ea"/>
+                <a:cs typeface="+mn-cs"/>
+              </a:defRPr>
+            </a:lvl4pPr>
+            <a:lvl5pPr marL="1828800" algn="l" defTabSz="457200" rtl="0" eaLnBrk="1" latinLnBrk="0" hangingPunct="1">
+              <a:defRPr sz="1800" kern="1200">
+                <a:solidFill>
+                  <a:schemeClr val="tx1"/>
+                </a:solidFill>
+                <a:latin typeface="+mn-lt"/>
+                <a:ea typeface="+mn-ea"/>
+                <a:cs typeface="+mn-cs"/>
+              </a:defRPr>
+            </a:lvl5pPr>
+            <a:lvl6pPr marL="2286000" algn="l" defTabSz="457200" rtl="0" eaLnBrk="1" latinLnBrk="0" hangingPunct="1">
+              <a:defRPr sz="1800" kern="1200">
+                <a:solidFill>
+                  <a:schemeClr val="tx1"/>
+                </a:solidFill>
+                <a:latin typeface="+mn-lt"/>
+                <a:ea typeface="+mn-ea"/>
+                <a:cs typeface="+mn-cs"/>
+              </a:defRPr>
+            </a:lvl6pPr>
+            <a:lvl7pPr marL="2743200" algn="l" defTabSz="457200" rtl="0" eaLnBrk="1" latinLnBrk="0" hangingPunct="1">
+              <a:defRPr sz="1800" kern="1200">
+                <a:solidFill>
+                  <a:schemeClr val="tx1"/>
+                </a:solidFill>
+                <a:latin typeface="+mn-lt"/>
+                <a:ea typeface="+mn-ea"/>
+                <a:cs typeface="+mn-cs"/>
+              </a:defRPr>
+            </a:lvl7pPr>
+            <a:lvl8pPr marL="3200400" algn="l" defTabSz="457200" rtl="0" eaLnBrk="1" latinLnBrk="0" hangingPunct="1">
+              <a:defRPr sz="1800" kern="1200">
+                <a:solidFill>
+                  <a:schemeClr val="tx1"/>
+                </a:solidFill>
+                <a:latin typeface="+mn-lt"/>
+                <a:ea typeface="+mn-ea"/>
+                <a:cs typeface="+mn-cs"/>
+              </a:defRPr>
+            </a:lvl8pPr>
+            <a:lvl9pPr marL="3657600" algn="l" defTabSz="457200" rtl="0" eaLnBrk="1" latinLnBrk="0" hangingPunct="1">
+              <a:defRPr sz="1800" kern="1200">
+                <a:solidFill>
+                  <a:schemeClr val="tx1"/>
+                </a:solidFill>
+                <a:latin typeface="+mn-lt"/>
+                <a:ea typeface="+mn-ea"/>
+                <a:cs typeface="+mn-cs"/>
+              </a:defRPr>
+            </a:lvl9pPr>
+          </a:lstStyle>
+          <a:p>
+            <a:r>
+              <a:rPr lang="en-US" dirty="0"/>
+              <a:t>Hacked during “The Ultimate Crypto Challenge”</a:t>
+            </a:r>
+          </a:p>
+        </p:txBody>
+      </p:sp>
+      <p:sp>
+        <p:nvSpPr>
+          <p:cNvPr id="24" name="Slide Number Placeholder 5">
+            <a:extLst>
+              <a:ext uri="{FF2B5EF4-FFF2-40B4-BE49-F238E27FC236}">
+                <a16:creationId xmlns:a16="http://schemas.microsoft.com/office/drawing/2014/main" id="{3C69297E-A70C-4FC6-ADB2-3C91E3FCC4E7}"/>
+              </a:ext>
+            </a:extLst>
+          </p:cNvPr>
+          <p:cNvSpPr txBox="1">
+            <a:spLocks/>
+          </p:cNvSpPr>
+          <p:nvPr/>
+        </p:nvSpPr>
+        <p:spPr bwMode="gray">
+          <a:xfrm>
+            <a:off x="11153165" y="6400799"/>
+            <a:ext cx="838199" cy="304801"/>
+          </a:xfrm>
+          <a:prstGeom prst="rect">
+            <a:avLst/>
+          </a:prstGeom>
+        </p:spPr>
+        <p:txBody>
+          <a:bodyPr vert="horz" lIns="91440" tIns="45720" rIns="91440" bIns="45720" rtlCol="0" anchor="b"/>
+          <a:lstStyle>
+            <a:defPPr>
+              <a:defRPr lang="en-US"/>
+            </a:defPPr>
+            <a:lvl1pPr marL="0" algn="r" defTabSz="457200" rtl="0" eaLnBrk="1" latinLnBrk="0" hangingPunct="1">
+              <a:defRPr lang="en-US" sz="1100" b="0" i="0" kern="1200" smtClean="0">
+                <a:solidFill>
+                  <a:schemeClr val="tx1">
+                    <a:tint val="75000"/>
+                    <a:alpha val="60000"/>
+                  </a:schemeClr>
+                </a:solidFill>
+                <a:latin typeface="+mn-lt"/>
+                <a:ea typeface="+mn-ea"/>
+                <a:cs typeface="+mn-cs"/>
+              </a:defRPr>
+            </a:lvl1pPr>
+            <a:lvl2pPr marL="457200" algn="l" defTabSz="457200" rtl="0" eaLnBrk="1" latinLnBrk="0" hangingPunct="1">
+              <a:defRPr sz="1800" kern="1200">
+                <a:solidFill>
+                  <a:schemeClr val="tx1"/>
+                </a:solidFill>
+                <a:latin typeface="+mn-lt"/>
+                <a:ea typeface="+mn-ea"/>
+                <a:cs typeface="+mn-cs"/>
+              </a:defRPr>
+            </a:lvl2pPr>
+            <a:lvl3pPr marL="914400" algn="l" defTabSz="457200" rtl="0" eaLnBrk="1" latinLnBrk="0" hangingPunct="1">
+              <a:defRPr sz="1800" kern="1200">
+                <a:solidFill>
+                  <a:schemeClr val="tx1"/>
+                </a:solidFill>
+                <a:latin typeface="+mn-lt"/>
+                <a:ea typeface="+mn-ea"/>
+                <a:cs typeface="+mn-cs"/>
+              </a:defRPr>
+            </a:lvl3pPr>
+            <a:lvl4pPr marL="1371600" algn="l" defTabSz="457200" rtl="0" eaLnBrk="1" latinLnBrk="0" hangingPunct="1">
+              <a:defRPr sz="1800" kern="1200">
+                <a:solidFill>
+                  <a:schemeClr val="tx1"/>
+                </a:solidFill>
+                <a:latin typeface="+mn-lt"/>
+                <a:ea typeface="+mn-ea"/>
+                <a:cs typeface="+mn-cs"/>
+              </a:defRPr>
+            </a:lvl4pPr>
+            <a:lvl5pPr marL="1828800" algn="l" defTabSz="457200" rtl="0" eaLnBrk="1" latinLnBrk="0" hangingPunct="1">
+              <a:defRPr sz="1800" kern="1200">
+                <a:solidFill>
+                  <a:schemeClr val="tx1"/>
+                </a:solidFill>
+                <a:latin typeface="+mn-lt"/>
+                <a:ea typeface="+mn-ea"/>
+                <a:cs typeface="+mn-cs"/>
+              </a:defRPr>
+            </a:lvl5pPr>
+            <a:lvl6pPr marL="2286000" algn="l" defTabSz="457200" rtl="0" eaLnBrk="1" latinLnBrk="0" hangingPunct="1">
+              <a:defRPr sz="1800" kern="1200">
+                <a:solidFill>
+                  <a:schemeClr val="tx1"/>
+                </a:solidFill>
+                <a:latin typeface="+mn-lt"/>
+                <a:ea typeface="+mn-ea"/>
+                <a:cs typeface="+mn-cs"/>
+              </a:defRPr>
+            </a:lvl6pPr>
+            <a:lvl7pPr marL="2743200" algn="l" defTabSz="457200" rtl="0" eaLnBrk="1" latinLnBrk="0" hangingPunct="1">
+              <a:defRPr sz="1800" kern="1200">
+                <a:solidFill>
+                  <a:schemeClr val="tx1"/>
+                </a:solidFill>
+                <a:latin typeface="+mn-lt"/>
+                <a:ea typeface="+mn-ea"/>
+                <a:cs typeface="+mn-cs"/>
+              </a:defRPr>
+            </a:lvl7pPr>
+            <a:lvl8pPr marL="3200400" algn="l" defTabSz="457200" rtl="0" eaLnBrk="1" latinLnBrk="0" hangingPunct="1">
+              <a:defRPr sz="1800" kern="1200">
+                <a:solidFill>
+                  <a:schemeClr val="tx1"/>
+                </a:solidFill>
+                <a:latin typeface="+mn-lt"/>
+                <a:ea typeface="+mn-ea"/>
+                <a:cs typeface="+mn-cs"/>
+              </a:defRPr>
+            </a:lvl8pPr>
+            <a:lvl9pPr marL="3657600" algn="l" defTabSz="457200" rtl="0" eaLnBrk="1" latinLnBrk="0" hangingPunct="1">
+              <a:defRPr sz="1800" kern="1200">
+                <a:solidFill>
+                  <a:schemeClr val="tx1"/>
+                </a:solidFill>
+                <a:latin typeface="+mn-lt"/>
+                <a:ea typeface="+mn-ea"/>
+                <a:cs typeface="+mn-cs"/>
+              </a:defRPr>
+            </a:lvl9pPr>
+          </a:lstStyle>
+          <a:p>
+            <a:fld id="{E3087969-BFE0-4E58-972C-92EE12B30F7D}" type="slidenum">
+              <a:rPr lang="en-US" smtClean="0"/>
+              <a:pPr/>
+              <a:t>4</a:t>
+            </a:fld>
+            <a:endParaRPr lang="en-US"/>
+          </a:p>
+        </p:txBody>
+      </p:sp>
+      <p:graphicFrame>
+        <p:nvGraphicFramePr>
+          <p:cNvPr id="8" name="Diagram 7">
+            <a:extLst>
+              <a:ext uri="{FF2B5EF4-FFF2-40B4-BE49-F238E27FC236}">
+                <a16:creationId xmlns:a16="http://schemas.microsoft.com/office/drawing/2014/main" id="{C403614D-8D8D-4B88-93A7-8E4DC99A8D38}"/>
+              </a:ext>
+            </a:extLst>
+          </p:cNvPr>
+          <p:cNvGraphicFramePr/>
+          <p:nvPr>
+            <p:extLst>
+              <p:ext uri="{D42A27DB-BD31-4B8C-83A1-F6EECF244321}">
+                <p14:modId xmlns:p14="http://schemas.microsoft.com/office/powerpoint/2010/main" val="2936811604"/>
+              </p:ext>
+            </p:extLst>
+          </p:nvPr>
+        </p:nvGraphicFramePr>
+        <p:xfrm>
+          <a:off x="21265" y="2281539"/>
+          <a:ext cx="12159695" cy="3753292"/>
+        </p:xfrm>
+        <a:graphic>
+          <a:graphicData uri="http://schemas.openxmlformats.org/drawingml/2006/diagram">
+            <dgm:relIds xmlns:dgm="http://schemas.openxmlformats.org/drawingml/2006/diagram" xmlns:r="http://schemas.openxmlformats.org/officeDocument/2006/relationships" r:dm="rId3" r:lo="rId4" r:qs="rId5" r:cs="rId6"/>
+          </a:graphicData>
+        </a:graphic>
+      </p:graphicFrame>
+      <p:sp>
+        <p:nvSpPr>
+          <p:cNvPr id="11" name="TextBox 10">
+            <a:extLst>
+              <a:ext uri="{FF2B5EF4-FFF2-40B4-BE49-F238E27FC236}">
+                <a16:creationId xmlns:a16="http://schemas.microsoft.com/office/drawing/2014/main" id="{E799FA44-1BB6-4A0C-9B08-C396BE90DD0E}"/>
+              </a:ext>
+            </a:extLst>
+          </p:cNvPr>
+          <p:cNvSpPr txBox="1"/>
+          <p:nvPr/>
+        </p:nvSpPr>
+        <p:spPr>
+          <a:xfrm>
+            <a:off x="10090298" y="6034831"/>
+            <a:ext cx="1901066" cy="461665"/>
+          </a:xfrm>
+          <a:prstGeom prst="rect">
+            <a:avLst/>
+          </a:prstGeom>
+          <a:noFill/>
+        </p:spPr>
+        <p:txBody>
+          <a:bodyPr wrap="square" rtlCol="0">
+            <a:spAutoFit/>
+          </a:bodyPr>
+          <a:lstStyle/>
+          <a:p>
+            <a:pPr algn="r"/>
+            <a:r>
+              <a:rPr lang="en-US" sz="2400" b="1" dirty="0"/>
+              <a:t>Thank You!</a:t>
+            </a:r>
+          </a:p>
+        </p:txBody>
+      </p:sp>
+      <p:sp>
+        <p:nvSpPr>
+          <p:cNvPr id="12" name="Content Placeholder 7">
+            <a:extLst>
+              <a:ext uri="{FF2B5EF4-FFF2-40B4-BE49-F238E27FC236}">
+                <a16:creationId xmlns:a16="http://schemas.microsoft.com/office/drawing/2014/main" id="{F1D654F8-D015-4630-B129-63ADF1EA2965}"/>
+              </a:ext>
+            </a:extLst>
+          </p:cNvPr>
+          <p:cNvSpPr>
+            <a:spLocks noGrp="1"/>
+          </p:cNvSpPr>
+          <p:nvPr>
+            <p:ph idx="1"/>
+          </p:nvPr>
+        </p:nvSpPr>
+        <p:spPr>
+          <a:xfrm>
+            <a:off x="405115" y="793797"/>
+            <a:ext cx="9961630" cy="1385877"/>
+          </a:xfrm>
+        </p:spPr>
+        <p:txBody>
+          <a:bodyPr>
+            <a:noAutofit/>
+          </a:bodyPr>
+          <a:lstStyle/>
+          <a:p>
+            <a:r>
+              <a:rPr lang="en-US" sz="1600" dirty="0"/>
+              <a:t>Comprehensive Sentiment Influence Score </a:t>
+            </a:r>
+            <a:r>
+              <a:rPr lang="en-US" sz="1600" dirty="0">
+                <a:sym typeface="Wingdings" panose="05000000000000000000" pitchFamily="2" charset="2"/>
+              </a:rPr>
+              <a:t> Not just the “Text sentiment”, but also weightages for User’s “Influential ability”</a:t>
+            </a:r>
+          </a:p>
+          <a:p>
+            <a:r>
+              <a:rPr lang="en-US" sz="1600" dirty="0"/>
+              <a:t>Actionable insights</a:t>
+            </a:r>
+          </a:p>
+          <a:p>
+            <a:r>
+              <a:rPr lang="en-US" sz="1600" dirty="0"/>
+              <a:t>Reusable components – for further strengthening and extension for other cryptocurrencies</a:t>
+            </a:r>
+          </a:p>
+        </p:txBody>
+      </p:sp>
+      <p:cxnSp>
+        <p:nvCxnSpPr>
+          <p:cNvPr id="10" name="Straight Connector 9">
+            <a:extLst>
+              <a:ext uri="{FF2B5EF4-FFF2-40B4-BE49-F238E27FC236}">
+                <a16:creationId xmlns:a16="http://schemas.microsoft.com/office/drawing/2014/main" id="{6CBE3E8B-CF1F-4CF7-9974-82AAFA5B998D}"/>
+              </a:ext>
+            </a:extLst>
+          </p:cNvPr>
+          <p:cNvCxnSpPr/>
+          <p:nvPr/>
+        </p:nvCxnSpPr>
+        <p:spPr>
+          <a:xfrm>
+            <a:off x="145052" y="2179674"/>
+            <a:ext cx="11846312" cy="0"/>
+          </a:xfrm>
+          <a:prstGeom prst="line">
+            <a:avLst/>
+          </a:prstGeom>
+          <a:ln w="28575">
+            <a:solidFill>
+              <a:schemeClr val="tx1"/>
+            </a:solidFill>
+          </a:ln>
+        </p:spPr>
+        <p:style>
+          <a:lnRef idx="1">
+            <a:schemeClr val="accent1"/>
+          </a:lnRef>
+          <a:fillRef idx="0">
+            <a:schemeClr val="accent1"/>
+          </a:fillRef>
+          <a:effectRef idx="0">
+            <a:schemeClr val="accent1"/>
+          </a:effectRef>
+          <a:fontRef idx="minor">
+            <a:schemeClr val="tx1"/>
+          </a:fontRef>
+        </p:style>
+      </p:cxnSp>
+    </p:spTree>
+    <p:extLst>
+      <p:ext uri="{BB962C8B-B14F-4D97-AF65-F5344CB8AC3E}">
+        <p14:creationId xmlns:p14="http://schemas.microsoft.com/office/powerpoint/2010/main" val="1856316613"/>
       </p:ext>
     </p:extLst>
   </p:cSld>
